--- a/Poster/exploring-ship-logbooks-poster.pptx
+++ b/Poster/exploring-ship-logbooks-poster.pptx
@@ -208,7 +208,7 @@
           <a:p>
             <a:fld id="{17579164-3CC6-4B88-94C7-9CBC73AA200C}" type="datetimeFigureOut">
               <a:rPr lang="en-US" smtClean="0"/>
-              <a:t>3/2/2016</a:t>
+              <a:t>3/14/2016</a:t>
             </a:fld>
             <a:endParaRPr lang="en-US"/>
           </a:p>
@@ -741,7 +741,7 @@
           <a:p>
             <a:fld id="{6FA05544-8301-4024-9C77-721654DB92CE}" type="datetimeFigureOut">
               <a:rPr lang="en-US" smtClean="0"/>
-              <a:t>3/2/2016</a:t>
+              <a:t>3/14/2016</a:t>
             </a:fld>
             <a:endParaRPr lang="en-US"/>
           </a:p>
@@ -911,7 +911,7 @@
           <a:p>
             <a:fld id="{6FA05544-8301-4024-9C77-721654DB92CE}" type="datetimeFigureOut">
               <a:rPr lang="en-US" smtClean="0"/>
-              <a:t>3/2/2016</a:t>
+              <a:t>3/14/2016</a:t>
             </a:fld>
             <a:endParaRPr lang="en-US"/>
           </a:p>
@@ -1091,7 +1091,7 @@
           <a:p>
             <a:fld id="{6FA05544-8301-4024-9C77-721654DB92CE}" type="datetimeFigureOut">
               <a:rPr lang="en-US" smtClean="0"/>
-              <a:t>3/2/2016</a:t>
+              <a:t>3/14/2016</a:t>
             </a:fld>
             <a:endParaRPr lang="en-US"/>
           </a:p>
@@ -1261,7 +1261,7 @@
           <a:p>
             <a:fld id="{6FA05544-8301-4024-9C77-721654DB92CE}" type="datetimeFigureOut">
               <a:rPr lang="en-US" smtClean="0"/>
-              <a:t>3/2/2016</a:t>
+              <a:t>3/14/2016</a:t>
             </a:fld>
             <a:endParaRPr lang="en-US"/>
           </a:p>
@@ -1507,7 +1507,7 @@
           <a:p>
             <a:fld id="{6FA05544-8301-4024-9C77-721654DB92CE}" type="datetimeFigureOut">
               <a:rPr lang="en-US" smtClean="0"/>
-              <a:t>3/2/2016</a:t>
+              <a:t>3/14/2016</a:t>
             </a:fld>
             <a:endParaRPr lang="en-US"/>
           </a:p>
@@ -1795,7 +1795,7 @@
           <a:p>
             <a:fld id="{6FA05544-8301-4024-9C77-721654DB92CE}" type="datetimeFigureOut">
               <a:rPr lang="en-US" smtClean="0"/>
-              <a:t>3/2/2016</a:t>
+              <a:t>3/14/2016</a:t>
             </a:fld>
             <a:endParaRPr lang="en-US"/>
           </a:p>
@@ -2217,7 +2217,7 @@
           <a:p>
             <a:fld id="{6FA05544-8301-4024-9C77-721654DB92CE}" type="datetimeFigureOut">
               <a:rPr lang="en-US" smtClean="0"/>
-              <a:t>3/2/2016</a:t>
+              <a:t>3/14/2016</a:t>
             </a:fld>
             <a:endParaRPr lang="en-US"/>
           </a:p>
@@ -2335,7 +2335,7 @@
           <a:p>
             <a:fld id="{6FA05544-8301-4024-9C77-721654DB92CE}" type="datetimeFigureOut">
               <a:rPr lang="en-US" smtClean="0"/>
-              <a:t>3/2/2016</a:t>
+              <a:t>3/14/2016</a:t>
             </a:fld>
             <a:endParaRPr lang="en-US"/>
           </a:p>
@@ -2430,7 +2430,7 @@
           <a:p>
             <a:fld id="{6FA05544-8301-4024-9C77-721654DB92CE}" type="datetimeFigureOut">
               <a:rPr lang="en-US" smtClean="0"/>
-              <a:t>3/2/2016</a:t>
+              <a:t>3/14/2016</a:t>
             </a:fld>
             <a:endParaRPr lang="en-US"/>
           </a:p>
@@ -2707,7 +2707,7 @@
           <a:p>
             <a:fld id="{6FA05544-8301-4024-9C77-721654DB92CE}" type="datetimeFigureOut">
               <a:rPr lang="en-US" smtClean="0"/>
-              <a:t>3/2/2016</a:t>
+              <a:t>3/14/2016</a:t>
             </a:fld>
             <a:endParaRPr lang="en-US"/>
           </a:p>
@@ -2960,7 +2960,7 @@
           <a:p>
             <a:fld id="{6FA05544-8301-4024-9C77-721654DB92CE}" type="datetimeFigureOut">
               <a:rPr lang="en-US" smtClean="0"/>
-              <a:t>3/2/2016</a:t>
+              <a:t>3/14/2016</a:t>
             </a:fld>
             <a:endParaRPr lang="en-US"/>
           </a:p>
@@ -3173,7 +3173,7 @@
           <a:p>
             <a:fld id="{6FA05544-8301-4024-9C77-721654DB92CE}" type="datetimeFigureOut">
               <a:rPr lang="en-US" smtClean="0"/>
-              <a:t>3/2/2016</a:t>
+              <a:t>3/14/2016</a:t>
             </a:fld>
             <a:endParaRPr lang="en-US"/>
           </a:p>
@@ -3654,11 +3654,6 @@
               </a:rPr>
               <a:t>Alicia Clark</a:t>
             </a:r>
-            <a:endParaRPr lang="en-US" sz="6000" dirty="0" smtClean="0">
-              <a:latin typeface="Open Sans" panose="020B0606030504020204" pitchFamily="34" charset="0"/>
-              <a:ea typeface="Open Sans" panose="020B0606030504020204" pitchFamily="34" charset="0"/>
-              <a:cs typeface="Open Sans" panose="020B0606030504020204" pitchFamily="34" charset="0"/>
-            </a:endParaRPr>
           </a:p>
           <a:p>
             <a:pPr algn="ctr"/>
@@ -3681,11 +3676,6 @@
               </a:rPr>
               <a:t>Mechanical Engineering</a:t>
             </a:r>
-            <a:endParaRPr lang="en-US" sz="4000" dirty="0" smtClean="0">
-              <a:latin typeface="Open Sans" panose="020B0606030504020204" pitchFamily="34" charset="0"/>
-              <a:ea typeface="Open Sans" panose="020B0606030504020204" pitchFamily="34" charset="0"/>
-              <a:cs typeface="Open Sans" panose="020B0606030504020204" pitchFamily="34" charset="0"/>
-            </a:endParaRPr>
           </a:p>
         </p:txBody>
       </p:sp>
@@ -3823,106 +3813,6 @@
       </p:pic>
       <p:grpSp>
         <p:nvGrpSpPr>
-          <p:cNvPr id="13" name="Group 12"/>
-          <p:cNvGrpSpPr/>
-          <p:nvPr/>
-        </p:nvGrpSpPr>
-        <p:grpSpPr>
-          <a:xfrm>
-            <a:off x="17602200" y="27553418"/>
-            <a:ext cx="14472976" cy="4444196"/>
-            <a:chOff x="11865040" y="14536473"/>
-            <a:chExt cx="12091516" cy="4444196"/>
-          </a:xfrm>
-        </p:grpSpPr>
-        <p:sp>
-          <p:nvSpPr>
-            <p:cNvPr id="16" name="Rectangle 15"/>
-            <p:cNvSpPr/>
-            <p:nvPr/>
-          </p:nvSpPr>
-          <p:spPr>
-            <a:xfrm>
-              <a:off x="11891844" y="15447224"/>
-              <a:ext cx="11978855" cy="3533445"/>
-            </a:xfrm>
-            <a:prstGeom prst="rect">
-              <a:avLst/>
-            </a:prstGeom>
-            <a:noFill/>
-            <a:ln w="76200">
-              <a:solidFill>
-                <a:srgbClr val="33006F"/>
-              </a:solidFill>
-            </a:ln>
-            <a:effectLst/>
-          </p:spPr>
-          <p:style>
-            <a:lnRef idx="2">
-              <a:schemeClr val="accent1">
-                <a:shade val="50000"/>
-              </a:schemeClr>
-            </a:lnRef>
-            <a:fillRef idx="1">
-              <a:schemeClr val="accent1"/>
-            </a:fillRef>
-            <a:effectRef idx="0">
-              <a:schemeClr val="accent1"/>
-            </a:effectRef>
-            <a:fontRef idx="minor">
-              <a:schemeClr val="lt1"/>
-            </a:fontRef>
-          </p:style>
-          <p:txBody>
-            <a:bodyPr rtlCol="0" anchor="ctr"/>
-            <a:lstStyle/>
-            <a:p>
-              <a:pPr algn="ctr"/>
-              <a:endParaRPr lang="en-US">
-                <a:solidFill>
-                  <a:srgbClr val="33006F"/>
-                </a:solidFill>
-              </a:endParaRPr>
-            </a:p>
-          </p:txBody>
-        </p:sp>
-        <p:sp>
-          <p:nvSpPr>
-            <p:cNvPr id="10" name="TextBox 9"/>
-            <p:cNvSpPr txBox="1"/>
-            <p:nvPr/>
-          </p:nvSpPr>
-          <p:spPr>
-            <a:xfrm>
-              <a:off x="11865040" y="14536473"/>
-              <a:ext cx="12091516" cy="1107996"/>
-            </a:xfrm>
-            <a:prstGeom prst="rect">
-              <a:avLst/>
-            </a:prstGeom>
-            <a:noFill/>
-          </p:spPr>
-          <p:txBody>
-            <a:bodyPr wrap="square" rtlCol="0">
-              <a:spAutoFit/>
-            </a:bodyPr>
-            <a:lstStyle/>
-            <a:p>
-              <a:r>
-                <a:rPr lang="en-US" sz="6600" dirty="0" smtClean="0">
-                  <a:latin typeface="Encode Sans Normal" panose="02000000000000000000" pitchFamily="2" charset="0"/>
-                </a:rPr>
-                <a:t>ACKNOWLEDGEMENTS </a:t>
-              </a:r>
-              <a:endParaRPr lang="en-US" sz="6600" dirty="0">
-                <a:latin typeface="Encode Sans Normal" panose="02000000000000000000" pitchFamily="2" charset="0"/>
-              </a:endParaRPr>
-            </a:p>
-          </p:txBody>
-        </p:sp>
-      </p:grpSp>
-      <p:grpSp>
-        <p:nvGrpSpPr>
           <p:cNvPr id="12" name="Group 11"/>
           <p:cNvGrpSpPr/>
           <p:nvPr/>
@@ -3930,9 +3820,9 @@
         <p:grpSpPr>
           <a:xfrm>
             <a:off x="1041730" y="7307341"/>
-            <a:ext cx="16103270" cy="9095392"/>
+            <a:ext cx="16103270" cy="5094170"/>
             <a:chOff x="1028863" y="7362156"/>
-            <a:chExt cx="16465427" cy="9095392"/>
+            <a:chExt cx="16465427" cy="4966692"/>
           </a:xfrm>
         </p:grpSpPr>
         <p:sp>
@@ -3944,7 +3834,7 @@
           <p:spPr>
             <a:xfrm>
               <a:off x="1066800" y="8272350"/>
-              <a:ext cx="16427490" cy="8185198"/>
+              <a:ext cx="16427490" cy="4056498"/>
             </a:xfrm>
             <a:prstGeom prst="rect">
               <a:avLst/>
@@ -4023,347 +3913,6 @@
       </p:grpSp>
       <p:sp>
         <p:nvSpPr>
-          <p:cNvPr id="26" name="Rectangle 25"/>
-          <p:cNvSpPr/>
-          <p:nvPr/>
-        </p:nvSpPr>
-        <p:spPr>
-          <a:xfrm>
-            <a:off x="1078833" y="24002999"/>
-            <a:ext cx="16066167" cy="7994615"/>
-          </a:xfrm>
-          <a:prstGeom prst="rect">
-            <a:avLst/>
-          </a:prstGeom>
-          <a:noFill/>
-          <a:ln w="76200">
-            <a:solidFill>
-              <a:srgbClr val="33006F"/>
-            </a:solidFill>
-          </a:ln>
-          <a:effectLst/>
-        </p:spPr>
-        <p:style>
-          <a:lnRef idx="2">
-            <a:schemeClr val="accent1">
-              <a:shade val="50000"/>
-            </a:schemeClr>
-          </a:lnRef>
-          <a:fillRef idx="1">
-            <a:schemeClr val="accent1"/>
-          </a:fillRef>
-          <a:effectRef idx="0">
-            <a:schemeClr val="accent1"/>
-          </a:effectRef>
-          <a:fontRef idx="minor">
-            <a:schemeClr val="lt1"/>
-          </a:fontRef>
-        </p:style>
-        <p:txBody>
-          <a:bodyPr rtlCol="0" anchor="ctr"/>
-          <a:lstStyle/>
-          <a:p>
-            <a:pPr algn="ctr"/>
-            <a:endParaRPr lang="en-US">
-              <a:solidFill>
-                <a:srgbClr val="33006F"/>
-              </a:solidFill>
-            </a:endParaRPr>
-          </a:p>
-        </p:txBody>
-      </p:sp>
-      <p:sp>
-        <p:nvSpPr>
-          <p:cNvPr id="27" name="TextBox 26"/>
-          <p:cNvSpPr txBox="1"/>
-          <p:nvPr/>
-        </p:nvSpPr>
-        <p:spPr>
-          <a:xfrm>
-            <a:off x="1041730" y="23088600"/>
-            <a:ext cx="13867398" cy="1107996"/>
-          </a:xfrm>
-          <a:prstGeom prst="rect">
-            <a:avLst/>
-          </a:prstGeom>
-          <a:noFill/>
-        </p:spPr>
-        <p:txBody>
-          <a:bodyPr wrap="square" rtlCol="0">
-            <a:spAutoFit/>
-          </a:bodyPr>
-          <a:lstStyle/>
-          <a:p>
-            <a:r>
-              <a:rPr lang="en-US" sz="6600" dirty="0" smtClean="0">
-                <a:latin typeface="Encode Sans Normal" panose="02000000000000000000" pitchFamily="2" charset="0"/>
-              </a:rPr>
-              <a:t>DATA CLEANING</a:t>
-            </a:r>
-            <a:endParaRPr lang="en-US" sz="8000" dirty="0">
-              <a:latin typeface="Encode Sans Normal" panose="02000000000000000000" pitchFamily="2" charset="0"/>
-            </a:endParaRPr>
-          </a:p>
-        </p:txBody>
-      </p:sp>
-      <p:sp>
-        <p:nvSpPr>
-          <p:cNvPr id="28" name="Rectangle 27"/>
-          <p:cNvSpPr/>
-          <p:nvPr/>
-        </p:nvSpPr>
-        <p:spPr>
-          <a:xfrm>
-            <a:off x="17634282" y="8217535"/>
-            <a:ext cx="25190117" cy="19173269"/>
-          </a:xfrm>
-          <a:prstGeom prst="rect">
-            <a:avLst/>
-          </a:prstGeom>
-          <a:noFill/>
-          <a:ln w="76200">
-            <a:solidFill>
-              <a:srgbClr val="33006F"/>
-            </a:solidFill>
-          </a:ln>
-          <a:effectLst/>
-        </p:spPr>
-        <p:style>
-          <a:lnRef idx="2">
-            <a:schemeClr val="accent1">
-              <a:shade val="50000"/>
-            </a:schemeClr>
-          </a:lnRef>
-          <a:fillRef idx="1">
-            <a:schemeClr val="accent1"/>
-          </a:fillRef>
-          <a:effectRef idx="0">
-            <a:schemeClr val="accent1"/>
-          </a:effectRef>
-          <a:fontRef idx="minor">
-            <a:schemeClr val="lt1"/>
-          </a:fontRef>
-        </p:style>
-        <p:txBody>
-          <a:bodyPr rtlCol="0" anchor="ctr"/>
-          <a:lstStyle/>
-          <a:p>
-            <a:pPr algn="ctr"/>
-            <a:endParaRPr lang="en-US">
-              <a:solidFill>
-                <a:srgbClr val="33006F"/>
-              </a:solidFill>
-            </a:endParaRPr>
-          </a:p>
-        </p:txBody>
-      </p:sp>
-      <p:sp>
-        <p:nvSpPr>
-          <p:cNvPr id="29" name="TextBox 28"/>
-          <p:cNvSpPr txBox="1"/>
-          <p:nvPr/>
-        </p:nvSpPr>
-        <p:spPr>
-          <a:xfrm>
-            <a:off x="17602199" y="7315200"/>
-            <a:ext cx="13891225" cy="1107996"/>
-          </a:xfrm>
-          <a:prstGeom prst="rect">
-            <a:avLst/>
-          </a:prstGeom>
-          <a:noFill/>
-        </p:spPr>
-        <p:txBody>
-          <a:bodyPr wrap="square" rtlCol="0">
-            <a:spAutoFit/>
-          </a:bodyPr>
-          <a:lstStyle/>
-          <a:p>
-            <a:r>
-              <a:rPr lang="en-US" sz="6600" dirty="0" smtClean="0">
-                <a:latin typeface="Encode Sans Normal" panose="02000000000000000000" pitchFamily="2" charset="0"/>
-              </a:rPr>
-              <a:t>RESULTS</a:t>
-            </a:r>
-            <a:endParaRPr lang="en-US" sz="8000" dirty="0">
-              <a:latin typeface="Encode Sans Normal" panose="02000000000000000000" pitchFamily="2" charset="0"/>
-            </a:endParaRPr>
-          </a:p>
-        </p:txBody>
-      </p:sp>
-      <p:sp>
-        <p:nvSpPr>
-          <p:cNvPr id="30" name="Rectangle 29"/>
-          <p:cNvSpPr/>
-          <p:nvPr/>
-        </p:nvSpPr>
-        <p:spPr>
-          <a:xfrm>
-            <a:off x="32461200" y="28505365"/>
-            <a:ext cx="10405977" cy="3492249"/>
-          </a:xfrm>
-          <a:prstGeom prst="rect">
-            <a:avLst/>
-          </a:prstGeom>
-          <a:noFill/>
-          <a:ln w="76200">
-            <a:solidFill>
-              <a:srgbClr val="33006F"/>
-            </a:solidFill>
-          </a:ln>
-          <a:effectLst/>
-        </p:spPr>
-        <p:style>
-          <a:lnRef idx="2">
-            <a:schemeClr val="accent1">
-              <a:shade val="50000"/>
-            </a:schemeClr>
-          </a:lnRef>
-          <a:fillRef idx="1">
-            <a:schemeClr val="accent1"/>
-          </a:fillRef>
-          <a:effectRef idx="0">
-            <a:schemeClr val="accent1"/>
-          </a:effectRef>
-          <a:fontRef idx="minor">
-            <a:schemeClr val="lt1"/>
-          </a:fontRef>
-        </p:style>
-        <p:txBody>
-          <a:bodyPr rtlCol="0" anchor="ctr"/>
-          <a:lstStyle/>
-          <a:p>
-            <a:pPr algn="ctr"/>
-            <a:endParaRPr lang="en-US">
-              <a:solidFill>
-                <a:srgbClr val="33006F"/>
-              </a:solidFill>
-            </a:endParaRPr>
-          </a:p>
-        </p:txBody>
-      </p:sp>
-      <p:sp>
-        <p:nvSpPr>
-          <p:cNvPr id="31" name="TextBox 30"/>
-          <p:cNvSpPr txBox="1"/>
-          <p:nvPr/>
-        </p:nvSpPr>
-        <p:spPr>
-          <a:xfrm>
-            <a:off x="32410250" y="27604497"/>
-            <a:ext cx="10490350" cy="1107996"/>
-          </a:xfrm>
-          <a:prstGeom prst="rect">
-            <a:avLst/>
-          </a:prstGeom>
-          <a:noFill/>
-        </p:spPr>
-        <p:txBody>
-          <a:bodyPr wrap="square" rtlCol="0">
-            <a:spAutoFit/>
-          </a:bodyPr>
-          <a:lstStyle/>
-          <a:p>
-            <a:pPr algn="r"/>
-            <a:r>
-              <a:rPr lang="en-US" sz="6600" dirty="0" smtClean="0">
-                <a:latin typeface="Encode Sans Normal" panose="02000000000000000000" pitchFamily="2" charset="0"/>
-              </a:rPr>
-              <a:t>REFERENCES</a:t>
-            </a:r>
-            <a:endParaRPr lang="en-US" sz="6600" dirty="0">
-              <a:latin typeface="Encode Sans Normal" panose="02000000000000000000" pitchFamily="2" charset="0"/>
-            </a:endParaRPr>
-          </a:p>
-        </p:txBody>
-      </p:sp>
-      <p:sp>
-        <p:nvSpPr>
-          <p:cNvPr id="39" name="Rectangle 38"/>
-          <p:cNvSpPr/>
-          <p:nvPr/>
-        </p:nvSpPr>
-        <p:spPr>
-          <a:xfrm>
-            <a:off x="1078832" y="17449800"/>
-            <a:ext cx="16066167" cy="5383312"/>
-          </a:xfrm>
-          <a:prstGeom prst="rect">
-            <a:avLst/>
-          </a:prstGeom>
-          <a:noFill/>
-          <a:ln w="76200">
-            <a:solidFill>
-              <a:srgbClr val="33006F"/>
-            </a:solidFill>
-          </a:ln>
-          <a:effectLst/>
-        </p:spPr>
-        <p:style>
-          <a:lnRef idx="2">
-            <a:schemeClr val="accent1">
-              <a:shade val="50000"/>
-            </a:schemeClr>
-          </a:lnRef>
-          <a:fillRef idx="1">
-            <a:schemeClr val="accent1"/>
-          </a:fillRef>
-          <a:effectRef idx="0">
-            <a:schemeClr val="accent1"/>
-          </a:effectRef>
-          <a:fontRef idx="minor">
-            <a:schemeClr val="lt1"/>
-          </a:fontRef>
-        </p:style>
-        <p:txBody>
-          <a:bodyPr rtlCol="0" anchor="ctr"/>
-          <a:lstStyle/>
-          <a:p>
-            <a:pPr algn="ctr"/>
-            <a:endParaRPr lang="en-US">
-              <a:solidFill>
-                <a:srgbClr val="33006F"/>
-              </a:solidFill>
-            </a:endParaRPr>
-          </a:p>
-        </p:txBody>
-      </p:sp>
-      <p:sp>
-        <p:nvSpPr>
-          <p:cNvPr id="40" name="TextBox 39"/>
-          <p:cNvSpPr txBox="1"/>
-          <p:nvPr/>
-        </p:nvSpPr>
-        <p:spPr>
-          <a:xfrm>
-            <a:off x="1041730" y="16535400"/>
-            <a:ext cx="13921058" cy="1107996"/>
-          </a:xfrm>
-          <a:prstGeom prst="rect">
-            <a:avLst/>
-          </a:prstGeom>
-          <a:noFill/>
-        </p:spPr>
-        <p:txBody>
-          <a:bodyPr wrap="square" rtlCol="0">
-            <a:spAutoFit/>
-          </a:bodyPr>
-          <a:lstStyle/>
-          <a:p>
-            <a:r>
-              <a:rPr lang="en-US" sz="6600" dirty="0" smtClean="0">
-                <a:latin typeface="Encode Sans Normal" panose="02000000000000000000" pitchFamily="2" charset="0"/>
-              </a:rPr>
-              <a:t>THE DATA SET</a:t>
-            </a:r>
-            <a:endParaRPr lang="en-US" sz="8000" dirty="0">
-              <a:latin typeface="Encode Sans Normal" panose="02000000000000000000" pitchFamily="2" charset="0"/>
-            </a:endParaRPr>
-          </a:p>
-        </p:txBody>
-      </p:sp>
-      <p:sp>
-        <p:nvSpPr>
           <p:cNvPr id="90" name="TextBox 89"/>
           <p:cNvSpPr txBox="1"/>
           <p:nvPr/>
@@ -4489,11 +4038,6 @@
               </a:rPr>
               <a:t> Wei</a:t>
             </a:r>
-            <a:endParaRPr lang="en-US" sz="6000" dirty="0" smtClean="0">
-              <a:latin typeface="Open Sans" panose="020B0606030504020204" pitchFamily="34" charset="0"/>
-              <a:ea typeface="Open Sans" panose="020B0606030504020204" pitchFamily="34" charset="0"/>
-              <a:cs typeface="Open Sans" panose="020B0606030504020204" pitchFamily="34" charset="0"/>
-            </a:endParaRPr>
           </a:p>
           <a:p>
             <a:pPr algn="ctr"/>
@@ -4516,11 +4060,6 @@
               </a:rPr>
               <a:t>Chemical Engineering</a:t>
             </a:r>
-            <a:endParaRPr lang="en-US" sz="4000" dirty="0" smtClean="0">
-              <a:latin typeface="Open Sans" panose="020B0606030504020204" pitchFamily="34" charset="0"/>
-              <a:ea typeface="Open Sans" panose="020B0606030504020204" pitchFamily="34" charset="0"/>
-              <a:cs typeface="Open Sans" panose="020B0606030504020204" pitchFamily="34" charset="0"/>
-            </a:endParaRPr>
           </a:p>
         </p:txBody>
       </p:sp>
@@ -4555,11 +4094,6 @@
               </a:rPr>
               <a:t>Emma Cotter</a:t>
             </a:r>
-            <a:endParaRPr lang="en-US" sz="6000" dirty="0" smtClean="0">
-              <a:latin typeface="Open Sans" panose="020B0606030504020204" pitchFamily="34" charset="0"/>
-              <a:ea typeface="Open Sans" panose="020B0606030504020204" pitchFamily="34" charset="0"/>
-              <a:cs typeface="Open Sans" panose="020B0606030504020204" pitchFamily="34" charset="0"/>
-            </a:endParaRPr>
           </a:p>
           <a:p>
             <a:pPr algn="ctr"/>
@@ -4582,11 +4116,6 @@
               </a:rPr>
               <a:t>Mechanical Engineering</a:t>
             </a:r>
-            <a:endParaRPr lang="en-US" sz="4000" dirty="0" smtClean="0">
-              <a:latin typeface="Open Sans" panose="020B0606030504020204" pitchFamily="34" charset="0"/>
-              <a:ea typeface="Open Sans" panose="020B0606030504020204" pitchFamily="34" charset="0"/>
-              <a:cs typeface="Open Sans" panose="020B0606030504020204" pitchFamily="34" charset="0"/>
-            </a:endParaRPr>
           </a:p>
         </p:txBody>
       </p:sp>
@@ -4680,8 +4209,8 @@
         </p:nvSpPr>
         <p:spPr>
           <a:xfrm>
-            <a:off x="1905000" y="8896141"/>
-            <a:ext cx="8915400" cy="3108543"/>
+            <a:off x="1435721" y="8537024"/>
+            <a:ext cx="15082893" cy="3539430"/>
           </a:xfrm>
           <a:prstGeom prst="rect">
             <a:avLst/>
@@ -4699,8 +4228,34 @@
               <a:buChar char="•"/>
             </a:pPr>
             <a:r>
-              <a:rPr lang="en-US" sz="2800" dirty="0" smtClean="0"/>
-              <a:t>Data set has been well-studied for climatology studies</a:t>
+              <a:rPr lang="en-US" sz="2800" dirty="0" smtClean="0">
+                <a:latin typeface="Encode Sans Normal" panose="02000000000000000000"/>
+              </a:rPr>
+              <a:t>17</a:t>
+            </a:r>
+            <a:r>
+              <a:rPr lang="en-US" sz="2800" baseline="30000" dirty="0" smtClean="0">
+                <a:latin typeface="Encode Sans Normal" panose="02000000000000000000"/>
+              </a:rPr>
+              <a:t>th</a:t>
+            </a:r>
+            <a:r>
+              <a:rPr lang="en-US" sz="2800" dirty="0" smtClean="0">
+                <a:latin typeface="Encode Sans Normal" panose="02000000000000000000"/>
+              </a:rPr>
+              <a:t> and 18</a:t>
+            </a:r>
+            <a:r>
+              <a:rPr lang="en-US" sz="2800" baseline="30000" dirty="0" smtClean="0">
+                <a:latin typeface="Encode Sans Normal" panose="02000000000000000000"/>
+              </a:rPr>
+              <a:t>th</a:t>
+            </a:r>
+            <a:r>
+              <a:rPr lang="en-US" sz="2800" dirty="0" smtClean="0">
+                <a:latin typeface="Encode Sans Normal" panose="02000000000000000000"/>
+              </a:rPr>
+              <a:t> century ship logs contain extensive information about weather, historical events, and cultural phenomena</a:t>
             </a:r>
           </a:p>
           <a:p>
@@ -4709,8 +4264,10 @@
               <a:buChar char="•"/>
             </a:pPr>
             <a:r>
-              <a:rPr lang="en-US" sz="2800" dirty="0" smtClean="0"/>
-              <a:t>But what else can we get from it?</a:t>
+              <a:rPr lang="en-US" sz="2800" dirty="0" smtClean="0">
+                <a:latin typeface="Encode Sans Normal" panose="02000000000000000000"/>
+              </a:rPr>
+              <a:t>Many of these ship logs have been translated into databases for historical or scientific research</a:t>
             </a:r>
           </a:p>
           <a:p>
@@ -4719,8 +4276,10 @@
               <a:buChar char="•"/>
             </a:pPr>
             <a:r>
-              <a:rPr lang="en-US" sz="2800" dirty="0" smtClean="0"/>
-              <a:t>Better understanding of trends in the slave trade</a:t>
+              <a:rPr lang="en-US" sz="2800" dirty="0" smtClean="0">
+                <a:latin typeface="Encode Sans Normal" panose="02000000000000000000"/>
+              </a:rPr>
+              <a:t>Databases are typically formulated with one research goal in mind – i.e. studying climate change or trends in the slave trade</a:t>
             </a:r>
           </a:p>
           <a:p>
@@ -4729,209 +4288,306 @@
               <a:buChar char="•"/>
             </a:pPr>
             <a:r>
-              <a:rPr lang="en-US" sz="2800" dirty="0" smtClean="0"/>
-              <a:t>~1.5% of 250,000+ logs mention slaves directly. But more must have been slave ships! How can we determine which?</a:t>
-            </a:r>
-          </a:p>
-          <a:p>
-            <a:pPr marL="457200" indent="-457200">
-              <a:buFont typeface="Arial" panose="020B0604020202020204" pitchFamily="34" charset="0"/>
-              <a:buChar char="•"/>
-            </a:pPr>
-            <a:r>
-              <a:rPr lang="en-US" sz="2800" dirty="0" smtClean="0"/>
-              <a:t>Maybe some historical motivation…</a:t>
-            </a:r>
-            <a:endParaRPr lang="en-US" sz="2800" dirty="0"/>
-          </a:p>
-        </p:txBody>
-      </p:sp>
-      <p:sp>
-        <p:nvSpPr>
-          <p:cNvPr id="86" name="TextBox 85"/>
-          <p:cNvSpPr txBox="1"/>
+              <a:rPr lang="en-US" sz="2800" dirty="0" smtClean="0">
+                <a:latin typeface="Encode Sans Normal" panose="02000000000000000000"/>
+              </a:rPr>
+              <a:t>Our goal is to find out if information from a database of ship logs collected to study climate change can be used to also study the slave trade</a:t>
+            </a:r>
+            <a:endParaRPr lang="en-US" sz="2800" dirty="0">
+              <a:latin typeface="Encode Sans Normal" panose="02000000000000000000"/>
+            </a:endParaRPr>
+          </a:p>
+        </p:txBody>
+      </p:sp>
+      <p:grpSp>
+        <p:nvGrpSpPr>
+          <p:cNvPr id="6" name="Group 5"/>
+          <p:cNvGrpSpPr/>
           <p:nvPr/>
-        </p:nvSpPr>
-        <p:spPr>
+        </p:nvGrpSpPr>
+        <p:grpSpPr>
           <a:xfrm>
-            <a:off x="1905000" y="18319998"/>
-            <a:ext cx="8915400" cy="2246769"/>
+            <a:off x="1066800" y="22936302"/>
+            <a:ext cx="16586433" cy="9318543"/>
+            <a:chOff x="-17648564" y="17921405"/>
+            <a:chExt cx="16586433" cy="8909014"/>
           </a:xfrm>
-          <a:prstGeom prst="rect">
-            <a:avLst/>
-          </a:prstGeom>
-          <a:noFill/>
-        </p:spPr>
-        <p:txBody>
-          <a:bodyPr wrap="square" rtlCol="0">
-            <a:spAutoFit/>
-          </a:bodyPr>
-          <a:lstStyle/>
-          <a:p>
-            <a:pPr marL="457200" indent="-457200">
-              <a:buFont typeface="Arial" panose="020B0604020202020204" pitchFamily="34" charset="0"/>
-              <a:buChar char="•"/>
-            </a:pPr>
-            <a:r>
-              <a:rPr lang="en-US" sz="2800" dirty="0" smtClean="0"/>
-              <a:t>Size</a:t>
-            </a:r>
-          </a:p>
-          <a:p>
-            <a:pPr marL="457200" indent="-457200">
-              <a:buFont typeface="Arial" panose="020B0604020202020204" pitchFamily="34" charset="0"/>
-              <a:buChar char="•"/>
-            </a:pPr>
-            <a:r>
-              <a:rPr lang="en-US" sz="2800" dirty="0" smtClean="0"/>
-              <a:t>Source</a:t>
-            </a:r>
-          </a:p>
-          <a:p>
-            <a:pPr marL="457200" indent="-457200">
-              <a:buFont typeface="Arial" panose="020B0604020202020204" pitchFamily="34" charset="0"/>
-              <a:buChar char="•"/>
-            </a:pPr>
-            <a:r>
-              <a:rPr lang="en-US" sz="2800" dirty="0" smtClean="0"/>
-              <a:t>What parameters are given for each log?</a:t>
-            </a:r>
-          </a:p>
-          <a:p>
-            <a:pPr marL="457200" indent="-457200">
-              <a:buFont typeface="Arial" panose="020B0604020202020204" pitchFamily="34" charset="0"/>
-              <a:buChar char="•"/>
-            </a:pPr>
-            <a:r>
-              <a:rPr lang="en-US" sz="2800" dirty="0" smtClean="0"/>
-              <a:t>What percentage of logs have the parameters we are looking at?</a:t>
-            </a:r>
-            <a:endParaRPr lang="en-US" sz="2800" dirty="0"/>
-          </a:p>
-        </p:txBody>
-      </p:sp>
-      <p:sp>
-        <p:nvSpPr>
-          <p:cNvPr id="87" name="TextBox 86"/>
-          <p:cNvSpPr txBox="1"/>
+        </p:grpSpPr>
+        <p:sp>
+          <p:nvSpPr>
+            <p:cNvPr id="26" name="Rectangle 25"/>
+            <p:cNvSpPr/>
+            <p:nvPr/>
+          </p:nvSpPr>
+          <p:spPr>
+            <a:xfrm>
+              <a:off x="-17611461" y="18835804"/>
+              <a:ext cx="16066167" cy="7994615"/>
+            </a:xfrm>
+            <a:prstGeom prst="rect">
+              <a:avLst/>
+            </a:prstGeom>
+            <a:noFill/>
+            <a:ln w="76200">
+              <a:solidFill>
+                <a:srgbClr val="33006F"/>
+              </a:solidFill>
+            </a:ln>
+            <a:effectLst/>
+          </p:spPr>
+          <p:style>
+            <a:lnRef idx="2">
+              <a:schemeClr val="accent1">
+                <a:shade val="50000"/>
+              </a:schemeClr>
+            </a:lnRef>
+            <a:fillRef idx="1">
+              <a:schemeClr val="accent1"/>
+            </a:fillRef>
+            <a:effectRef idx="0">
+              <a:schemeClr val="accent1"/>
+            </a:effectRef>
+            <a:fontRef idx="minor">
+              <a:schemeClr val="lt1"/>
+            </a:fontRef>
+          </p:style>
+          <p:txBody>
+            <a:bodyPr rtlCol="0" anchor="ctr"/>
+            <a:lstStyle/>
+            <a:p>
+              <a:pPr algn="ctr"/>
+              <a:endParaRPr lang="en-US">
+                <a:solidFill>
+                  <a:srgbClr val="33006F"/>
+                </a:solidFill>
+              </a:endParaRPr>
+            </a:p>
+          </p:txBody>
+        </p:sp>
+        <p:sp>
+          <p:nvSpPr>
+            <p:cNvPr id="27" name="TextBox 26"/>
+            <p:cNvSpPr txBox="1"/>
+            <p:nvPr/>
+          </p:nvSpPr>
+          <p:spPr>
+            <a:xfrm>
+              <a:off x="-17648564" y="17921405"/>
+              <a:ext cx="13867398" cy="1107996"/>
+            </a:xfrm>
+            <a:prstGeom prst="rect">
+              <a:avLst/>
+            </a:prstGeom>
+            <a:noFill/>
+          </p:spPr>
+          <p:txBody>
+            <a:bodyPr wrap="square" rtlCol="0">
+              <a:spAutoFit/>
+            </a:bodyPr>
+            <a:lstStyle/>
+            <a:p>
+              <a:r>
+                <a:rPr lang="en-US" sz="6600" dirty="0" smtClean="0">
+                  <a:latin typeface="Encode Sans Normal" panose="02000000000000000000" pitchFamily="2" charset="0"/>
+                </a:rPr>
+                <a:t>DATA CLEANING</a:t>
+              </a:r>
+              <a:endParaRPr lang="en-US" sz="8000" dirty="0">
+                <a:latin typeface="Encode Sans Normal" panose="02000000000000000000" pitchFamily="2" charset="0"/>
+              </a:endParaRPr>
+            </a:p>
+          </p:txBody>
+        </p:sp>
+        <p:sp>
+          <p:nvSpPr>
+            <p:cNvPr id="87" name="TextBox 86"/>
+            <p:cNvSpPr txBox="1"/>
+            <p:nvPr/>
+          </p:nvSpPr>
+          <p:spPr>
+            <a:xfrm>
+              <a:off x="-17481267" y="19522068"/>
+              <a:ext cx="16419136" cy="1324128"/>
+            </a:xfrm>
+            <a:prstGeom prst="rect">
+              <a:avLst/>
+            </a:prstGeom>
+            <a:noFill/>
+          </p:spPr>
+          <p:txBody>
+            <a:bodyPr wrap="square" rtlCol="0">
+              <a:spAutoFit/>
+            </a:bodyPr>
+            <a:lstStyle/>
+            <a:p>
+              <a:pPr marL="457200" indent="-457200">
+                <a:buFont typeface="Arial" panose="020B0604020202020204" pitchFamily="34" charset="0"/>
+                <a:buChar char="•"/>
+              </a:pPr>
+              <a:r>
+                <a:rPr lang="en-US" sz="2800" dirty="0" smtClean="0">
+                  <a:latin typeface="Encode Sans Normal" panose="02000000000000000000"/>
+                </a:rPr>
+                <a:t>Removed repeating logbook entries so that there was only one entry per voyage</a:t>
+              </a:r>
+            </a:p>
+            <a:p>
+              <a:pPr marL="457200" indent="-457200">
+                <a:buFont typeface="Arial" panose="020B0604020202020204" pitchFamily="34" charset="0"/>
+                <a:buChar char="•"/>
+              </a:pPr>
+              <a:r>
+                <a:rPr lang="en-US" sz="2800" dirty="0" smtClean="0">
+                  <a:latin typeface="Encode Sans Normal" panose="02000000000000000000"/>
+                </a:rPr>
+                <a:t>Isolated the columns of interest to be used in the classification</a:t>
+              </a:r>
+            </a:p>
+            <a:p>
+              <a:pPr marL="457200" indent="-457200">
+                <a:buFont typeface="Arial" panose="020B0604020202020204" pitchFamily="34" charset="0"/>
+                <a:buChar char="•"/>
+              </a:pPr>
+              <a:r>
+                <a:rPr lang="en-US" sz="2800" dirty="0" smtClean="0">
+                  <a:latin typeface="Encode Sans Normal" panose="02000000000000000000"/>
+                </a:rPr>
+                <a:t>Used fuzzy logic to rename strings to their corresponding ‘match’ in the slave trade data set</a:t>
+              </a:r>
+            </a:p>
+          </p:txBody>
+        </p:sp>
+      </p:grpSp>
+      <p:grpSp>
+        <p:nvGrpSpPr>
+          <p:cNvPr id="7" name="Group 6"/>
+          <p:cNvGrpSpPr/>
           <p:nvPr/>
-        </p:nvSpPr>
-        <p:spPr>
+        </p:nvGrpSpPr>
+        <p:grpSpPr>
           <a:xfrm>
-            <a:off x="1924050" y="24888586"/>
-            <a:ext cx="8915400" cy="954107"/>
+            <a:off x="17754599" y="7239000"/>
+            <a:ext cx="25222201" cy="9868892"/>
+            <a:chOff x="17602199" y="6774541"/>
+            <a:chExt cx="14348424" cy="16826075"/>
           </a:xfrm>
-          <a:prstGeom prst="rect">
-            <a:avLst/>
-          </a:prstGeom>
-          <a:noFill/>
-        </p:spPr>
-        <p:txBody>
-          <a:bodyPr wrap="square" rtlCol="0">
-            <a:spAutoFit/>
-          </a:bodyPr>
-          <a:lstStyle/>
-          <a:p>
-            <a:pPr marL="457200" indent="-457200">
-              <a:buFont typeface="Arial" panose="020B0604020202020204" pitchFamily="34" charset="0"/>
-              <a:buChar char="•"/>
-            </a:pPr>
-            <a:r>
-              <a:rPr lang="en-US" sz="2800" dirty="0" smtClean="0"/>
-              <a:t>Describe what </a:t>
-            </a:r>
-            <a:r>
-              <a:rPr lang="en-US" sz="2800" dirty="0" err="1" smtClean="0"/>
-              <a:t>Wedward</a:t>
-            </a:r>
-            <a:r>
-              <a:rPr lang="en-US" sz="2800" dirty="0" smtClean="0"/>
-              <a:t> is doing with separating voyages, looking at units on </a:t>
-            </a:r>
-            <a:r>
-              <a:rPr lang="en-US" sz="2800" dirty="0" err="1" smtClean="0"/>
-              <a:t>lat</a:t>
-            </a:r>
-            <a:r>
-              <a:rPr lang="en-US" sz="2800" dirty="0" smtClean="0"/>
-              <a:t>/</a:t>
-            </a:r>
-            <a:r>
-              <a:rPr lang="en-US" sz="2800" dirty="0" err="1" smtClean="0"/>
-              <a:t>lon</a:t>
-            </a:r>
-            <a:r>
-              <a:rPr lang="en-US" sz="2800" dirty="0" smtClean="0"/>
-              <a:t>, etc.</a:t>
-            </a:r>
-            <a:endParaRPr lang="en-US" sz="2800" dirty="0"/>
-          </a:p>
-        </p:txBody>
-      </p:sp>
-      <p:sp>
-        <p:nvSpPr>
-          <p:cNvPr id="88" name="TextBox 87"/>
-          <p:cNvSpPr txBox="1"/>
-          <p:nvPr/>
-        </p:nvSpPr>
-        <p:spPr>
-          <a:xfrm>
-            <a:off x="18859500" y="9973358"/>
-            <a:ext cx="8915400" cy="1815882"/>
-          </a:xfrm>
-          <a:prstGeom prst="rect">
-            <a:avLst/>
-          </a:prstGeom>
-          <a:noFill/>
-        </p:spPr>
-        <p:txBody>
-          <a:bodyPr wrap="square" rtlCol="0">
-            <a:spAutoFit/>
-          </a:bodyPr>
-          <a:lstStyle/>
-          <a:p>
-            <a:pPr marL="457200" indent="-457200">
-              <a:buFont typeface="Arial" panose="020B0604020202020204" pitchFamily="34" charset="0"/>
-              <a:buChar char="•"/>
-            </a:pPr>
-            <a:r>
-              <a:rPr lang="en-US" sz="2800" dirty="0" smtClean="0"/>
-              <a:t>Can break this into multiple sections</a:t>
-            </a:r>
-          </a:p>
-          <a:p>
-            <a:pPr marL="457200" indent="-457200">
-              <a:buFont typeface="Arial" panose="020B0604020202020204" pitchFamily="34" charset="0"/>
-              <a:buChar char="•"/>
-            </a:pPr>
-            <a:r>
-              <a:rPr lang="en-US" sz="2800" dirty="0" smtClean="0"/>
-              <a:t>Plots</a:t>
-            </a:r>
-          </a:p>
-          <a:p>
-            <a:pPr marL="457200" indent="-457200">
-              <a:buFont typeface="Arial" panose="020B0604020202020204" pitchFamily="34" charset="0"/>
-              <a:buChar char="•"/>
-            </a:pPr>
-            <a:r>
-              <a:rPr lang="en-US" sz="2800" dirty="0" smtClean="0"/>
-              <a:t>Example of classification</a:t>
-            </a:r>
-          </a:p>
-          <a:p>
-            <a:pPr marL="457200" indent="-457200">
-              <a:buFont typeface="Arial" panose="020B0604020202020204" pitchFamily="34" charset="0"/>
-              <a:buChar char="•"/>
-            </a:pPr>
-            <a:r>
-              <a:rPr lang="en-US" sz="2800" dirty="0" smtClean="0"/>
-              <a:t>Maybe a cool picture of a ship.</a:t>
-            </a:r>
-            <a:endParaRPr lang="en-US" sz="2800" dirty="0"/>
-          </a:p>
-        </p:txBody>
-      </p:sp>
+        </p:grpSpPr>
+        <p:sp>
+          <p:nvSpPr>
+            <p:cNvPr id="28" name="Rectangle 27"/>
+            <p:cNvSpPr/>
+            <p:nvPr/>
+          </p:nvSpPr>
+          <p:spPr>
+            <a:xfrm>
+              <a:off x="17634282" y="8518073"/>
+              <a:ext cx="14316341" cy="15082543"/>
+            </a:xfrm>
+            <a:prstGeom prst="rect">
+              <a:avLst/>
+            </a:prstGeom>
+            <a:noFill/>
+            <a:ln w="76200">
+              <a:solidFill>
+                <a:srgbClr val="33006F"/>
+              </a:solidFill>
+            </a:ln>
+            <a:effectLst/>
+          </p:spPr>
+          <p:style>
+            <a:lnRef idx="2">
+              <a:schemeClr val="accent1">
+                <a:shade val="50000"/>
+              </a:schemeClr>
+            </a:lnRef>
+            <a:fillRef idx="1">
+              <a:schemeClr val="accent1"/>
+            </a:fillRef>
+            <a:effectRef idx="0">
+              <a:schemeClr val="accent1"/>
+            </a:effectRef>
+            <a:fontRef idx="minor">
+              <a:schemeClr val="lt1"/>
+            </a:fontRef>
+          </p:style>
+          <p:txBody>
+            <a:bodyPr rtlCol="0" anchor="ctr"/>
+            <a:lstStyle/>
+            <a:p>
+              <a:pPr algn="ctr"/>
+              <a:endParaRPr lang="en-US">
+                <a:solidFill>
+                  <a:srgbClr val="33006F"/>
+                </a:solidFill>
+              </a:endParaRPr>
+            </a:p>
+          </p:txBody>
+        </p:sp>
+        <p:sp>
+          <p:nvSpPr>
+            <p:cNvPr id="29" name="TextBox 28"/>
+            <p:cNvSpPr txBox="1"/>
+            <p:nvPr/>
+          </p:nvSpPr>
+          <p:spPr>
+            <a:xfrm>
+              <a:off x="17602199" y="6774541"/>
+              <a:ext cx="13891225" cy="1107995"/>
+            </a:xfrm>
+            <a:prstGeom prst="rect">
+              <a:avLst/>
+            </a:prstGeom>
+            <a:noFill/>
+          </p:spPr>
+          <p:txBody>
+            <a:bodyPr wrap="square" rtlCol="0">
+              <a:spAutoFit/>
+            </a:bodyPr>
+            <a:lstStyle/>
+            <a:p>
+              <a:r>
+                <a:rPr lang="en-US" sz="6600" dirty="0" smtClean="0">
+                  <a:latin typeface="Encode Sans Normal" panose="02000000000000000000" pitchFamily="2" charset="0"/>
+                </a:rPr>
+                <a:t>CLASSIFICATION</a:t>
+              </a:r>
+              <a:endParaRPr lang="en-US" sz="8000" dirty="0">
+                <a:latin typeface="Encode Sans Normal" panose="02000000000000000000" pitchFamily="2" charset="0"/>
+              </a:endParaRPr>
+            </a:p>
+          </p:txBody>
+        </p:sp>
+        <p:sp>
+          <p:nvSpPr>
+            <p:cNvPr id="88" name="TextBox 87"/>
+            <p:cNvSpPr txBox="1"/>
+            <p:nvPr/>
+          </p:nvSpPr>
+          <p:spPr>
+            <a:xfrm>
+              <a:off x="18859500" y="9973358"/>
+              <a:ext cx="8915400" cy="523220"/>
+            </a:xfrm>
+            <a:prstGeom prst="rect">
+              <a:avLst/>
+            </a:prstGeom>
+            <a:noFill/>
+          </p:spPr>
+          <p:txBody>
+            <a:bodyPr wrap="square" rtlCol="0">
+              <a:spAutoFit/>
+            </a:bodyPr>
+            <a:lstStyle/>
+            <a:p>
+              <a:pPr marL="457200" indent="-457200">
+                <a:buFont typeface="Arial" panose="020B0604020202020204" pitchFamily="34" charset="0"/>
+                <a:buChar char="•"/>
+              </a:pPr>
+              <a:endParaRPr lang="en-US" sz="2800" dirty="0"/>
+            </a:p>
+          </p:txBody>
+        </p:sp>
+      </p:grpSp>
       <p:sp>
         <p:nvSpPr>
           <p:cNvPr id="89" name="TextBox 88"/>
@@ -4963,11 +4619,6 @@
               </a:rPr>
               <a:t>CSE 599B</a:t>
             </a:r>
-            <a:endParaRPr lang="en-US" sz="6000" dirty="0" smtClean="0">
-              <a:latin typeface="Open Sans" panose="020B0606030504020204" pitchFamily="34" charset="0"/>
-              <a:ea typeface="Open Sans" panose="020B0606030504020204" pitchFamily="34" charset="0"/>
-              <a:cs typeface="Open Sans" panose="020B0606030504020204" pitchFamily="34" charset="0"/>
-            </a:endParaRPr>
           </a:p>
           <a:p>
             <a:pPr algn="ctr"/>
@@ -5009,6 +4660,4936 @@
           </a:p>
         </p:txBody>
       </p:sp>
+      <p:grpSp>
+        <p:nvGrpSpPr>
+          <p:cNvPr id="15" name="Group 14"/>
+          <p:cNvGrpSpPr/>
+          <p:nvPr/>
+        </p:nvGrpSpPr>
+        <p:grpSpPr>
+          <a:xfrm>
+            <a:off x="17564002" y="17369764"/>
+            <a:ext cx="16852094" cy="14885073"/>
+            <a:chOff x="32530221" y="5877347"/>
+            <a:chExt cx="9613393" cy="29536435"/>
+          </a:xfrm>
+        </p:grpSpPr>
+        <p:sp>
+          <p:nvSpPr>
+            <p:cNvPr id="33" name="Rectangle 32"/>
+            <p:cNvSpPr/>
+            <p:nvPr/>
+          </p:nvSpPr>
+          <p:spPr>
+            <a:xfrm>
+              <a:off x="32562305" y="7992178"/>
+              <a:ext cx="9373446" cy="27421604"/>
+            </a:xfrm>
+            <a:prstGeom prst="rect">
+              <a:avLst/>
+            </a:prstGeom>
+            <a:noFill/>
+            <a:ln w="76200">
+              <a:solidFill>
+                <a:srgbClr val="33006F"/>
+              </a:solidFill>
+            </a:ln>
+            <a:effectLst/>
+          </p:spPr>
+          <p:style>
+            <a:lnRef idx="2">
+              <a:schemeClr val="accent1">
+                <a:shade val="50000"/>
+              </a:schemeClr>
+            </a:lnRef>
+            <a:fillRef idx="1">
+              <a:schemeClr val="accent1"/>
+            </a:fillRef>
+            <a:effectRef idx="0">
+              <a:schemeClr val="accent1"/>
+            </a:effectRef>
+            <a:fontRef idx="minor">
+              <a:schemeClr val="lt1"/>
+            </a:fontRef>
+          </p:style>
+          <p:txBody>
+            <a:bodyPr rtlCol="0" anchor="ctr"/>
+            <a:lstStyle/>
+            <a:p>
+              <a:pPr algn="ctr"/>
+              <a:endParaRPr lang="en-US">
+                <a:solidFill>
+                  <a:srgbClr val="33006F"/>
+                </a:solidFill>
+              </a:endParaRPr>
+            </a:p>
+          </p:txBody>
+        </p:sp>
+        <p:sp>
+          <p:nvSpPr>
+            <p:cNvPr id="34" name="TextBox 33"/>
+            <p:cNvSpPr txBox="1"/>
+            <p:nvPr/>
+          </p:nvSpPr>
+          <p:spPr>
+            <a:xfrm>
+              <a:off x="32530221" y="5877347"/>
+              <a:ext cx="9613393" cy="2260797"/>
+            </a:xfrm>
+            <a:prstGeom prst="rect">
+              <a:avLst/>
+            </a:prstGeom>
+            <a:noFill/>
+          </p:spPr>
+          <p:txBody>
+            <a:bodyPr wrap="square" rtlCol="0">
+              <a:spAutoFit/>
+            </a:bodyPr>
+            <a:lstStyle/>
+            <a:p>
+              <a:r>
+                <a:rPr lang="en-US" sz="6600" dirty="0" smtClean="0">
+                  <a:latin typeface="Encode Sans Normal" panose="02000000000000000000" pitchFamily="2" charset="0"/>
+                </a:rPr>
+                <a:t>RESULTS</a:t>
+              </a:r>
+              <a:endParaRPr lang="en-US" sz="8000" dirty="0">
+                <a:latin typeface="Encode Sans Normal" panose="02000000000000000000" pitchFamily="2" charset="0"/>
+              </a:endParaRPr>
+            </a:p>
+          </p:txBody>
+        </p:sp>
+      </p:grpSp>
+      <p:grpSp>
+        <p:nvGrpSpPr>
+          <p:cNvPr id="32" name="Group 31"/>
+          <p:cNvGrpSpPr/>
+          <p:nvPr/>
+        </p:nvGrpSpPr>
+        <p:grpSpPr>
+          <a:xfrm>
+            <a:off x="1103903" y="12372581"/>
+            <a:ext cx="25069483" cy="10716019"/>
+            <a:chOff x="1103903" y="12268200"/>
+            <a:chExt cx="25069483" cy="10716019"/>
+          </a:xfrm>
+        </p:grpSpPr>
+        <p:grpSp>
+          <p:nvGrpSpPr>
+            <p:cNvPr id="17" name="Group 16"/>
+            <p:cNvGrpSpPr/>
+            <p:nvPr/>
+          </p:nvGrpSpPr>
+          <p:grpSpPr>
+            <a:xfrm>
+              <a:off x="1103903" y="12268200"/>
+              <a:ext cx="16103269" cy="10668097"/>
+              <a:chOff x="1041730" y="16435049"/>
+              <a:chExt cx="16103269" cy="10668097"/>
+            </a:xfrm>
+          </p:grpSpPr>
+          <p:sp>
+            <p:nvSpPr>
+              <p:cNvPr id="39" name="Rectangle 38"/>
+              <p:cNvSpPr/>
+              <p:nvPr/>
+            </p:nvSpPr>
+            <p:spPr>
+              <a:xfrm>
+                <a:off x="1078832" y="17449800"/>
+                <a:ext cx="16066167" cy="9653346"/>
+              </a:xfrm>
+              <a:prstGeom prst="rect">
+                <a:avLst/>
+              </a:prstGeom>
+              <a:noFill/>
+              <a:ln w="76200">
+                <a:solidFill>
+                  <a:srgbClr val="33006F"/>
+                </a:solidFill>
+              </a:ln>
+              <a:effectLst/>
+            </p:spPr>
+            <p:style>
+              <a:lnRef idx="2">
+                <a:schemeClr val="accent1">
+                  <a:shade val="50000"/>
+                </a:schemeClr>
+              </a:lnRef>
+              <a:fillRef idx="1">
+                <a:schemeClr val="accent1"/>
+              </a:fillRef>
+              <a:effectRef idx="0">
+                <a:schemeClr val="accent1"/>
+              </a:effectRef>
+              <a:fontRef idx="minor">
+                <a:schemeClr val="lt1"/>
+              </a:fontRef>
+            </p:style>
+            <p:txBody>
+              <a:bodyPr rtlCol="0" anchor="ctr"/>
+              <a:lstStyle/>
+              <a:p>
+                <a:pPr algn="ctr"/>
+                <a:endParaRPr lang="en-US">
+                  <a:solidFill>
+                    <a:srgbClr val="33006F"/>
+                  </a:solidFill>
+                </a:endParaRPr>
+              </a:p>
+            </p:txBody>
+          </p:sp>
+          <p:sp>
+            <p:nvSpPr>
+              <p:cNvPr id="40" name="TextBox 39"/>
+              <p:cNvSpPr txBox="1"/>
+              <p:nvPr/>
+            </p:nvSpPr>
+            <p:spPr>
+              <a:xfrm>
+                <a:off x="1041730" y="16435049"/>
+                <a:ext cx="13921058" cy="1107996"/>
+              </a:xfrm>
+              <a:prstGeom prst="rect">
+                <a:avLst/>
+              </a:prstGeom>
+              <a:noFill/>
+            </p:spPr>
+            <p:txBody>
+              <a:bodyPr wrap="square" rtlCol="0">
+                <a:spAutoFit/>
+              </a:bodyPr>
+              <a:lstStyle/>
+              <a:p>
+                <a:r>
+                  <a:rPr lang="en-US" sz="6600" dirty="0" smtClean="0">
+                    <a:latin typeface="Encode Sans Normal" panose="02000000000000000000" pitchFamily="2" charset="0"/>
+                  </a:rPr>
+                  <a:t>THE DATA SETS</a:t>
+                </a:r>
+                <a:endParaRPr lang="en-US" sz="8000" dirty="0">
+                  <a:latin typeface="Encode Sans Normal" panose="02000000000000000000" pitchFamily="2" charset="0"/>
+                </a:endParaRPr>
+              </a:p>
+            </p:txBody>
+          </p:sp>
+        </p:grpSp>
+        <p:sp>
+          <p:nvSpPr>
+            <p:cNvPr id="42" name="TextBox 41"/>
+            <p:cNvSpPr txBox="1"/>
+            <p:nvPr/>
+          </p:nvSpPr>
+          <p:spPr>
+            <a:xfrm>
+              <a:off x="1286844" y="14808976"/>
+              <a:ext cx="6962034" cy="3539430"/>
+            </a:xfrm>
+            <a:prstGeom prst="rect">
+              <a:avLst/>
+            </a:prstGeom>
+            <a:noFill/>
+          </p:spPr>
+          <p:txBody>
+            <a:bodyPr wrap="square" rtlCol="0">
+              <a:spAutoFit/>
+            </a:bodyPr>
+            <a:lstStyle/>
+            <a:p>
+              <a:pPr marL="571500" indent="-571500">
+                <a:buFont typeface="Arial" panose="020B0604020202020204" pitchFamily="34" charset="0"/>
+                <a:buChar char="•"/>
+              </a:pPr>
+              <a:r>
+                <a:rPr lang="en-US" sz="2800" dirty="0" smtClean="0">
+                  <a:latin typeface="Encode Sans Normal" panose="02000000000000000000" pitchFamily="2" charset="0"/>
+                </a:rPr>
+                <a:t>Database focuses on understanding climate change through weather observations</a:t>
+              </a:r>
+            </a:p>
+            <a:p>
+              <a:pPr marL="571500" indent="-571500">
+                <a:buFont typeface="Arial" panose="020B0604020202020204" pitchFamily="34" charset="0"/>
+                <a:buChar char="•"/>
+              </a:pPr>
+              <a:r>
+                <a:rPr lang="en-US" sz="2800" dirty="0" smtClean="0">
+                  <a:latin typeface="Encode Sans Normal" panose="02000000000000000000" pitchFamily="2" charset="0"/>
+                </a:rPr>
+                <a:t>Contains raw logbook text</a:t>
+              </a:r>
+            </a:p>
+            <a:p>
+              <a:pPr marL="571500" indent="-571500">
+                <a:buFont typeface="Arial" panose="020B0604020202020204" pitchFamily="34" charset="0"/>
+                <a:buChar char="•"/>
+              </a:pPr>
+              <a:r>
+                <a:rPr lang="en-US" sz="2800" dirty="0" smtClean="0">
+                  <a:latin typeface="Encode Sans Normal" panose="02000000000000000000" pitchFamily="2" charset="0"/>
+                </a:rPr>
+                <a:t>280,290 transcribed logs</a:t>
+              </a:r>
+            </a:p>
+            <a:p>
+              <a:pPr marL="571500" indent="-571500">
+                <a:buFont typeface="Arial" panose="020B0604020202020204" pitchFamily="34" charset="0"/>
+                <a:buChar char="•"/>
+              </a:pPr>
+              <a:r>
+                <a:rPr lang="en-US" sz="2800" dirty="0" smtClean="0">
+                  <a:latin typeface="Encode Sans Normal" panose="02000000000000000000" pitchFamily="2" charset="0"/>
+                </a:rPr>
+                <a:t>1651 individual voyages</a:t>
+              </a:r>
+            </a:p>
+            <a:p>
+              <a:pPr marL="571500" indent="-571500">
+                <a:buFont typeface="Arial" panose="020B0604020202020204" pitchFamily="34" charset="0"/>
+                <a:buChar char="•"/>
+              </a:pPr>
+              <a:r>
+                <a:rPr lang="en-US" sz="2800" dirty="0" smtClean="0">
+                  <a:latin typeface="Encode Sans Normal" panose="02000000000000000000" pitchFamily="2" charset="0"/>
+                </a:rPr>
+                <a:t>Includes latitude and longitude for every log entry</a:t>
+              </a:r>
+              <a:endParaRPr lang="en-US" sz="2800" dirty="0">
+                <a:latin typeface="Encode Sans Normal" panose="02000000000000000000" pitchFamily="2" charset="0"/>
+              </a:endParaRPr>
+            </a:p>
+          </p:txBody>
+        </p:sp>
+        <p:sp>
+          <p:nvSpPr>
+            <p:cNvPr id="19" name="Rectangle 18"/>
+            <p:cNvSpPr/>
+            <p:nvPr/>
+          </p:nvSpPr>
+          <p:spPr>
+            <a:xfrm>
+              <a:off x="1234097" y="18890791"/>
+              <a:ext cx="6476375" cy="4093428"/>
+            </a:xfrm>
+            <a:prstGeom prst="rect">
+              <a:avLst/>
+            </a:prstGeom>
+          </p:spPr>
+          <p:txBody>
+            <a:bodyPr wrap="square">
+              <a:spAutoFit/>
+            </a:bodyPr>
+            <a:lstStyle/>
+            <a:p>
+              <a:pPr lvl="1"/>
+              <a:endParaRPr lang="en-US" sz="2800" dirty="0">
+                <a:latin typeface="Encode Sans Normal" panose="02000000000000000000" pitchFamily="2" charset="0"/>
+              </a:endParaRPr>
+            </a:p>
+            <a:p>
+              <a:pPr marL="457200" indent="-457200">
+                <a:buFont typeface="Arial" charset="0"/>
+                <a:buChar char="•"/>
+              </a:pPr>
+              <a:r>
+                <a:rPr lang="en-US" sz="2800" dirty="0" smtClean="0">
+                  <a:latin typeface="Encode Sans Normal" panose="02000000000000000000" pitchFamily="2" charset="0"/>
+                </a:rPr>
+                <a:t>Database </a:t>
+              </a:r>
+              <a:r>
+                <a:rPr lang="en-US" sz="2800" dirty="0">
+                  <a:latin typeface="Encode Sans Normal" panose="02000000000000000000" pitchFamily="2" charset="0"/>
+                </a:rPr>
+                <a:t>focuses on quantifying the slave </a:t>
+              </a:r>
+              <a:r>
+                <a:rPr lang="en-US" sz="2800" dirty="0" smtClean="0">
+                  <a:latin typeface="Encode Sans Normal" panose="02000000000000000000" pitchFamily="2" charset="0"/>
+                </a:rPr>
+                <a:t>trade</a:t>
+              </a:r>
+            </a:p>
+            <a:p>
+              <a:pPr marL="457200" indent="-457200">
+                <a:buFont typeface="Arial" charset="0"/>
+                <a:buChar char="•"/>
+              </a:pPr>
+              <a:r>
+                <a:rPr lang="en-US" sz="2800" dirty="0" smtClean="0">
+                  <a:latin typeface="Encode Sans Normal" panose="02000000000000000000" pitchFamily="2" charset="0"/>
+                </a:rPr>
+                <a:t>Includes </a:t>
+              </a:r>
+              <a:r>
+                <a:rPr lang="en-US" sz="2800" dirty="0">
+                  <a:latin typeface="Encode Sans Normal" panose="02000000000000000000" pitchFamily="2" charset="0"/>
+                </a:rPr>
+                <a:t>entries for each voyage (not every individual log </a:t>
+              </a:r>
+              <a:r>
+                <a:rPr lang="en-US" sz="2800" dirty="0" smtClean="0">
+                  <a:latin typeface="Encode Sans Normal" panose="02000000000000000000" pitchFamily="2" charset="0"/>
+                </a:rPr>
+                <a:t>entry)</a:t>
+              </a:r>
+            </a:p>
+            <a:p>
+              <a:pPr marL="457200" indent="-457200">
+                <a:buFont typeface="Arial" charset="0"/>
+                <a:buChar char="•"/>
+              </a:pPr>
+              <a:r>
+                <a:rPr lang="en-US" sz="2800" dirty="0" smtClean="0">
+                  <a:latin typeface="Encode Sans Normal" panose="02000000000000000000" pitchFamily="2" charset="0"/>
+                </a:rPr>
+                <a:t>58,957 </a:t>
+              </a:r>
+              <a:r>
+                <a:rPr lang="en-US" sz="2800" dirty="0">
+                  <a:latin typeface="Encode Sans Normal" panose="02000000000000000000" pitchFamily="2" charset="0"/>
+                </a:rPr>
+                <a:t>voyages </a:t>
+              </a:r>
+              <a:r>
+                <a:rPr lang="en-US" sz="2800" dirty="0" smtClean="0">
+                  <a:latin typeface="Encode Sans Normal" panose="02000000000000000000" pitchFamily="2" charset="0"/>
+                </a:rPr>
+                <a:t>documented</a:t>
+              </a:r>
+            </a:p>
+            <a:p>
+              <a:pPr marL="742950" indent="-742950">
+                <a:buFont typeface="Arial" panose="020B0604020202020204" pitchFamily="34" charset="0"/>
+                <a:buChar char="•"/>
+              </a:pPr>
+              <a:endParaRPr lang="en-US" sz="2800" dirty="0">
+                <a:latin typeface="Encode Sans Normal" panose="02000000000000000000" pitchFamily="2" charset="0"/>
+              </a:endParaRPr>
+            </a:p>
+            <a:p>
+              <a:endParaRPr lang="en-US" sz="3600" dirty="0">
+                <a:latin typeface="Encode Sans Normal" panose="02000000000000000000" pitchFamily="2" charset="0"/>
+              </a:endParaRPr>
+            </a:p>
+          </p:txBody>
+        </p:sp>
+        <p:pic>
+          <p:nvPicPr>
+            <p:cNvPr id="22" name="Picture 21"/>
+            <p:cNvPicPr>
+              <a:picLocks noChangeAspect="1"/>
+            </p:cNvPicPr>
+            <p:nvPr/>
+          </p:nvPicPr>
+          <p:blipFill>
+            <a:blip r:embed="rId7">
+              <a:clrChange>
+                <a:clrFrom>
+                  <a:srgbClr val="FFFFFF"/>
+                </a:clrFrom>
+                <a:clrTo>
+                  <a:srgbClr val="FFFFFF">
+                    <a:alpha val="0"/>
+                  </a:srgbClr>
+                </a:clrTo>
+              </a:clrChange>
+              <a:extLst>
+                <a:ext uri="{28A0092B-C50C-407E-A947-70E740481C1C}">
+                  <a14:useLocalDpi xmlns:a14="http://schemas.microsoft.com/office/drawing/2010/main" val="0"/>
+                </a:ext>
+              </a:extLst>
+            </a:blip>
+            <a:stretch>
+              <a:fillRect/>
+            </a:stretch>
+          </p:blipFill>
+          <p:spPr>
+            <a:xfrm>
+              <a:off x="7917009" y="18336019"/>
+              <a:ext cx="4513862" cy="4513862"/>
+            </a:xfrm>
+            <a:prstGeom prst="rect">
+              <a:avLst/>
+            </a:prstGeom>
+          </p:spPr>
+        </p:pic>
+        <p:pic>
+          <p:nvPicPr>
+            <p:cNvPr id="23" name="Picture 22"/>
+            <p:cNvPicPr>
+              <a:picLocks noChangeAspect="1"/>
+            </p:cNvPicPr>
+            <p:nvPr/>
+          </p:nvPicPr>
+          <p:blipFill>
+            <a:blip r:embed="rId8">
+              <a:clrChange>
+                <a:clrFrom>
+                  <a:srgbClr val="FFFFFF"/>
+                </a:clrFrom>
+                <a:clrTo>
+                  <a:srgbClr val="FFFFFF">
+                    <a:alpha val="0"/>
+                  </a:srgbClr>
+                </a:clrTo>
+              </a:clrChange>
+              <a:extLst>
+                <a:ext uri="{28A0092B-C50C-407E-A947-70E740481C1C}">
+                  <a14:useLocalDpi xmlns:a14="http://schemas.microsoft.com/office/drawing/2010/main" val="0"/>
+                </a:ext>
+              </a:extLst>
+            </a:blip>
+            <a:stretch>
+              <a:fillRect/>
+            </a:stretch>
+          </p:blipFill>
+          <p:spPr>
+            <a:xfrm>
+              <a:off x="8059622" y="13912283"/>
+              <a:ext cx="4480039" cy="4480039"/>
+            </a:xfrm>
+            <a:prstGeom prst="rect">
+              <a:avLst/>
+            </a:prstGeom>
+          </p:spPr>
+        </p:pic>
+        <p:sp>
+          <p:nvSpPr>
+            <p:cNvPr id="30" name="Rectangle 29"/>
+            <p:cNvSpPr/>
+            <p:nvPr/>
+          </p:nvSpPr>
+          <p:spPr>
+            <a:xfrm>
+              <a:off x="4296291" y="17991512"/>
+              <a:ext cx="7708094" cy="954107"/>
+            </a:xfrm>
+            <a:prstGeom prst="rect">
+              <a:avLst/>
+            </a:prstGeom>
+          </p:spPr>
+          <p:txBody>
+            <a:bodyPr wrap="square">
+              <a:spAutoFit/>
+            </a:bodyPr>
+            <a:lstStyle/>
+            <a:p>
+              <a:pPr lvl="1"/>
+              <a:endParaRPr lang="en-US" sz="2800" dirty="0">
+                <a:latin typeface="Encode Sans Normal" panose="02000000000000000000" pitchFamily="2" charset="0"/>
+              </a:endParaRPr>
+            </a:p>
+            <a:p>
+              <a:r>
+                <a:rPr lang="en-US" sz="2800" b="1" dirty="0" smtClean="0">
+                  <a:latin typeface="Encode Sans Normal" panose="02000000000000000000" pitchFamily="2" charset="0"/>
+                </a:rPr>
+                <a:t>Trans-Atlantic </a:t>
+              </a:r>
+              <a:r>
+                <a:rPr lang="en-US" sz="2800" b="1" dirty="0">
+                  <a:latin typeface="Encode Sans Normal" panose="02000000000000000000" pitchFamily="2" charset="0"/>
+                </a:rPr>
+                <a:t>Slave Trade Database</a:t>
+              </a:r>
+            </a:p>
+          </p:txBody>
+        </p:sp>
+        <p:sp>
+          <p:nvSpPr>
+            <p:cNvPr id="31" name="Rectangle 30"/>
+            <p:cNvSpPr/>
+            <p:nvPr/>
+          </p:nvSpPr>
+          <p:spPr>
+            <a:xfrm>
+              <a:off x="4227786" y="13553857"/>
+              <a:ext cx="21945600" cy="523220"/>
+            </a:xfrm>
+            <a:prstGeom prst="rect">
+              <a:avLst/>
+            </a:prstGeom>
+          </p:spPr>
+          <p:txBody>
+            <a:bodyPr>
+              <a:spAutoFit/>
+            </a:bodyPr>
+            <a:lstStyle/>
+            <a:p>
+              <a:r>
+                <a:rPr lang="en-US" sz="2800" b="1" dirty="0">
+                  <a:latin typeface="Encode Sans Normal" panose="02000000000000000000" pitchFamily="2" charset="0"/>
+                </a:rPr>
+                <a:t>Climatological Database for the Worlds Oceans (CLIWOC)</a:t>
+              </a:r>
+            </a:p>
+          </p:txBody>
+        </p:sp>
+      </p:grpSp>
+      <p:grpSp>
+        <p:nvGrpSpPr>
+          <p:cNvPr id="38" name="Group 37"/>
+          <p:cNvGrpSpPr/>
+          <p:nvPr/>
+        </p:nvGrpSpPr>
+        <p:grpSpPr>
+          <a:xfrm>
+            <a:off x="17877478" y="8505678"/>
+            <a:ext cx="7381523" cy="3328520"/>
+            <a:chOff x="17877479" y="8505678"/>
+            <a:chExt cx="6797732" cy="3328520"/>
+          </a:xfrm>
+        </p:grpSpPr>
+        <p:sp>
+          <p:nvSpPr>
+            <p:cNvPr id="10" name="TextBox 9"/>
+            <p:cNvSpPr txBox="1"/>
+            <p:nvPr/>
+          </p:nvSpPr>
+          <p:spPr>
+            <a:xfrm>
+              <a:off x="17882635" y="9156542"/>
+              <a:ext cx="6792576" cy="2677656"/>
+            </a:xfrm>
+            <a:prstGeom prst="rect">
+              <a:avLst/>
+            </a:prstGeom>
+            <a:noFill/>
+          </p:spPr>
+          <p:txBody>
+            <a:bodyPr wrap="square" rtlCol="0">
+              <a:spAutoFit/>
+            </a:bodyPr>
+            <a:lstStyle/>
+            <a:p>
+              <a:pPr marL="457200" indent="-457200">
+                <a:buFont typeface="Arial" panose="020B0604020202020204" pitchFamily="34" charset="0"/>
+                <a:buChar char="•"/>
+              </a:pPr>
+              <a:r>
+                <a:rPr lang="en-US" sz="2800" u="sng" dirty="0" smtClean="0">
+                  <a:latin typeface="Encode Sans Normal" panose="02000000000000000000"/>
+                </a:rPr>
+                <a:t>Positive Training Data </a:t>
+              </a:r>
+              <a:r>
+                <a:rPr lang="en-US" sz="2800" dirty="0" smtClean="0">
+                  <a:latin typeface="Encode Sans Normal" panose="02000000000000000000"/>
+                </a:rPr>
+                <a:t>- 80% of the entries from the slave voyages database</a:t>
+              </a:r>
+            </a:p>
+            <a:p>
+              <a:pPr marL="457200" indent="-457200">
+                <a:buFont typeface="Arial" panose="020B0604020202020204" pitchFamily="34" charset="0"/>
+                <a:buChar char="•"/>
+              </a:pPr>
+              <a:r>
+                <a:rPr lang="en-US" sz="2800" u="sng" dirty="0" smtClean="0">
+                  <a:latin typeface="Encode Sans Normal" panose="02000000000000000000"/>
+                </a:rPr>
+                <a:t>Negative </a:t>
+              </a:r>
+              <a:r>
+                <a:rPr lang="en-US" sz="2800" u="sng" dirty="0">
+                  <a:latin typeface="Encode Sans Normal" panose="02000000000000000000"/>
+                </a:rPr>
+                <a:t>Training </a:t>
+              </a:r>
+              <a:r>
+                <a:rPr lang="en-US" sz="2800" u="sng" dirty="0" smtClean="0">
+                  <a:latin typeface="Encode Sans Normal" panose="02000000000000000000"/>
+                </a:rPr>
+                <a:t>Data</a:t>
+              </a:r>
+              <a:r>
+                <a:rPr lang="en-US" sz="2800" dirty="0" smtClean="0">
+                  <a:latin typeface="Encode Sans Normal" panose="02000000000000000000"/>
+                </a:rPr>
+                <a:t> - Entries from the CLIWOC data with ship names proven to not be involved with the slave trade (mainly naval ships</a:t>
+              </a:r>
+              <a:endParaRPr lang="en-US" sz="2800" dirty="0">
+                <a:latin typeface="Encode Sans Normal" panose="02000000000000000000"/>
+              </a:endParaRPr>
+            </a:p>
+          </p:txBody>
+        </p:sp>
+        <p:sp>
+          <p:nvSpPr>
+            <p:cNvPr id="53" name="Rectangle 52"/>
+            <p:cNvSpPr/>
+            <p:nvPr/>
+          </p:nvSpPr>
+          <p:spPr>
+            <a:xfrm>
+              <a:off x="17877479" y="8505678"/>
+              <a:ext cx="2895600" cy="523220"/>
+            </a:xfrm>
+            <a:prstGeom prst="rect">
+              <a:avLst/>
+            </a:prstGeom>
+          </p:spPr>
+          <p:txBody>
+            <a:bodyPr wrap="square">
+              <a:spAutoFit/>
+            </a:bodyPr>
+            <a:lstStyle/>
+            <a:p>
+              <a:r>
+                <a:rPr lang="en-US" sz="2800" b="1" dirty="0" smtClean="0">
+                  <a:latin typeface="Encode Sans Normal" panose="02000000000000000000" pitchFamily="2" charset="0"/>
+                </a:rPr>
+                <a:t>Training Data</a:t>
+              </a:r>
+              <a:endParaRPr lang="en-US" sz="2800" b="1" dirty="0">
+                <a:latin typeface="Encode Sans Normal" panose="02000000000000000000" pitchFamily="2" charset="0"/>
+              </a:endParaRPr>
+            </a:p>
+          </p:txBody>
+        </p:sp>
+      </p:grpSp>
+      <p:sp>
+        <p:nvSpPr>
+          <p:cNvPr id="54" name="Rectangle 53"/>
+          <p:cNvSpPr/>
+          <p:nvPr/>
+        </p:nvSpPr>
+        <p:spPr>
+          <a:xfrm>
+            <a:off x="17983200" y="12964180"/>
+            <a:ext cx="4197352" cy="523220"/>
+          </a:xfrm>
+          <a:prstGeom prst="rect">
+            <a:avLst/>
+          </a:prstGeom>
+        </p:spPr>
+        <p:txBody>
+          <a:bodyPr wrap="square">
+            <a:spAutoFit/>
+          </a:bodyPr>
+          <a:lstStyle/>
+          <a:p>
+            <a:r>
+              <a:rPr lang="en-US" sz="2800" b="1" dirty="0" smtClean="0">
+                <a:latin typeface="Encode Sans Normal" panose="02000000000000000000" pitchFamily="2" charset="0"/>
+              </a:rPr>
+              <a:t>Validation Data</a:t>
+            </a:r>
+            <a:endParaRPr lang="en-US" sz="2800" b="1" dirty="0">
+              <a:latin typeface="Encode Sans Normal" panose="02000000000000000000" pitchFamily="2" charset="0"/>
+            </a:endParaRPr>
+          </a:p>
+        </p:txBody>
+      </p:sp>
+      <p:sp>
+        <p:nvSpPr>
+          <p:cNvPr id="55" name="Rectangle 54"/>
+          <p:cNvSpPr/>
+          <p:nvPr/>
+        </p:nvSpPr>
+        <p:spPr>
+          <a:xfrm>
+            <a:off x="7877520" y="21815135"/>
+            <a:ext cx="4727760" cy="1138773"/>
+          </a:xfrm>
+          <a:prstGeom prst="rect">
+            <a:avLst/>
+          </a:prstGeom>
+        </p:spPr>
+        <p:txBody>
+          <a:bodyPr wrap="square">
+            <a:spAutoFit/>
+          </a:bodyPr>
+          <a:lstStyle/>
+          <a:p>
+            <a:pPr lvl="1"/>
+            <a:endParaRPr lang="en-US" sz="2800" dirty="0">
+              <a:latin typeface="Encode Sans Normal" panose="02000000000000000000" pitchFamily="2" charset="0"/>
+            </a:endParaRPr>
+          </a:p>
+          <a:p>
+            <a:r>
+              <a:rPr lang="en-US" sz="2000" i="1" dirty="0" smtClean="0">
+                <a:latin typeface="Encode Sans Normal" panose="02000000000000000000" pitchFamily="2" charset="0"/>
+              </a:rPr>
+              <a:t>Nationalities that compose more than 1% of the data</a:t>
+            </a:r>
+            <a:endParaRPr lang="en-US" sz="2000" i="1" dirty="0">
+              <a:latin typeface="Encode Sans Normal" panose="02000000000000000000" pitchFamily="2" charset="0"/>
+            </a:endParaRPr>
+          </a:p>
+        </p:txBody>
+      </p:sp>
+      <p:sp>
+        <p:nvSpPr>
+          <p:cNvPr id="56" name="Rectangle 55"/>
+          <p:cNvSpPr/>
+          <p:nvPr/>
+        </p:nvSpPr>
+        <p:spPr>
+          <a:xfrm>
+            <a:off x="10979004" y="22304452"/>
+            <a:ext cx="7455191" cy="400110"/>
+          </a:xfrm>
+          <a:prstGeom prst="rect">
+            <a:avLst/>
+          </a:prstGeom>
+        </p:spPr>
+        <p:txBody>
+          <a:bodyPr wrap="square">
+            <a:spAutoFit/>
+          </a:bodyPr>
+          <a:lstStyle/>
+          <a:p>
+            <a:pPr lvl="1"/>
+            <a:r>
+              <a:rPr lang="en-US" sz="2000" i="1" dirty="0" smtClean="0">
+                <a:latin typeface="Encode Sans Normal" panose="02000000000000000000" pitchFamily="2" charset="0"/>
+              </a:rPr>
+              <a:t>Departure Year of Voyages</a:t>
+            </a:r>
+            <a:endParaRPr lang="en-US" sz="2800" dirty="0">
+              <a:latin typeface="Encode Sans Normal" panose="02000000000000000000" pitchFamily="2" charset="0"/>
+            </a:endParaRPr>
+          </a:p>
+        </p:txBody>
+      </p:sp>
+      <p:sp>
+        <p:nvSpPr>
+          <p:cNvPr id="57" name="Rectangle 56"/>
+          <p:cNvSpPr/>
+          <p:nvPr/>
+        </p:nvSpPr>
+        <p:spPr>
+          <a:xfrm>
+            <a:off x="10979004" y="17602270"/>
+            <a:ext cx="7455191" cy="400110"/>
+          </a:xfrm>
+          <a:prstGeom prst="rect">
+            <a:avLst/>
+          </a:prstGeom>
+        </p:spPr>
+        <p:txBody>
+          <a:bodyPr wrap="square">
+            <a:spAutoFit/>
+          </a:bodyPr>
+          <a:lstStyle/>
+          <a:p>
+            <a:pPr lvl="1"/>
+            <a:r>
+              <a:rPr lang="en-US" sz="2000" i="1" dirty="0" smtClean="0">
+                <a:latin typeface="Encode Sans Normal" panose="02000000000000000000" pitchFamily="2" charset="0"/>
+              </a:rPr>
+              <a:t>Departure Year of Voyages</a:t>
+            </a:r>
+            <a:endParaRPr lang="en-US" sz="2800" dirty="0">
+              <a:latin typeface="Encode Sans Normal" panose="02000000000000000000" pitchFamily="2" charset="0"/>
+            </a:endParaRPr>
+          </a:p>
+        </p:txBody>
+      </p:sp>
+      <p:sp>
+        <p:nvSpPr>
+          <p:cNvPr id="58" name="Rectangle 57"/>
+          <p:cNvSpPr/>
+          <p:nvPr/>
+        </p:nvSpPr>
+        <p:spPr>
+          <a:xfrm>
+            <a:off x="8140707" y="17187279"/>
+            <a:ext cx="4727760" cy="1138773"/>
+          </a:xfrm>
+          <a:prstGeom prst="rect">
+            <a:avLst/>
+          </a:prstGeom>
+        </p:spPr>
+        <p:txBody>
+          <a:bodyPr wrap="square">
+            <a:spAutoFit/>
+          </a:bodyPr>
+          <a:lstStyle/>
+          <a:p>
+            <a:pPr lvl="1"/>
+            <a:endParaRPr lang="en-US" sz="2800" dirty="0">
+              <a:latin typeface="Encode Sans Normal" panose="02000000000000000000" pitchFamily="2" charset="0"/>
+            </a:endParaRPr>
+          </a:p>
+          <a:p>
+            <a:r>
+              <a:rPr lang="en-US" sz="2000" i="1" dirty="0" smtClean="0">
+                <a:latin typeface="Encode Sans Normal" panose="02000000000000000000" pitchFamily="2" charset="0"/>
+              </a:rPr>
+              <a:t>Nationalities that compose more than 1% of the data</a:t>
+            </a:r>
+            <a:endParaRPr lang="en-US" sz="2000" i="1" dirty="0">
+              <a:latin typeface="Encode Sans Normal" panose="02000000000000000000" pitchFamily="2" charset="0"/>
+            </a:endParaRPr>
+          </a:p>
+        </p:txBody>
+      </p:sp>
+      <p:sp>
+        <p:nvSpPr>
+          <p:cNvPr id="59" name="TextBox 58"/>
+          <p:cNvSpPr txBox="1"/>
+          <p:nvPr/>
+        </p:nvSpPr>
+        <p:spPr>
+          <a:xfrm>
+            <a:off x="17968561" y="13552944"/>
+            <a:ext cx="7287980" cy="2246769"/>
+          </a:xfrm>
+          <a:prstGeom prst="rect">
+            <a:avLst/>
+          </a:prstGeom>
+          <a:noFill/>
+        </p:spPr>
+        <p:txBody>
+          <a:bodyPr wrap="square" rtlCol="0">
+            <a:spAutoFit/>
+          </a:bodyPr>
+          <a:lstStyle/>
+          <a:p>
+            <a:pPr marL="514350" indent="-514350">
+              <a:buFont typeface="+mj-lt"/>
+              <a:buAutoNum type="arabicPeriod"/>
+            </a:pPr>
+            <a:r>
+              <a:rPr lang="en-US" sz="2800" dirty="0" smtClean="0">
+                <a:latin typeface="Encode Sans Normal" panose="02000000000000000000"/>
+              </a:rPr>
+              <a:t>Remaining 20% of entries from the slave voyages data </a:t>
+            </a:r>
+          </a:p>
+          <a:p>
+            <a:pPr marL="514350" indent="-514350">
+              <a:buFont typeface="+mj-lt"/>
+              <a:buAutoNum type="arabicPeriod"/>
+            </a:pPr>
+            <a:r>
+              <a:rPr lang="en-US" sz="2800" dirty="0" smtClean="0">
+                <a:latin typeface="Encode Sans Normal" panose="02000000000000000000"/>
+              </a:rPr>
+              <a:t>Entries from the CLIWOC data with logbook text that explicitly mentions slaves</a:t>
+            </a:r>
+            <a:endParaRPr lang="en-US" sz="2800" dirty="0">
+              <a:latin typeface="Encode Sans Normal" panose="02000000000000000000"/>
+            </a:endParaRPr>
+          </a:p>
+        </p:txBody>
+      </p:sp>
+      <p:sp>
+        <p:nvSpPr>
+          <p:cNvPr id="61" name="Rectangle 60"/>
+          <p:cNvSpPr/>
+          <p:nvPr/>
+        </p:nvSpPr>
+        <p:spPr>
+          <a:xfrm>
+            <a:off x="25889673" y="8588838"/>
+            <a:ext cx="5657127" cy="523220"/>
+          </a:xfrm>
+          <a:prstGeom prst="rect">
+            <a:avLst/>
+          </a:prstGeom>
+        </p:spPr>
+        <p:txBody>
+          <a:bodyPr wrap="square">
+            <a:spAutoFit/>
+          </a:bodyPr>
+          <a:lstStyle/>
+          <a:p>
+            <a:r>
+              <a:rPr lang="en-US" sz="2800" b="1" dirty="0" smtClean="0">
+                <a:latin typeface="Encode Sans Normal" panose="02000000000000000000" pitchFamily="2" charset="0"/>
+              </a:rPr>
+              <a:t>Naïve Bayes Classification</a:t>
+            </a:r>
+            <a:endParaRPr lang="en-US" sz="2800" b="1" dirty="0">
+              <a:latin typeface="Encode Sans Normal" panose="02000000000000000000" pitchFamily="2" charset="0"/>
+            </a:endParaRPr>
+          </a:p>
+        </p:txBody>
+      </p:sp>
+      <p:grpSp>
+        <p:nvGrpSpPr>
+          <p:cNvPr id="44" name="Group 43"/>
+          <p:cNvGrpSpPr/>
+          <p:nvPr/>
+        </p:nvGrpSpPr>
+        <p:grpSpPr>
+          <a:xfrm>
+            <a:off x="25573568" y="9300216"/>
+            <a:ext cx="6730199" cy="3360607"/>
+            <a:chOff x="24645856" y="9132490"/>
+            <a:chExt cx="11425580" cy="6532740"/>
+          </a:xfrm>
+        </p:grpSpPr>
+        <p:grpSp>
+          <p:nvGrpSpPr>
+            <p:cNvPr id="43" name="Group 42"/>
+            <p:cNvGrpSpPr/>
+            <p:nvPr/>
+          </p:nvGrpSpPr>
+          <p:grpSpPr>
+            <a:xfrm>
+              <a:off x="24645856" y="9132490"/>
+              <a:ext cx="11425580" cy="5733043"/>
+              <a:chOff x="24645856" y="9132490"/>
+              <a:chExt cx="11425580" cy="5733043"/>
+            </a:xfrm>
+          </p:grpSpPr>
+          <p:grpSp>
+            <p:nvGrpSpPr>
+              <p:cNvPr id="62" name="Group 61"/>
+              <p:cNvGrpSpPr/>
+              <p:nvPr/>
+            </p:nvGrpSpPr>
+            <p:grpSpPr>
+              <a:xfrm>
+                <a:off x="25735902" y="9132490"/>
+                <a:ext cx="4943368" cy="4886748"/>
+                <a:chOff x="5278805" y="994670"/>
+                <a:chExt cx="4943368" cy="4886748"/>
+              </a:xfrm>
+              <a:solidFill>
+                <a:schemeClr val="accent1"/>
+              </a:solidFill>
+            </p:grpSpPr>
+            <p:sp>
+              <p:nvSpPr>
+                <p:cNvPr id="63" name="Oval 62"/>
+                <p:cNvSpPr/>
+                <p:nvPr/>
+              </p:nvSpPr>
+              <p:spPr>
+                <a:xfrm>
+                  <a:off x="5278805" y="994670"/>
+                  <a:ext cx="4943368" cy="4886748"/>
+                </a:xfrm>
+                <a:prstGeom prst="ellipse">
+                  <a:avLst/>
+                </a:prstGeom>
+                <a:solidFill>
+                  <a:schemeClr val="accent1">
+                    <a:alpha val="20000"/>
+                  </a:schemeClr>
+                </a:solidFill>
+                <a:ln w="12700">
+                  <a:solidFill>
+                    <a:schemeClr val="tx1"/>
+                  </a:solidFill>
+                  <a:prstDash val="dash"/>
+                </a:ln>
+              </p:spPr>
+              <p:style>
+                <a:lnRef idx="2">
+                  <a:schemeClr val="accent1">
+                    <a:shade val="50000"/>
+                  </a:schemeClr>
+                </a:lnRef>
+                <a:fillRef idx="1">
+                  <a:schemeClr val="accent1"/>
+                </a:fillRef>
+                <a:effectRef idx="0">
+                  <a:schemeClr val="accent1"/>
+                </a:effectRef>
+                <a:fontRef idx="minor">
+                  <a:schemeClr val="lt1"/>
+                </a:fontRef>
+              </p:style>
+              <p:txBody>
+                <a:bodyPr rtlCol="0" anchor="ctr"/>
+                <a:lstStyle/>
+                <a:p>
+                  <a:pPr algn="ctr"/>
+                  <a:endParaRPr lang="en-US"/>
+                </a:p>
+              </p:txBody>
+            </p:sp>
+            <p:sp>
+              <p:nvSpPr>
+                <p:cNvPr id="64" name="Oval 63"/>
+                <p:cNvSpPr/>
+                <p:nvPr/>
+              </p:nvSpPr>
+              <p:spPr>
+                <a:xfrm>
+                  <a:off x="6169975" y="1875633"/>
+                  <a:ext cx="3161028" cy="3124822"/>
+                </a:xfrm>
+                <a:prstGeom prst="ellipse">
+                  <a:avLst/>
+                </a:prstGeom>
+                <a:solidFill>
+                  <a:schemeClr val="accent1">
+                    <a:alpha val="40000"/>
+                  </a:schemeClr>
+                </a:solidFill>
+                <a:ln w="12700">
+                  <a:solidFill>
+                    <a:schemeClr val="tx1"/>
+                  </a:solidFill>
+                  <a:prstDash val="dash"/>
+                </a:ln>
+              </p:spPr>
+              <p:style>
+                <a:lnRef idx="2">
+                  <a:schemeClr val="accent1">
+                    <a:shade val="50000"/>
+                  </a:schemeClr>
+                </a:lnRef>
+                <a:fillRef idx="1">
+                  <a:schemeClr val="accent1"/>
+                </a:fillRef>
+                <a:effectRef idx="0">
+                  <a:schemeClr val="accent1"/>
+                </a:effectRef>
+                <a:fontRef idx="minor">
+                  <a:schemeClr val="lt1"/>
+                </a:fontRef>
+              </p:style>
+              <p:txBody>
+                <a:bodyPr rtlCol="0" anchor="ctr"/>
+                <a:lstStyle/>
+                <a:p>
+                  <a:pPr algn="ctr"/>
+                  <a:endParaRPr lang="en-US"/>
+                </a:p>
+              </p:txBody>
+            </p:sp>
+            <p:sp>
+              <p:nvSpPr>
+                <p:cNvPr id="65" name="Oval 64"/>
+                <p:cNvSpPr/>
+                <p:nvPr/>
+              </p:nvSpPr>
+              <p:spPr>
+                <a:xfrm>
+                  <a:off x="7057721" y="2752071"/>
+                  <a:ext cx="1385535" cy="1369663"/>
+                </a:xfrm>
+                <a:prstGeom prst="ellipse">
+                  <a:avLst/>
+                </a:prstGeom>
+                <a:solidFill>
+                  <a:schemeClr val="accent1">
+                    <a:alpha val="60000"/>
+                  </a:schemeClr>
+                </a:solidFill>
+                <a:ln w="12700">
+                  <a:solidFill>
+                    <a:schemeClr val="tx1"/>
+                  </a:solidFill>
+                  <a:prstDash val="dash"/>
+                </a:ln>
+              </p:spPr>
+              <p:style>
+                <a:lnRef idx="2">
+                  <a:schemeClr val="accent1">
+                    <a:shade val="50000"/>
+                  </a:schemeClr>
+                </a:lnRef>
+                <a:fillRef idx="1">
+                  <a:schemeClr val="accent1"/>
+                </a:fillRef>
+                <a:effectRef idx="0">
+                  <a:schemeClr val="accent1"/>
+                </a:effectRef>
+                <a:fontRef idx="minor">
+                  <a:schemeClr val="lt1"/>
+                </a:fontRef>
+              </p:style>
+              <p:txBody>
+                <a:bodyPr rtlCol="0" anchor="ctr"/>
+                <a:lstStyle/>
+                <a:p>
+                  <a:pPr algn="ctr"/>
+                  <a:endParaRPr lang="en-US"/>
+                </a:p>
+              </p:txBody>
+            </p:sp>
+          </p:grpSp>
+          <p:grpSp>
+            <p:nvGrpSpPr>
+              <p:cNvPr id="66" name="Group 65"/>
+              <p:cNvGrpSpPr/>
+              <p:nvPr/>
+            </p:nvGrpSpPr>
+            <p:grpSpPr>
+              <a:xfrm>
+                <a:off x="29255351" y="9978785"/>
+                <a:ext cx="4943368" cy="4886748"/>
+                <a:chOff x="5278805" y="994670"/>
+                <a:chExt cx="4943368" cy="4886748"/>
+              </a:xfrm>
+              <a:solidFill>
+                <a:srgbClr val="ED7D31">
+                  <a:alpha val="20000"/>
+                </a:srgbClr>
+              </a:solidFill>
+            </p:grpSpPr>
+            <p:sp>
+              <p:nvSpPr>
+                <p:cNvPr id="67" name="Oval 66"/>
+                <p:cNvSpPr/>
+                <p:nvPr/>
+              </p:nvSpPr>
+              <p:spPr>
+                <a:xfrm>
+                  <a:off x="5278805" y="994670"/>
+                  <a:ext cx="4943368" cy="4886748"/>
+                </a:xfrm>
+                <a:prstGeom prst="ellipse">
+                  <a:avLst/>
+                </a:prstGeom>
+                <a:grpFill/>
+                <a:ln w="12700">
+                  <a:solidFill>
+                    <a:schemeClr val="tx1"/>
+                  </a:solidFill>
+                  <a:prstDash val="dash"/>
+                </a:ln>
+              </p:spPr>
+              <p:style>
+                <a:lnRef idx="2">
+                  <a:schemeClr val="accent1">
+                    <a:shade val="50000"/>
+                  </a:schemeClr>
+                </a:lnRef>
+                <a:fillRef idx="1">
+                  <a:schemeClr val="accent1"/>
+                </a:fillRef>
+                <a:effectRef idx="0">
+                  <a:schemeClr val="accent1"/>
+                </a:effectRef>
+                <a:fontRef idx="minor">
+                  <a:schemeClr val="lt1"/>
+                </a:fontRef>
+              </p:style>
+              <p:txBody>
+                <a:bodyPr rtlCol="0" anchor="ctr"/>
+                <a:lstStyle/>
+                <a:p>
+                  <a:pPr algn="ctr"/>
+                  <a:endParaRPr lang="en-US"/>
+                </a:p>
+              </p:txBody>
+            </p:sp>
+            <p:sp>
+              <p:nvSpPr>
+                <p:cNvPr id="68" name="Oval 67"/>
+                <p:cNvSpPr/>
+                <p:nvPr/>
+              </p:nvSpPr>
+              <p:spPr>
+                <a:xfrm>
+                  <a:off x="6169975" y="1875633"/>
+                  <a:ext cx="3161028" cy="3124822"/>
+                </a:xfrm>
+                <a:prstGeom prst="ellipse">
+                  <a:avLst/>
+                </a:prstGeom>
+                <a:solidFill>
+                  <a:srgbClr val="ED7D31">
+                    <a:alpha val="40000"/>
+                  </a:srgbClr>
+                </a:solidFill>
+                <a:ln w="12700">
+                  <a:solidFill>
+                    <a:schemeClr val="tx1"/>
+                  </a:solidFill>
+                  <a:prstDash val="dash"/>
+                </a:ln>
+              </p:spPr>
+              <p:style>
+                <a:lnRef idx="2">
+                  <a:schemeClr val="accent1">
+                    <a:shade val="50000"/>
+                  </a:schemeClr>
+                </a:lnRef>
+                <a:fillRef idx="1">
+                  <a:schemeClr val="accent1"/>
+                </a:fillRef>
+                <a:effectRef idx="0">
+                  <a:schemeClr val="accent1"/>
+                </a:effectRef>
+                <a:fontRef idx="minor">
+                  <a:schemeClr val="lt1"/>
+                </a:fontRef>
+              </p:style>
+              <p:txBody>
+                <a:bodyPr rtlCol="0" anchor="ctr"/>
+                <a:lstStyle/>
+                <a:p>
+                  <a:pPr algn="ctr"/>
+                  <a:endParaRPr lang="en-US"/>
+                </a:p>
+              </p:txBody>
+            </p:sp>
+            <p:sp>
+              <p:nvSpPr>
+                <p:cNvPr id="69" name="Oval 68"/>
+                <p:cNvSpPr/>
+                <p:nvPr/>
+              </p:nvSpPr>
+              <p:spPr>
+                <a:xfrm>
+                  <a:off x="7057721" y="2752071"/>
+                  <a:ext cx="1385535" cy="1369663"/>
+                </a:xfrm>
+                <a:prstGeom prst="ellipse">
+                  <a:avLst/>
+                </a:prstGeom>
+                <a:solidFill>
+                  <a:srgbClr val="ED7D31">
+                    <a:alpha val="50000"/>
+                  </a:srgbClr>
+                </a:solidFill>
+                <a:ln w="12700">
+                  <a:solidFill>
+                    <a:schemeClr val="tx1"/>
+                  </a:solidFill>
+                  <a:prstDash val="dash"/>
+                </a:ln>
+              </p:spPr>
+              <p:style>
+                <a:lnRef idx="2">
+                  <a:schemeClr val="accent1">
+                    <a:shade val="50000"/>
+                  </a:schemeClr>
+                </a:lnRef>
+                <a:fillRef idx="1">
+                  <a:schemeClr val="accent1"/>
+                </a:fillRef>
+                <a:effectRef idx="0">
+                  <a:schemeClr val="accent1"/>
+                </a:effectRef>
+                <a:fontRef idx="minor">
+                  <a:schemeClr val="lt1"/>
+                </a:fontRef>
+              </p:style>
+              <p:txBody>
+                <a:bodyPr rtlCol="0" anchor="ctr"/>
+                <a:lstStyle/>
+                <a:p>
+                  <a:pPr algn="ctr"/>
+                  <a:endParaRPr lang="en-US"/>
+                </a:p>
+              </p:txBody>
+            </p:sp>
+          </p:grpSp>
+          <p:sp>
+            <p:nvSpPr>
+              <p:cNvPr id="70" name="5-Point Star 69"/>
+              <p:cNvSpPr/>
+              <p:nvPr/>
+            </p:nvSpPr>
+            <p:spPr>
+              <a:xfrm>
+                <a:off x="27002022" y="11033600"/>
+                <a:ext cx="762000" cy="678872"/>
+              </a:xfrm>
+              <a:prstGeom prst="star5">
+                <a:avLst/>
+              </a:prstGeom>
+              <a:ln>
+                <a:solidFill>
+                  <a:schemeClr val="tx1"/>
+                </a:solidFill>
+              </a:ln>
+            </p:spPr>
+            <p:style>
+              <a:lnRef idx="2">
+                <a:schemeClr val="accent1">
+                  <a:shade val="50000"/>
+                </a:schemeClr>
+              </a:lnRef>
+              <a:fillRef idx="1">
+                <a:schemeClr val="accent1"/>
+              </a:fillRef>
+              <a:effectRef idx="0">
+                <a:schemeClr val="accent1"/>
+              </a:effectRef>
+              <a:fontRef idx="minor">
+                <a:schemeClr val="lt1"/>
+              </a:fontRef>
+            </p:style>
+            <p:txBody>
+              <a:bodyPr rtlCol="0" anchor="ctr"/>
+              <a:lstStyle/>
+              <a:p>
+                <a:pPr algn="ctr"/>
+                <a:endParaRPr lang="en-US"/>
+              </a:p>
+            </p:txBody>
+          </p:sp>
+          <p:sp>
+            <p:nvSpPr>
+              <p:cNvPr id="71" name="Isosceles Triangle 70"/>
+              <p:cNvSpPr/>
+              <p:nvPr/>
+            </p:nvSpPr>
+            <p:spPr>
+              <a:xfrm>
+                <a:off x="29800873" y="12977340"/>
+                <a:ext cx="626742" cy="587984"/>
+              </a:xfrm>
+              <a:prstGeom prst="triangle">
+                <a:avLst/>
+              </a:prstGeom>
+              <a:solidFill>
+                <a:srgbClr val="ED7D31"/>
+              </a:solidFill>
+              <a:ln>
+                <a:solidFill>
+                  <a:schemeClr val="tx1"/>
+                </a:solidFill>
+              </a:ln>
+            </p:spPr>
+            <p:style>
+              <a:lnRef idx="2">
+                <a:schemeClr val="accent1">
+                  <a:shade val="50000"/>
+                </a:schemeClr>
+              </a:lnRef>
+              <a:fillRef idx="1">
+                <a:schemeClr val="accent1"/>
+              </a:fillRef>
+              <a:effectRef idx="0">
+                <a:schemeClr val="accent1"/>
+              </a:effectRef>
+              <a:fontRef idx="minor">
+                <a:schemeClr val="lt1"/>
+              </a:fontRef>
+            </p:style>
+            <p:txBody>
+              <a:bodyPr rtlCol="0" anchor="ctr"/>
+              <a:lstStyle/>
+              <a:p>
+                <a:pPr algn="ctr"/>
+                <a:endParaRPr lang="en-US"/>
+              </a:p>
+            </p:txBody>
+          </p:sp>
+          <p:sp>
+            <p:nvSpPr>
+              <p:cNvPr id="72" name="Isosceles Triangle 71"/>
+              <p:cNvSpPr/>
+              <p:nvPr/>
+            </p:nvSpPr>
+            <p:spPr>
+              <a:xfrm>
+                <a:off x="31091229" y="13271332"/>
+                <a:ext cx="626742" cy="587984"/>
+              </a:xfrm>
+              <a:prstGeom prst="triangle">
+                <a:avLst/>
+              </a:prstGeom>
+              <a:solidFill>
+                <a:srgbClr val="ED7D31"/>
+              </a:solidFill>
+              <a:ln>
+                <a:solidFill>
+                  <a:schemeClr val="tx1"/>
+                </a:solidFill>
+              </a:ln>
+            </p:spPr>
+            <p:style>
+              <a:lnRef idx="2">
+                <a:schemeClr val="accent1">
+                  <a:shade val="50000"/>
+                </a:schemeClr>
+              </a:lnRef>
+              <a:fillRef idx="1">
+                <a:schemeClr val="accent1"/>
+              </a:fillRef>
+              <a:effectRef idx="0">
+                <a:schemeClr val="accent1"/>
+              </a:effectRef>
+              <a:fontRef idx="minor">
+                <a:schemeClr val="lt1"/>
+              </a:fontRef>
+            </p:style>
+            <p:txBody>
+              <a:bodyPr rtlCol="0" anchor="ctr"/>
+              <a:lstStyle/>
+              <a:p>
+                <a:pPr algn="ctr"/>
+                <a:endParaRPr lang="en-US"/>
+              </a:p>
+            </p:txBody>
+          </p:sp>
+          <p:sp>
+            <p:nvSpPr>
+              <p:cNvPr id="73" name="Isosceles Triangle 72"/>
+              <p:cNvSpPr/>
+              <p:nvPr/>
+            </p:nvSpPr>
+            <p:spPr>
+              <a:xfrm>
+                <a:off x="31276361" y="10814019"/>
+                <a:ext cx="626742" cy="587984"/>
+              </a:xfrm>
+              <a:prstGeom prst="triangle">
+                <a:avLst/>
+              </a:prstGeom>
+              <a:solidFill>
+                <a:srgbClr val="ED7D31"/>
+              </a:solidFill>
+              <a:ln>
+                <a:solidFill>
+                  <a:schemeClr val="tx1"/>
+                </a:solidFill>
+              </a:ln>
+            </p:spPr>
+            <p:style>
+              <a:lnRef idx="2">
+                <a:schemeClr val="accent1">
+                  <a:shade val="50000"/>
+                </a:schemeClr>
+              </a:lnRef>
+              <a:fillRef idx="1">
+                <a:schemeClr val="accent1"/>
+              </a:fillRef>
+              <a:effectRef idx="0">
+                <a:schemeClr val="accent1"/>
+              </a:effectRef>
+              <a:fontRef idx="minor">
+                <a:schemeClr val="lt1"/>
+              </a:fontRef>
+            </p:style>
+            <p:txBody>
+              <a:bodyPr rtlCol="0" anchor="ctr"/>
+              <a:lstStyle/>
+              <a:p>
+                <a:pPr algn="ctr"/>
+                <a:endParaRPr lang="en-US"/>
+              </a:p>
+            </p:txBody>
+          </p:sp>
+          <p:sp>
+            <p:nvSpPr>
+              <p:cNvPr id="74" name="Isosceles Triangle 73"/>
+              <p:cNvSpPr/>
+              <p:nvPr/>
+            </p:nvSpPr>
+            <p:spPr>
+              <a:xfrm>
+                <a:off x="32006688" y="11774429"/>
+                <a:ext cx="626742" cy="587984"/>
+              </a:xfrm>
+              <a:prstGeom prst="triangle">
+                <a:avLst/>
+              </a:prstGeom>
+              <a:solidFill>
+                <a:srgbClr val="ED7D31"/>
+              </a:solidFill>
+              <a:ln>
+                <a:solidFill>
+                  <a:schemeClr val="tx1"/>
+                </a:solidFill>
+              </a:ln>
+            </p:spPr>
+            <p:style>
+              <a:lnRef idx="2">
+                <a:schemeClr val="accent1">
+                  <a:shade val="50000"/>
+                </a:schemeClr>
+              </a:lnRef>
+              <a:fillRef idx="1">
+                <a:schemeClr val="accent1"/>
+              </a:fillRef>
+              <a:effectRef idx="0">
+                <a:schemeClr val="accent1"/>
+              </a:effectRef>
+              <a:fontRef idx="minor">
+                <a:schemeClr val="lt1"/>
+              </a:fontRef>
+            </p:style>
+            <p:txBody>
+              <a:bodyPr rtlCol="0" anchor="ctr"/>
+              <a:lstStyle/>
+              <a:p>
+                <a:pPr algn="ctr"/>
+                <a:endParaRPr lang="en-US"/>
+              </a:p>
+            </p:txBody>
+          </p:sp>
+          <p:sp>
+            <p:nvSpPr>
+              <p:cNvPr id="75" name="5-Point Star 74"/>
+              <p:cNvSpPr/>
+              <p:nvPr/>
+            </p:nvSpPr>
+            <p:spPr>
+              <a:xfrm>
+                <a:off x="28466273" y="11667869"/>
+                <a:ext cx="762000" cy="678872"/>
+              </a:xfrm>
+              <a:prstGeom prst="star5">
+                <a:avLst/>
+              </a:prstGeom>
+              <a:ln>
+                <a:solidFill>
+                  <a:schemeClr val="tx1"/>
+                </a:solidFill>
+              </a:ln>
+            </p:spPr>
+            <p:style>
+              <a:lnRef idx="2">
+                <a:schemeClr val="accent1">
+                  <a:shade val="50000"/>
+                </a:schemeClr>
+              </a:lnRef>
+              <a:fillRef idx="1">
+                <a:schemeClr val="accent1"/>
+              </a:fillRef>
+              <a:effectRef idx="0">
+                <a:schemeClr val="accent1"/>
+              </a:effectRef>
+              <a:fontRef idx="minor">
+                <a:schemeClr val="lt1"/>
+              </a:fontRef>
+            </p:style>
+            <p:txBody>
+              <a:bodyPr rtlCol="0" anchor="ctr"/>
+              <a:lstStyle/>
+              <a:p>
+                <a:pPr algn="ctr"/>
+                <a:endParaRPr lang="en-US"/>
+              </a:p>
+            </p:txBody>
+          </p:sp>
+          <p:sp>
+            <p:nvSpPr>
+              <p:cNvPr id="76" name="5-Point Star 75"/>
+              <p:cNvSpPr/>
+              <p:nvPr/>
+            </p:nvSpPr>
+            <p:spPr>
+              <a:xfrm>
+                <a:off x="29319966" y="10492980"/>
+                <a:ext cx="762000" cy="678872"/>
+              </a:xfrm>
+              <a:prstGeom prst="star5">
+                <a:avLst/>
+              </a:prstGeom>
+              <a:ln>
+                <a:solidFill>
+                  <a:schemeClr val="tx1"/>
+                </a:solidFill>
+              </a:ln>
+            </p:spPr>
+            <p:style>
+              <a:lnRef idx="2">
+                <a:schemeClr val="accent1">
+                  <a:shade val="50000"/>
+                </a:schemeClr>
+              </a:lnRef>
+              <a:fillRef idx="1">
+                <a:schemeClr val="accent1"/>
+              </a:fillRef>
+              <a:effectRef idx="0">
+                <a:schemeClr val="accent1"/>
+              </a:effectRef>
+              <a:fontRef idx="minor">
+                <a:schemeClr val="lt1"/>
+              </a:fontRef>
+            </p:style>
+            <p:txBody>
+              <a:bodyPr rtlCol="0" anchor="ctr"/>
+              <a:lstStyle/>
+              <a:p>
+                <a:pPr algn="ctr"/>
+                <a:endParaRPr lang="en-US"/>
+              </a:p>
+            </p:txBody>
+          </p:sp>
+          <p:sp>
+            <p:nvSpPr>
+              <p:cNvPr id="78" name="5-Point Star 77"/>
+              <p:cNvSpPr/>
+              <p:nvPr/>
+            </p:nvSpPr>
+            <p:spPr>
+              <a:xfrm>
+                <a:off x="27271319" y="9814108"/>
+                <a:ext cx="762000" cy="678872"/>
+              </a:xfrm>
+              <a:prstGeom prst="star5">
+                <a:avLst/>
+              </a:prstGeom>
+              <a:ln>
+                <a:solidFill>
+                  <a:schemeClr val="tx1"/>
+                </a:solidFill>
+              </a:ln>
+            </p:spPr>
+            <p:style>
+              <a:lnRef idx="2">
+                <a:schemeClr val="accent1">
+                  <a:shade val="50000"/>
+                </a:schemeClr>
+              </a:lnRef>
+              <a:fillRef idx="1">
+                <a:schemeClr val="accent1"/>
+              </a:fillRef>
+              <a:effectRef idx="0">
+                <a:schemeClr val="accent1"/>
+              </a:effectRef>
+              <a:fontRef idx="minor">
+                <a:schemeClr val="lt1"/>
+              </a:fontRef>
+            </p:style>
+            <p:txBody>
+              <a:bodyPr rtlCol="0" anchor="ctr"/>
+              <a:lstStyle/>
+              <a:p>
+                <a:pPr algn="ctr"/>
+                <a:endParaRPr lang="en-US"/>
+              </a:p>
+            </p:txBody>
+          </p:sp>
+          <p:sp>
+            <p:nvSpPr>
+              <p:cNvPr id="79" name="5-Point Star 78"/>
+              <p:cNvSpPr/>
+              <p:nvPr/>
+            </p:nvSpPr>
+            <p:spPr>
+              <a:xfrm>
+                <a:off x="25905941" y="11685002"/>
+                <a:ext cx="762000" cy="678872"/>
+              </a:xfrm>
+              <a:prstGeom prst="star5">
+                <a:avLst/>
+              </a:prstGeom>
+              <a:ln>
+                <a:solidFill>
+                  <a:schemeClr val="tx1"/>
+                </a:solidFill>
+              </a:ln>
+            </p:spPr>
+            <p:style>
+              <a:lnRef idx="2">
+                <a:schemeClr val="accent1">
+                  <a:shade val="50000"/>
+                </a:schemeClr>
+              </a:lnRef>
+              <a:fillRef idx="1">
+                <a:schemeClr val="accent1"/>
+              </a:fillRef>
+              <a:effectRef idx="0">
+                <a:schemeClr val="accent1"/>
+              </a:effectRef>
+              <a:fontRef idx="minor">
+                <a:schemeClr val="lt1"/>
+              </a:fontRef>
+            </p:style>
+            <p:txBody>
+              <a:bodyPr rtlCol="0" anchor="ctr"/>
+              <a:lstStyle/>
+              <a:p>
+                <a:pPr algn="ctr"/>
+                <a:endParaRPr lang="en-US"/>
+              </a:p>
+            </p:txBody>
+          </p:sp>
+          <p:sp>
+            <p:nvSpPr>
+              <p:cNvPr id="80" name="5-Point Star 79"/>
+              <p:cNvSpPr/>
+              <p:nvPr/>
+            </p:nvSpPr>
+            <p:spPr>
+              <a:xfrm>
+                <a:off x="26731602" y="12842624"/>
+                <a:ext cx="762000" cy="678872"/>
+              </a:xfrm>
+              <a:prstGeom prst="star5">
+                <a:avLst/>
+              </a:prstGeom>
+              <a:ln>
+                <a:solidFill>
+                  <a:schemeClr val="tx1"/>
+                </a:solidFill>
+              </a:ln>
+            </p:spPr>
+            <p:style>
+              <a:lnRef idx="2">
+                <a:schemeClr val="accent1">
+                  <a:shade val="50000"/>
+                </a:schemeClr>
+              </a:lnRef>
+              <a:fillRef idx="1">
+                <a:schemeClr val="accent1"/>
+              </a:fillRef>
+              <a:effectRef idx="0">
+                <a:schemeClr val="accent1"/>
+              </a:effectRef>
+              <a:fontRef idx="minor">
+                <a:schemeClr val="lt1"/>
+              </a:fontRef>
+            </p:style>
+            <p:txBody>
+              <a:bodyPr rtlCol="0" anchor="ctr"/>
+              <a:lstStyle/>
+              <a:p>
+                <a:pPr algn="ctr"/>
+                <a:endParaRPr lang="en-US"/>
+              </a:p>
+            </p:txBody>
+          </p:sp>
+          <p:sp>
+            <p:nvSpPr>
+              <p:cNvPr id="82" name="Isosceles Triangle 81"/>
+              <p:cNvSpPr/>
+              <p:nvPr/>
+            </p:nvSpPr>
+            <p:spPr>
+              <a:xfrm>
+                <a:off x="33130171" y="10977609"/>
+                <a:ext cx="626742" cy="587984"/>
+              </a:xfrm>
+              <a:prstGeom prst="triangle">
+                <a:avLst/>
+              </a:prstGeom>
+              <a:solidFill>
+                <a:srgbClr val="ED7D31"/>
+              </a:solidFill>
+              <a:ln>
+                <a:solidFill>
+                  <a:schemeClr val="tx1"/>
+                </a:solidFill>
+              </a:ln>
+            </p:spPr>
+            <p:style>
+              <a:lnRef idx="2">
+                <a:schemeClr val="accent1">
+                  <a:shade val="50000"/>
+                </a:schemeClr>
+              </a:lnRef>
+              <a:fillRef idx="1">
+                <a:schemeClr val="accent1"/>
+              </a:fillRef>
+              <a:effectRef idx="0">
+                <a:schemeClr val="accent1"/>
+              </a:effectRef>
+              <a:fontRef idx="minor">
+                <a:schemeClr val="lt1"/>
+              </a:fontRef>
+            </p:style>
+            <p:txBody>
+              <a:bodyPr rtlCol="0" anchor="ctr"/>
+              <a:lstStyle/>
+              <a:p>
+                <a:pPr algn="ctr"/>
+                <a:endParaRPr lang="en-US"/>
+              </a:p>
+            </p:txBody>
+          </p:sp>
+          <p:sp>
+            <p:nvSpPr>
+              <p:cNvPr id="83" name="Isosceles Triangle 82"/>
+              <p:cNvSpPr/>
+              <p:nvPr/>
+            </p:nvSpPr>
+            <p:spPr>
+              <a:xfrm>
+                <a:off x="30690013" y="11980804"/>
+                <a:ext cx="626742" cy="587984"/>
+              </a:xfrm>
+              <a:prstGeom prst="triangle">
+                <a:avLst/>
+              </a:prstGeom>
+              <a:solidFill>
+                <a:srgbClr val="ED7D31"/>
+              </a:solidFill>
+              <a:ln>
+                <a:solidFill>
+                  <a:schemeClr val="tx1"/>
+                </a:solidFill>
+              </a:ln>
+            </p:spPr>
+            <p:style>
+              <a:lnRef idx="2">
+                <a:schemeClr val="accent1">
+                  <a:shade val="50000"/>
+                </a:schemeClr>
+              </a:lnRef>
+              <a:fillRef idx="1">
+                <a:schemeClr val="accent1"/>
+              </a:fillRef>
+              <a:effectRef idx="0">
+                <a:schemeClr val="accent1"/>
+              </a:effectRef>
+              <a:fontRef idx="minor">
+                <a:schemeClr val="lt1"/>
+              </a:fontRef>
+            </p:style>
+            <p:txBody>
+              <a:bodyPr rtlCol="0" anchor="ctr"/>
+              <a:lstStyle/>
+              <a:p>
+                <a:pPr algn="ctr"/>
+                <a:endParaRPr lang="en-US"/>
+              </a:p>
+            </p:txBody>
+          </p:sp>
+          <p:sp>
+            <p:nvSpPr>
+              <p:cNvPr id="84" name="Isosceles Triangle 83"/>
+              <p:cNvSpPr/>
+              <p:nvPr/>
+            </p:nvSpPr>
+            <p:spPr>
+              <a:xfrm>
+                <a:off x="31922694" y="12930560"/>
+                <a:ext cx="626742" cy="587984"/>
+              </a:xfrm>
+              <a:prstGeom prst="triangle">
+                <a:avLst/>
+              </a:prstGeom>
+              <a:solidFill>
+                <a:srgbClr val="ED7D31"/>
+              </a:solidFill>
+              <a:ln>
+                <a:solidFill>
+                  <a:schemeClr val="tx1"/>
+                </a:solidFill>
+              </a:ln>
+            </p:spPr>
+            <p:style>
+              <a:lnRef idx="2">
+                <a:schemeClr val="accent1">
+                  <a:shade val="50000"/>
+                </a:schemeClr>
+              </a:lnRef>
+              <a:fillRef idx="1">
+                <a:schemeClr val="accent1"/>
+              </a:fillRef>
+              <a:effectRef idx="0">
+                <a:schemeClr val="accent1"/>
+              </a:effectRef>
+              <a:fontRef idx="minor">
+                <a:schemeClr val="lt1"/>
+              </a:fontRef>
+            </p:style>
+            <p:txBody>
+              <a:bodyPr rtlCol="0" anchor="ctr"/>
+              <a:lstStyle/>
+              <a:p>
+                <a:pPr algn="ctr"/>
+                <a:endParaRPr lang="en-US"/>
+              </a:p>
+            </p:txBody>
+          </p:sp>
+          <p:cxnSp>
+            <p:nvCxnSpPr>
+              <p:cNvPr id="85" name="Straight Arrow Connector 84"/>
+              <p:cNvCxnSpPr/>
+              <p:nvPr/>
+            </p:nvCxnSpPr>
+            <p:spPr>
+              <a:xfrm flipH="1" flipV="1">
+                <a:off x="25589221" y="9224127"/>
+                <a:ext cx="32856" cy="5475467"/>
+              </a:xfrm>
+              <a:prstGeom prst="straightConnector1">
+                <a:avLst/>
+              </a:prstGeom>
+              <a:ln w="38100">
+                <a:solidFill>
+                  <a:schemeClr val="tx1"/>
+                </a:solidFill>
+                <a:tailEnd type="triangle" w="lg" len="lg"/>
+              </a:ln>
+            </p:spPr>
+            <p:style>
+              <a:lnRef idx="1">
+                <a:schemeClr val="accent1"/>
+              </a:lnRef>
+              <a:fillRef idx="0">
+                <a:schemeClr val="accent1"/>
+              </a:fillRef>
+              <a:effectRef idx="0">
+                <a:schemeClr val="accent1"/>
+              </a:effectRef>
+              <a:fontRef idx="minor">
+                <a:schemeClr val="tx1"/>
+              </a:fontRef>
+            </p:style>
+          </p:cxnSp>
+          <p:sp>
+            <p:nvSpPr>
+              <p:cNvPr id="91" name="Title 1"/>
+              <p:cNvSpPr txBox="1">
+                <a:spLocks/>
+              </p:cNvSpPr>
+              <p:nvPr/>
+            </p:nvSpPr>
+            <p:spPr>
+              <a:xfrm rot="16200000">
+                <a:off x="24364781" y="11049688"/>
+                <a:ext cx="1887714" cy="1325563"/>
+              </a:xfrm>
+              <a:prstGeom prst="rect">
+                <a:avLst/>
+              </a:prstGeom>
+            </p:spPr>
+            <p:txBody>
+              <a:bodyPr vert="horz" lIns="91440" tIns="45720" rIns="91440" bIns="45720" rtlCol="0" anchor="ctr">
+                <a:normAutofit/>
+              </a:bodyPr>
+              <a:lstStyle>
+                <a:lvl1pPr algn="l" defTabSz="914400" rtl="0" eaLnBrk="1" latinLnBrk="0" hangingPunct="1">
+                  <a:lnSpc>
+                    <a:spcPct val="90000"/>
+                  </a:lnSpc>
+                  <a:spcBef>
+                    <a:spcPct val="0"/>
+                  </a:spcBef>
+                  <a:buNone/>
+                  <a:defRPr sz="4400" kern="1200">
+                    <a:solidFill>
+                      <a:schemeClr val="tx1"/>
+                    </a:solidFill>
+                    <a:latin typeface="+mj-lt"/>
+                    <a:ea typeface="+mj-ea"/>
+                    <a:cs typeface="+mj-cs"/>
+                  </a:defRPr>
+                </a:lvl1pPr>
+              </a:lstStyle>
+              <a:p>
+                <a:r>
+                  <a:rPr lang="en-US" sz="2000" dirty="0" smtClean="0">
+                    <a:latin typeface="Encode Sans Normal" panose="02000000000000000000"/>
+                  </a:rPr>
+                  <a:t>Year</a:t>
+                </a:r>
+                <a:endParaRPr lang="en-US" sz="2000" dirty="0">
+                  <a:latin typeface="Encode Sans Normal" panose="02000000000000000000"/>
+                </a:endParaRPr>
+              </a:p>
+            </p:txBody>
+          </p:sp>
+          <p:cxnSp>
+            <p:nvCxnSpPr>
+              <p:cNvPr id="92" name="Straight Arrow Connector 91"/>
+              <p:cNvCxnSpPr/>
+              <p:nvPr/>
+            </p:nvCxnSpPr>
+            <p:spPr>
+              <a:xfrm>
+                <a:off x="25659578" y="14675371"/>
+                <a:ext cx="10411858" cy="8662"/>
+              </a:xfrm>
+              <a:prstGeom prst="straightConnector1">
+                <a:avLst/>
+              </a:prstGeom>
+              <a:ln w="38100">
+                <a:solidFill>
+                  <a:schemeClr val="tx1"/>
+                </a:solidFill>
+                <a:tailEnd type="triangle" w="lg" len="lg"/>
+              </a:ln>
+            </p:spPr>
+            <p:style>
+              <a:lnRef idx="1">
+                <a:schemeClr val="accent1"/>
+              </a:lnRef>
+              <a:fillRef idx="0">
+                <a:schemeClr val="accent1"/>
+              </a:fillRef>
+              <a:effectRef idx="0">
+                <a:schemeClr val="accent1"/>
+              </a:effectRef>
+              <a:fontRef idx="minor">
+                <a:schemeClr val="tx1"/>
+              </a:fontRef>
+            </p:style>
+          </p:cxnSp>
+        </p:grpSp>
+        <p:sp>
+          <p:nvSpPr>
+            <p:cNvPr id="93" name="Title 1"/>
+            <p:cNvSpPr txBox="1">
+              <a:spLocks/>
+            </p:cNvSpPr>
+            <p:nvPr/>
+          </p:nvSpPr>
+          <p:spPr>
+            <a:xfrm>
+              <a:off x="29433428" y="14339667"/>
+              <a:ext cx="3685864" cy="1325563"/>
+            </a:xfrm>
+            <a:prstGeom prst="rect">
+              <a:avLst/>
+            </a:prstGeom>
+          </p:spPr>
+          <p:txBody>
+            <a:bodyPr vert="horz" lIns="91440" tIns="45720" rIns="91440" bIns="45720" rtlCol="0" anchor="ctr">
+              <a:normAutofit/>
+            </a:bodyPr>
+            <a:lstStyle>
+              <a:lvl1pPr algn="l" defTabSz="914400" rtl="0" eaLnBrk="1" latinLnBrk="0" hangingPunct="1">
+                <a:lnSpc>
+                  <a:spcPct val="90000"/>
+                </a:lnSpc>
+                <a:spcBef>
+                  <a:spcPct val="0"/>
+                </a:spcBef>
+                <a:buNone/>
+                <a:defRPr sz="4400" kern="1200">
+                  <a:solidFill>
+                    <a:schemeClr val="tx1"/>
+                  </a:solidFill>
+                  <a:latin typeface="+mj-lt"/>
+                  <a:ea typeface="+mj-ea"/>
+                  <a:cs typeface="+mj-cs"/>
+                </a:defRPr>
+              </a:lvl1pPr>
+            </a:lstStyle>
+            <a:p>
+              <a:r>
+                <a:rPr lang="en-US" sz="2000" dirty="0" smtClean="0">
+                  <a:latin typeface="Encode Sans Normal" panose="02000000000000000000"/>
+                </a:rPr>
+                <a:t>Ship Type</a:t>
+              </a:r>
+              <a:endParaRPr lang="en-US" sz="2000" dirty="0">
+                <a:latin typeface="Encode Sans Normal" panose="02000000000000000000"/>
+              </a:endParaRPr>
+            </a:p>
+          </p:txBody>
+        </p:sp>
+      </p:grpSp>
+      <p:sp>
+        <p:nvSpPr>
+          <p:cNvPr id="119" name="TextBox 118"/>
+          <p:cNvSpPr txBox="1"/>
+          <p:nvPr/>
+        </p:nvSpPr>
+        <p:spPr>
+          <a:xfrm>
+            <a:off x="25853593" y="12977737"/>
+            <a:ext cx="6467088" cy="3970318"/>
+          </a:xfrm>
+          <a:prstGeom prst="rect">
+            <a:avLst/>
+          </a:prstGeom>
+          <a:noFill/>
+        </p:spPr>
+        <p:txBody>
+          <a:bodyPr wrap="square" rtlCol="0">
+            <a:spAutoFit/>
+          </a:bodyPr>
+          <a:lstStyle/>
+          <a:p>
+            <a:pPr marL="457200" indent="-457200">
+              <a:buFont typeface="Arial" panose="020B0604020202020204" pitchFamily="34" charset="0"/>
+              <a:buChar char="•"/>
+            </a:pPr>
+            <a:r>
+              <a:rPr lang="en-US" sz="2800" dirty="0">
+                <a:latin typeface="Encode Sans Normal" panose="02000000000000000000"/>
+              </a:rPr>
+              <a:t>I</a:t>
+            </a:r>
+            <a:r>
+              <a:rPr lang="en-US" sz="2800" dirty="0" smtClean="0">
+                <a:latin typeface="Encode Sans Normal" panose="02000000000000000000"/>
+              </a:rPr>
+              <a:t>mplemented using </a:t>
+            </a:r>
+            <a:r>
+              <a:rPr lang="en-US" sz="2800" dirty="0" err="1" smtClean="0">
+                <a:latin typeface="Encode Sans Normal" panose="02000000000000000000"/>
+              </a:rPr>
+              <a:t>scikit</a:t>
+            </a:r>
+            <a:r>
+              <a:rPr lang="en-US" sz="2800" dirty="0" smtClean="0">
+                <a:latin typeface="Encode Sans Normal" panose="02000000000000000000"/>
+              </a:rPr>
+              <a:t>-learn) was tested for classification of the data</a:t>
+            </a:r>
+          </a:p>
+          <a:p>
+            <a:pPr marL="457200" indent="-457200">
+              <a:buFont typeface="Arial" panose="020B0604020202020204" pitchFamily="34" charset="0"/>
+              <a:buChar char="•"/>
+            </a:pPr>
+            <a:r>
+              <a:rPr lang="en-US" sz="2800" dirty="0" smtClean="0">
+                <a:latin typeface="Encode Sans Normal" panose="02000000000000000000"/>
+              </a:rPr>
+              <a:t>This </a:t>
+            </a:r>
+            <a:r>
+              <a:rPr lang="en-US" sz="2800" dirty="0">
+                <a:latin typeface="Encode Sans Normal" panose="02000000000000000000"/>
+              </a:rPr>
+              <a:t>probabilistic model fits a probability distribution to each class of </a:t>
+            </a:r>
+            <a:r>
+              <a:rPr lang="en-US" sz="2800" dirty="0" smtClean="0">
+                <a:latin typeface="Encode Sans Normal" panose="02000000000000000000"/>
+              </a:rPr>
+              <a:t>data </a:t>
+            </a:r>
+            <a:r>
+              <a:rPr lang="en-US" sz="2800" dirty="0">
+                <a:latin typeface="Encode Sans Normal" panose="02000000000000000000"/>
+              </a:rPr>
+              <a:t>and determines the probability that a new point belongs to each </a:t>
+            </a:r>
+            <a:r>
+              <a:rPr lang="en-US" sz="2800" dirty="0" smtClean="0">
+                <a:latin typeface="Encode Sans Normal" panose="02000000000000000000"/>
+              </a:rPr>
+              <a:t>class</a:t>
+            </a:r>
+            <a:endParaRPr lang="en-US" sz="2800" dirty="0">
+              <a:latin typeface="Encode Sans Normal" panose="02000000000000000000"/>
+            </a:endParaRPr>
+          </a:p>
+        </p:txBody>
+      </p:sp>
+      <p:sp>
+        <p:nvSpPr>
+          <p:cNvPr id="121" name="Rectangle 120"/>
+          <p:cNvSpPr/>
+          <p:nvPr/>
+        </p:nvSpPr>
+        <p:spPr>
+          <a:xfrm>
+            <a:off x="32996773" y="8689083"/>
+            <a:ext cx="7751354" cy="523220"/>
+          </a:xfrm>
+          <a:prstGeom prst="rect">
+            <a:avLst/>
+          </a:prstGeom>
+        </p:spPr>
+        <p:txBody>
+          <a:bodyPr wrap="square">
+            <a:spAutoFit/>
+          </a:bodyPr>
+          <a:lstStyle/>
+          <a:p>
+            <a:r>
+              <a:rPr lang="en-US" sz="2800" b="1" dirty="0" smtClean="0">
+                <a:latin typeface="Encode Sans Normal" panose="02000000000000000000" pitchFamily="2" charset="0"/>
+              </a:rPr>
+              <a:t>Decision Trees Classification</a:t>
+            </a:r>
+            <a:endParaRPr lang="en-US" sz="2800" b="1" dirty="0">
+              <a:latin typeface="Encode Sans Normal" panose="02000000000000000000" pitchFamily="2" charset="0"/>
+            </a:endParaRPr>
+          </a:p>
+        </p:txBody>
+      </p:sp>
+      <p:sp>
+        <p:nvSpPr>
+          <p:cNvPr id="122" name="TextBox 121"/>
+          <p:cNvSpPr txBox="1"/>
+          <p:nvPr/>
+        </p:nvSpPr>
+        <p:spPr>
+          <a:xfrm>
+            <a:off x="33050912" y="9404228"/>
+            <a:ext cx="9329445" cy="1815882"/>
+          </a:xfrm>
+          <a:prstGeom prst="rect">
+            <a:avLst/>
+          </a:prstGeom>
+          <a:noFill/>
+        </p:spPr>
+        <p:txBody>
+          <a:bodyPr wrap="square" rtlCol="0">
+            <a:spAutoFit/>
+          </a:bodyPr>
+          <a:lstStyle/>
+          <a:p>
+            <a:pPr marL="457200" indent="-457200">
+              <a:buFont typeface="Arial" panose="020B0604020202020204" pitchFamily="34" charset="0"/>
+              <a:buChar char="•"/>
+            </a:pPr>
+            <a:r>
+              <a:rPr lang="en-US" sz="2800" dirty="0" smtClean="0">
+                <a:latin typeface="Encode Sans Normal" panose="02000000000000000000"/>
+              </a:rPr>
+              <a:t>A decision </a:t>
+            </a:r>
+            <a:r>
+              <a:rPr lang="en-US" sz="2800" dirty="0">
+                <a:latin typeface="Encode Sans Normal" panose="02000000000000000000"/>
+              </a:rPr>
+              <a:t>t</a:t>
+            </a:r>
+            <a:r>
+              <a:rPr lang="en-US" sz="2800" dirty="0" smtClean="0">
+                <a:latin typeface="Encode Sans Normal" panose="02000000000000000000"/>
+              </a:rPr>
+              <a:t>ree (a predictive model) was also fitted to the data using </a:t>
+            </a:r>
+            <a:r>
+              <a:rPr lang="en-US" sz="2800" dirty="0" err="1" smtClean="0">
+                <a:latin typeface="Encode Sans Normal" panose="02000000000000000000"/>
+              </a:rPr>
+              <a:t>scikit</a:t>
+            </a:r>
+            <a:r>
+              <a:rPr lang="en-US" sz="2800" dirty="0" smtClean="0">
+                <a:latin typeface="Encode Sans Normal" panose="02000000000000000000"/>
+              </a:rPr>
+              <a:t>-learn</a:t>
+            </a:r>
+          </a:p>
+          <a:p>
+            <a:pPr marL="457200" indent="-457200">
+              <a:buFont typeface="Arial" panose="020B0604020202020204" pitchFamily="34" charset="0"/>
+              <a:buChar char="•"/>
+            </a:pPr>
+            <a:r>
+              <a:rPr lang="en-US" sz="2800" dirty="0" smtClean="0">
+                <a:latin typeface="Encode Sans Normal" panose="02000000000000000000"/>
+              </a:rPr>
+              <a:t>A simplified example of how a decision tree works is shown below</a:t>
+            </a:r>
+          </a:p>
+        </p:txBody>
+      </p:sp>
+      <p:grpSp>
+        <p:nvGrpSpPr>
+          <p:cNvPr id="46" name="Group 45"/>
+          <p:cNvGrpSpPr/>
+          <p:nvPr/>
+        </p:nvGrpSpPr>
+        <p:grpSpPr>
+          <a:xfrm>
+            <a:off x="32967437" y="11309608"/>
+            <a:ext cx="9920064" cy="4493047"/>
+            <a:chOff x="33144121" y="12235577"/>
+            <a:chExt cx="9920064" cy="4493047"/>
+          </a:xfrm>
+        </p:grpSpPr>
+        <p:grpSp>
+          <p:nvGrpSpPr>
+            <p:cNvPr id="86" name="Group 85"/>
+            <p:cNvGrpSpPr/>
+            <p:nvPr/>
+          </p:nvGrpSpPr>
+          <p:grpSpPr>
+            <a:xfrm>
+              <a:off x="33771909" y="12235577"/>
+              <a:ext cx="9111411" cy="4444054"/>
+              <a:chOff x="34066952" y="12462792"/>
+              <a:chExt cx="9111411" cy="4444054"/>
+            </a:xfrm>
+          </p:grpSpPr>
+          <p:sp>
+            <p:nvSpPr>
+              <p:cNvPr id="127" name="Title 1"/>
+              <p:cNvSpPr txBox="1">
+                <a:spLocks/>
+              </p:cNvSpPr>
+              <p:nvPr/>
+            </p:nvSpPr>
+            <p:spPr>
+              <a:xfrm rot="2652283">
+                <a:off x="34066952" y="15611249"/>
+                <a:ext cx="2757457" cy="844414"/>
+              </a:xfrm>
+              <a:prstGeom prst="rect">
+                <a:avLst/>
+              </a:prstGeom>
+            </p:spPr>
+            <p:txBody>
+              <a:bodyPr vert="horz" lIns="91440" tIns="45720" rIns="91440" bIns="45720" rtlCol="0" anchor="ctr">
+                <a:normAutofit/>
+              </a:bodyPr>
+              <a:lstStyle>
+                <a:lvl1pPr algn="l" defTabSz="914400" rtl="0" eaLnBrk="1" latinLnBrk="0" hangingPunct="1">
+                  <a:lnSpc>
+                    <a:spcPct val="90000"/>
+                  </a:lnSpc>
+                  <a:spcBef>
+                    <a:spcPct val="0"/>
+                  </a:spcBef>
+                  <a:buNone/>
+                  <a:defRPr sz="4400" kern="1200">
+                    <a:solidFill>
+                      <a:schemeClr val="tx1"/>
+                    </a:solidFill>
+                    <a:latin typeface="+mj-lt"/>
+                    <a:ea typeface="+mj-ea"/>
+                    <a:cs typeface="+mj-cs"/>
+                  </a:defRPr>
+                </a:lvl1pPr>
+              </a:lstStyle>
+              <a:p>
+                <a:r>
+                  <a:rPr lang="en-US" sz="2000" dirty="0" smtClean="0">
+                    <a:latin typeface="Encode Sans Normal" panose="02000000000000000000"/>
+                  </a:rPr>
+                  <a:t>Schooner</a:t>
+                </a:r>
+                <a:endParaRPr lang="en-US" sz="2000" dirty="0">
+                  <a:latin typeface="Encode Sans Normal" panose="02000000000000000000"/>
+                </a:endParaRPr>
+              </a:p>
+            </p:txBody>
+          </p:sp>
+          <p:sp>
+            <p:nvSpPr>
+              <p:cNvPr id="153" name="Title 1"/>
+              <p:cNvSpPr txBox="1">
+                <a:spLocks/>
+              </p:cNvSpPr>
+              <p:nvPr/>
+            </p:nvSpPr>
+            <p:spPr>
+              <a:xfrm rot="821530">
+                <a:off x="37186785" y="16062432"/>
+                <a:ext cx="2757457" cy="844414"/>
+              </a:xfrm>
+              <a:prstGeom prst="rect">
+                <a:avLst/>
+              </a:prstGeom>
+            </p:spPr>
+            <p:txBody>
+              <a:bodyPr vert="horz" lIns="91440" tIns="45720" rIns="91440" bIns="45720" rtlCol="0" anchor="ctr">
+                <a:normAutofit/>
+              </a:bodyPr>
+              <a:lstStyle>
+                <a:lvl1pPr algn="l" defTabSz="914400" rtl="0" eaLnBrk="1" latinLnBrk="0" hangingPunct="1">
+                  <a:lnSpc>
+                    <a:spcPct val="90000"/>
+                  </a:lnSpc>
+                  <a:spcBef>
+                    <a:spcPct val="0"/>
+                  </a:spcBef>
+                  <a:buNone/>
+                  <a:defRPr sz="4400" kern="1200">
+                    <a:solidFill>
+                      <a:schemeClr val="tx1"/>
+                    </a:solidFill>
+                    <a:latin typeface="+mj-lt"/>
+                    <a:ea typeface="+mj-ea"/>
+                    <a:cs typeface="+mj-cs"/>
+                  </a:defRPr>
+                </a:lvl1pPr>
+              </a:lstStyle>
+              <a:p>
+                <a:r>
+                  <a:rPr lang="en-US" sz="2000" dirty="0" smtClean="0">
+                    <a:latin typeface="Encode Sans Normal" panose="02000000000000000000"/>
+                  </a:rPr>
+                  <a:t>Brussels</a:t>
+                </a:r>
+                <a:endParaRPr lang="en-US" sz="2000" dirty="0">
+                  <a:latin typeface="Encode Sans Normal" panose="02000000000000000000"/>
+                </a:endParaRPr>
+              </a:p>
+            </p:txBody>
+          </p:sp>
+          <p:sp>
+            <p:nvSpPr>
+              <p:cNvPr id="159" name="Title 1"/>
+              <p:cNvSpPr txBox="1">
+                <a:spLocks/>
+              </p:cNvSpPr>
+              <p:nvPr/>
+            </p:nvSpPr>
+            <p:spPr>
+              <a:xfrm rot="19140351">
+                <a:off x="40420906" y="12462792"/>
+                <a:ext cx="2757457" cy="844414"/>
+              </a:xfrm>
+              <a:prstGeom prst="rect">
+                <a:avLst/>
+              </a:prstGeom>
+            </p:spPr>
+            <p:txBody>
+              <a:bodyPr vert="horz" lIns="91440" tIns="45720" rIns="91440" bIns="45720" rtlCol="0" anchor="ctr">
+                <a:normAutofit/>
+              </a:bodyPr>
+              <a:lstStyle>
+                <a:lvl1pPr algn="l" defTabSz="914400" rtl="0" eaLnBrk="1" latinLnBrk="0" hangingPunct="1">
+                  <a:lnSpc>
+                    <a:spcPct val="90000"/>
+                  </a:lnSpc>
+                  <a:spcBef>
+                    <a:spcPct val="0"/>
+                  </a:spcBef>
+                  <a:buNone/>
+                  <a:defRPr sz="4400" kern="1200">
+                    <a:solidFill>
+                      <a:schemeClr val="tx1"/>
+                    </a:solidFill>
+                    <a:latin typeface="+mj-lt"/>
+                    <a:ea typeface="+mj-ea"/>
+                    <a:cs typeface="+mj-cs"/>
+                  </a:defRPr>
+                </a:lvl1pPr>
+              </a:lstStyle>
+              <a:p>
+                <a:r>
+                  <a:rPr lang="en-US" sz="2000" dirty="0" smtClean="0">
+                    <a:latin typeface="Encode Sans Normal" panose="02000000000000000000"/>
+                  </a:rPr>
+                  <a:t>London</a:t>
+                </a:r>
+                <a:endParaRPr lang="en-US" sz="2000" dirty="0">
+                  <a:latin typeface="Encode Sans Normal" panose="02000000000000000000"/>
+                </a:endParaRPr>
+              </a:p>
+            </p:txBody>
+          </p:sp>
+        </p:grpSp>
+        <p:grpSp>
+          <p:nvGrpSpPr>
+            <p:cNvPr id="94" name="Group 93"/>
+            <p:cNvGrpSpPr/>
+            <p:nvPr/>
+          </p:nvGrpSpPr>
+          <p:grpSpPr>
+            <a:xfrm>
+              <a:off x="33144121" y="12429508"/>
+              <a:ext cx="9920064" cy="4299116"/>
+              <a:chOff x="33488465" y="12656665"/>
+              <a:chExt cx="9920064" cy="4299116"/>
+            </a:xfrm>
+          </p:grpSpPr>
+          <p:sp>
+            <p:nvSpPr>
+              <p:cNvPr id="160" name="Title 1"/>
+              <p:cNvSpPr txBox="1">
+                <a:spLocks/>
+              </p:cNvSpPr>
+              <p:nvPr/>
+            </p:nvSpPr>
+            <p:spPr>
+              <a:xfrm rot="1122841">
+                <a:off x="40651072" y="14265662"/>
+                <a:ext cx="2757457" cy="844414"/>
+              </a:xfrm>
+              <a:prstGeom prst="rect">
+                <a:avLst/>
+              </a:prstGeom>
+            </p:spPr>
+            <p:txBody>
+              <a:bodyPr vert="horz" lIns="91440" tIns="45720" rIns="91440" bIns="45720" rtlCol="0" anchor="ctr">
+                <a:normAutofit/>
+              </a:bodyPr>
+              <a:lstStyle>
+                <a:lvl1pPr algn="l" defTabSz="914400" rtl="0" eaLnBrk="1" latinLnBrk="0" hangingPunct="1">
+                  <a:lnSpc>
+                    <a:spcPct val="90000"/>
+                  </a:lnSpc>
+                  <a:spcBef>
+                    <a:spcPct val="0"/>
+                  </a:spcBef>
+                  <a:buNone/>
+                  <a:defRPr sz="4400" kern="1200">
+                    <a:solidFill>
+                      <a:schemeClr val="tx1"/>
+                    </a:solidFill>
+                    <a:latin typeface="+mj-lt"/>
+                    <a:ea typeface="+mj-ea"/>
+                    <a:cs typeface="+mj-cs"/>
+                  </a:defRPr>
+                </a:lvl1pPr>
+              </a:lstStyle>
+              <a:p>
+                <a:r>
+                  <a:rPr lang="en-US" sz="2000" dirty="0" smtClean="0">
+                    <a:latin typeface="Encode Sans Normal" panose="02000000000000000000"/>
+                  </a:rPr>
+                  <a:t>Paris</a:t>
+                </a:r>
+                <a:endParaRPr lang="en-US" sz="2000" dirty="0">
+                  <a:latin typeface="Encode Sans Normal" panose="02000000000000000000"/>
+                </a:endParaRPr>
+              </a:p>
+            </p:txBody>
+          </p:sp>
+          <p:grpSp>
+            <p:nvGrpSpPr>
+              <p:cNvPr id="60" name="Group 59"/>
+              <p:cNvGrpSpPr/>
+              <p:nvPr/>
+            </p:nvGrpSpPr>
+            <p:grpSpPr>
+              <a:xfrm>
+                <a:off x="33488465" y="12656665"/>
+                <a:ext cx="9572394" cy="4299116"/>
+                <a:chOff x="33488465" y="12656665"/>
+                <a:chExt cx="9572394" cy="4299116"/>
+              </a:xfrm>
+            </p:grpSpPr>
+            <p:sp>
+              <p:nvSpPr>
+                <p:cNvPr id="45" name="Rectangle 44"/>
+                <p:cNvSpPr/>
+                <p:nvPr/>
+              </p:nvSpPr>
+              <p:spPr>
+                <a:xfrm>
+                  <a:off x="33488465" y="14282845"/>
+                  <a:ext cx="996977" cy="810353"/>
+                </a:xfrm>
+                <a:prstGeom prst="rect">
+                  <a:avLst/>
+                </a:prstGeom>
+                <a:ln>
+                  <a:noFill/>
+                </a:ln>
+              </p:spPr>
+              <p:style>
+                <a:lnRef idx="2">
+                  <a:schemeClr val="accent1">
+                    <a:shade val="50000"/>
+                  </a:schemeClr>
+                </a:lnRef>
+                <a:fillRef idx="1">
+                  <a:schemeClr val="accent1"/>
+                </a:fillRef>
+                <a:effectRef idx="0">
+                  <a:schemeClr val="accent1"/>
+                </a:effectRef>
+                <a:fontRef idx="minor">
+                  <a:schemeClr val="lt1"/>
+                </a:fontRef>
+              </p:style>
+              <p:txBody>
+                <a:bodyPr rtlCol="0" anchor="ctr"/>
+                <a:lstStyle/>
+                <a:p>
+                  <a:pPr algn="ctr"/>
+                  <a:r>
+                    <a:rPr lang="en-US" sz="2000" dirty="0" smtClean="0">
+                      <a:latin typeface="Encode Sans Normal" panose="02000000000000000000"/>
+                    </a:rPr>
+                    <a:t>Ship</a:t>
+                  </a:r>
+                  <a:r>
+                    <a:rPr lang="en-US" sz="2000" dirty="0" smtClean="0"/>
+                    <a:t> </a:t>
+                  </a:r>
+                  <a:r>
+                    <a:rPr lang="en-US" sz="2000" dirty="0" smtClean="0">
+                      <a:latin typeface="Encode Sans Normal" panose="02000000000000000000"/>
+                    </a:rPr>
+                    <a:t>Type</a:t>
+                  </a:r>
+                  <a:endParaRPr lang="en-US" sz="2000" dirty="0">
+                    <a:latin typeface="Encode Sans Normal" panose="02000000000000000000"/>
+                  </a:endParaRPr>
+                </a:p>
+              </p:txBody>
+            </p:sp>
+            <p:sp>
+              <p:nvSpPr>
+                <p:cNvPr id="123" name="Rectangle 122"/>
+                <p:cNvSpPr/>
+                <p:nvPr/>
+              </p:nvSpPr>
+              <p:spPr>
+                <a:xfrm>
+                  <a:off x="35873217" y="13559446"/>
+                  <a:ext cx="1809554" cy="810353"/>
+                </a:xfrm>
+                <a:prstGeom prst="rect">
+                  <a:avLst/>
+                </a:prstGeom>
+                <a:ln>
+                  <a:noFill/>
+                </a:ln>
+              </p:spPr>
+              <p:style>
+                <a:lnRef idx="2">
+                  <a:schemeClr val="accent1">
+                    <a:shade val="50000"/>
+                  </a:schemeClr>
+                </a:lnRef>
+                <a:fillRef idx="1">
+                  <a:schemeClr val="accent1"/>
+                </a:fillRef>
+                <a:effectRef idx="0">
+                  <a:schemeClr val="accent1"/>
+                </a:effectRef>
+                <a:fontRef idx="minor">
+                  <a:schemeClr val="lt1"/>
+                </a:fontRef>
+              </p:style>
+              <p:txBody>
+                <a:bodyPr rtlCol="0" anchor="ctr"/>
+                <a:lstStyle/>
+                <a:p>
+                  <a:pPr algn="ctr"/>
+                  <a:r>
+                    <a:rPr lang="en-US" sz="2000" dirty="0" smtClean="0">
+                      <a:latin typeface="Encode Sans Normal" panose="02000000000000000000"/>
+                    </a:rPr>
+                    <a:t>Nationality</a:t>
+                  </a:r>
+                  <a:endParaRPr lang="en-US" sz="2000" dirty="0">
+                    <a:latin typeface="Encode Sans Normal" panose="02000000000000000000"/>
+                  </a:endParaRPr>
+                </a:p>
+              </p:txBody>
+            </p:sp>
+            <p:sp>
+              <p:nvSpPr>
+                <p:cNvPr id="124" name="Rectangle 123"/>
+                <p:cNvSpPr/>
+                <p:nvPr/>
+              </p:nvSpPr>
+              <p:spPr>
+                <a:xfrm>
+                  <a:off x="35653226" y="15506335"/>
+                  <a:ext cx="1633010" cy="810353"/>
+                </a:xfrm>
+                <a:prstGeom prst="rect">
+                  <a:avLst/>
+                </a:prstGeom>
+                <a:ln>
+                  <a:noFill/>
+                </a:ln>
+              </p:spPr>
+              <p:style>
+                <a:lnRef idx="2">
+                  <a:schemeClr val="accent1">
+                    <a:shade val="50000"/>
+                  </a:schemeClr>
+                </a:lnRef>
+                <a:fillRef idx="1">
+                  <a:schemeClr val="accent1"/>
+                </a:fillRef>
+                <a:effectRef idx="0">
+                  <a:schemeClr val="accent1"/>
+                </a:effectRef>
+                <a:fontRef idx="minor">
+                  <a:schemeClr val="lt1"/>
+                </a:fontRef>
+              </p:style>
+              <p:txBody>
+                <a:bodyPr rtlCol="0" anchor="ctr"/>
+                <a:lstStyle/>
+                <a:p>
+                  <a:pPr algn="ctr"/>
+                  <a:r>
+                    <a:rPr lang="en-US" sz="2000" dirty="0" smtClean="0">
+                      <a:latin typeface="Encode Sans Normal" panose="02000000000000000000"/>
+                    </a:rPr>
+                    <a:t>Departure Port</a:t>
+                  </a:r>
+                  <a:endParaRPr lang="en-US" sz="2000" dirty="0">
+                    <a:latin typeface="Encode Sans Normal" panose="02000000000000000000"/>
+                  </a:endParaRPr>
+                </a:p>
+              </p:txBody>
+            </p:sp>
+            <p:cxnSp>
+              <p:nvCxnSpPr>
+                <p:cNvPr id="125" name="Straight Arrow Connector 124"/>
+                <p:cNvCxnSpPr>
+                  <a:stCxn id="45" idx="3"/>
+                  <a:endCxn id="123" idx="1"/>
+                </p:cNvCxnSpPr>
+                <p:nvPr/>
+              </p:nvCxnSpPr>
+              <p:spPr>
+                <a:xfrm flipV="1">
+                  <a:off x="34485442" y="13964623"/>
+                  <a:ext cx="1387775" cy="723399"/>
+                </a:xfrm>
+                <a:prstGeom prst="straightConnector1">
+                  <a:avLst/>
+                </a:prstGeom>
+                <a:ln w="38100">
+                  <a:solidFill>
+                    <a:schemeClr val="tx1"/>
+                  </a:solidFill>
+                  <a:tailEnd type="triangle" w="lg" len="lg"/>
+                </a:ln>
+              </p:spPr>
+              <p:style>
+                <a:lnRef idx="1">
+                  <a:schemeClr val="accent1"/>
+                </a:lnRef>
+                <a:fillRef idx="0">
+                  <a:schemeClr val="accent1"/>
+                </a:fillRef>
+                <a:effectRef idx="0">
+                  <a:schemeClr val="accent1"/>
+                </a:effectRef>
+                <a:fontRef idx="minor">
+                  <a:schemeClr val="tx1"/>
+                </a:fontRef>
+              </p:style>
+            </p:cxnSp>
+            <p:cxnSp>
+              <p:nvCxnSpPr>
+                <p:cNvPr id="126" name="Straight Arrow Connector 125"/>
+                <p:cNvCxnSpPr>
+                  <a:stCxn id="45" idx="3"/>
+                  <a:endCxn id="124" idx="1"/>
+                </p:cNvCxnSpPr>
+                <p:nvPr/>
+              </p:nvCxnSpPr>
+              <p:spPr>
+                <a:xfrm>
+                  <a:off x="34485442" y="14688022"/>
+                  <a:ext cx="1167784" cy="1223490"/>
+                </a:xfrm>
+                <a:prstGeom prst="straightConnector1">
+                  <a:avLst/>
+                </a:prstGeom>
+                <a:ln w="38100">
+                  <a:solidFill>
+                    <a:schemeClr val="tx1"/>
+                  </a:solidFill>
+                  <a:tailEnd type="triangle" w="lg" len="lg"/>
+                </a:ln>
+              </p:spPr>
+              <p:style>
+                <a:lnRef idx="1">
+                  <a:schemeClr val="accent1"/>
+                </a:lnRef>
+                <a:fillRef idx="0">
+                  <a:schemeClr val="accent1"/>
+                </a:fillRef>
+                <a:effectRef idx="0">
+                  <a:schemeClr val="accent1"/>
+                </a:effectRef>
+                <a:fontRef idx="minor">
+                  <a:schemeClr val="tx1"/>
+                </a:fontRef>
+              </p:style>
+            </p:cxnSp>
+            <p:sp>
+              <p:nvSpPr>
+                <p:cNvPr id="128" name="Title 1"/>
+                <p:cNvSpPr txBox="1">
+                  <a:spLocks/>
+                </p:cNvSpPr>
+                <p:nvPr/>
+              </p:nvSpPr>
+              <p:spPr>
+                <a:xfrm rot="20024025">
+                  <a:off x="34380772" y="13373477"/>
+                  <a:ext cx="2757457" cy="844414"/>
+                </a:xfrm>
+                <a:prstGeom prst="rect">
+                  <a:avLst/>
+                </a:prstGeom>
+              </p:spPr>
+              <p:txBody>
+                <a:bodyPr vert="horz" lIns="91440" tIns="45720" rIns="91440" bIns="45720" rtlCol="0" anchor="ctr">
+                  <a:normAutofit/>
+                </a:bodyPr>
+                <a:lstStyle>
+                  <a:lvl1pPr algn="l" defTabSz="914400" rtl="0" eaLnBrk="1" latinLnBrk="0" hangingPunct="1">
+                    <a:lnSpc>
+                      <a:spcPct val="90000"/>
+                    </a:lnSpc>
+                    <a:spcBef>
+                      <a:spcPct val="0"/>
+                    </a:spcBef>
+                    <a:buNone/>
+                    <a:defRPr sz="4400" kern="1200">
+                      <a:solidFill>
+                        <a:schemeClr val="tx1"/>
+                      </a:solidFill>
+                      <a:latin typeface="+mj-lt"/>
+                      <a:ea typeface="+mj-ea"/>
+                      <a:cs typeface="+mj-cs"/>
+                    </a:defRPr>
+                  </a:lvl1pPr>
+                </a:lstStyle>
+                <a:p>
+                  <a:r>
+                    <a:rPr lang="en-US" sz="2000" dirty="0" smtClean="0">
+                      <a:latin typeface="Encode Sans Normal" panose="02000000000000000000"/>
+                    </a:rPr>
+                    <a:t>Frigate</a:t>
+                  </a:r>
+                  <a:endParaRPr lang="en-US" sz="2000" dirty="0">
+                    <a:latin typeface="Encode Sans Normal" panose="02000000000000000000"/>
+                  </a:endParaRPr>
+                </a:p>
+              </p:txBody>
+            </p:sp>
+            <p:cxnSp>
+              <p:nvCxnSpPr>
+                <p:cNvPr id="129" name="Straight Arrow Connector 128"/>
+                <p:cNvCxnSpPr>
+                  <a:stCxn id="123" idx="3"/>
+                </p:cNvCxnSpPr>
+                <p:nvPr/>
+              </p:nvCxnSpPr>
+              <p:spPr>
+                <a:xfrm flipV="1">
+                  <a:off x="37682771" y="13118683"/>
+                  <a:ext cx="1014497" cy="845940"/>
+                </a:xfrm>
+                <a:prstGeom prst="straightConnector1">
+                  <a:avLst/>
+                </a:prstGeom>
+                <a:ln w="38100">
+                  <a:solidFill>
+                    <a:schemeClr val="tx1"/>
+                  </a:solidFill>
+                  <a:tailEnd type="triangle" w="lg" len="lg"/>
+                </a:ln>
+              </p:spPr>
+              <p:style>
+                <a:lnRef idx="1">
+                  <a:schemeClr val="accent1"/>
+                </a:lnRef>
+                <a:fillRef idx="0">
+                  <a:schemeClr val="accent1"/>
+                </a:fillRef>
+                <a:effectRef idx="0">
+                  <a:schemeClr val="accent1"/>
+                </a:effectRef>
+                <a:fontRef idx="minor">
+                  <a:schemeClr val="tx1"/>
+                </a:fontRef>
+              </p:style>
+            </p:cxnSp>
+            <p:cxnSp>
+              <p:nvCxnSpPr>
+                <p:cNvPr id="130" name="Straight Arrow Connector 129"/>
+                <p:cNvCxnSpPr>
+                  <a:stCxn id="123" idx="3"/>
+                </p:cNvCxnSpPr>
+                <p:nvPr/>
+              </p:nvCxnSpPr>
+              <p:spPr>
+                <a:xfrm>
+                  <a:off x="37682771" y="13964623"/>
+                  <a:ext cx="867680" cy="799110"/>
+                </a:xfrm>
+                <a:prstGeom prst="straightConnector1">
+                  <a:avLst/>
+                </a:prstGeom>
+                <a:ln w="38100">
+                  <a:solidFill>
+                    <a:schemeClr val="tx1"/>
+                  </a:solidFill>
+                  <a:tailEnd type="triangle" w="lg" len="lg"/>
+                </a:ln>
+              </p:spPr>
+              <p:style>
+                <a:lnRef idx="1">
+                  <a:schemeClr val="accent1"/>
+                </a:lnRef>
+                <a:fillRef idx="0">
+                  <a:schemeClr val="accent1"/>
+                </a:fillRef>
+                <a:effectRef idx="0">
+                  <a:schemeClr val="accent1"/>
+                </a:effectRef>
+                <a:fontRef idx="minor">
+                  <a:schemeClr val="tx1"/>
+                </a:fontRef>
+              </p:style>
+            </p:cxnSp>
+            <p:cxnSp>
+              <p:nvCxnSpPr>
+                <p:cNvPr id="131" name="Straight Arrow Connector 130"/>
+                <p:cNvCxnSpPr>
+                  <a:stCxn id="123" idx="3"/>
+                </p:cNvCxnSpPr>
+                <p:nvPr/>
+              </p:nvCxnSpPr>
+              <p:spPr>
+                <a:xfrm>
+                  <a:off x="37682771" y="13964623"/>
+                  <a:ext cx="1357153" cy="49044"/>
+                </a:xfrm>
+                <a:prstGeom prst="straightConnector1">
+                  <a:avLst/>
+                </a:prstGeom>
+                <a:ln w="38100">
+                  <a:solidFill>
+                    <a:schemeClr val="tx1"/>
+                  </a:solidFill>
+                  <a:tailEnd type="triangle" w="lg" len="lg"/>
+                </a:ln>
+              </p:spPr>
+              <p:style>
+                <a:lnRef idx="1">
+                  <a:schemeClr val="accent1"/>
+                </a:lnRef>
+                <a:fillRef idx="0">
+                  <a:schemeClr val="accent1"/>
+                </a:fillRef>
+                <a:effectRef idx="0">
+                  <a:schemeClr val="accent1"/>
+                </a:effectRef>
+                <a:fontRef idx="minor">
+                  <a:schemeClr val="tx1"/>
+                </a:fontRef>
+              </p:style>
+            </p:cxnSp>
+            <p:sp>
+              <p:nvSpPr>
+                <p:cNvPr id="135" name="Title 1"/>
+                <p:cNvSpPr txBox="1">
+                  <a:spLocks/>
+                </p:cNvSpPr>
+                <p:nvPr/>
+              </p:nvSpPr>
+              <p:spPr>
+                <a:xfrm>
+                  <a:off x="37837858" y="13438431"/>
+                  <a:ext cx="1557424" cy="844414"/>
+                </a:xfrm>
+                <a:prstGeom prst="rect">
+                  <a:avLst/>
+                </a:prstGeom>
+              </p:spPr>
+              <p:txBody>
+                <a:bodyPr vert="horz" lIns="91440" tIns="45720" rIns="91440" bIns="45720" rtlCol="0" anchor="ctr">
+                  <a:normAutofit/>
+                </a:bodyPr>
+                <a:lstStyle>
+                  <a:lvl1pPr algn="l" defTabSz="914400" rtl="0" eaLnBrk="1" latinLnBrk="0" hangingPunct="1">
+                    <a:lnSpc>
+                      <a:spcPct val="90000"/>
+                    </a:lnSpc>
+                    <a:spcBef>
+                      <a:spcPct val="0"/>
+                    </a:spcBef>
+                    <a:buNone/>
+                    <a:defRPr sz="4400" kern="1200">
+                      <a:solidFill>
+                        <a:schemeClr val="tx1"/>
+                      </a:solidFill>
+                      <a:latin typeface="+mj-lt"/>
+                      <a:ea typeface="+mj-ea"/>
+                      <a:cs typeface="+mj-cs"/>
+                    </a:defRPr>
+                  </a:lvl1pPr>
+                </a:lstStyle>
+                <a:p>
+                  <a:r>
+                    <a:rPr lang="en-US" sz="2000" dirty="0" smtClean="0">
+                      <a:latin typeface="Encode Sans Normal" panose="02000000000000000000"/>
+                    </a:rPr>
+                    <a:t>Spanish</a:t>
+                  </a:r>
+                  <a:endParaRPr lang="en-US" sz="2000" dirty="0">
+                    <a:latin typeface="Encode Sans Normal" panose="02000000000000000000"/>
+                  </a:endParaRPr>
+                </a:p>
+              </p:txBody>
+            </p:sp>
+            <p:sp>
+              <p:nvSpPr>
+                <p:cNvPr id="136" name="Title 1"/>
+                <p:cNvSpPr txBox="1">
+                  <a:spLocks/>
+                </p:cNvSpPr>
+                <p:nvPr/>
+              </p:nvSpPr>
+              <p:spPr>
+                <a:xfrm rot="19188245">
+                  <a:off x="37572275" y="12928852"/>
+                  <a:ext cx="1254284" cy="844414"/>
+                </a:xfrm>
+                <a:prstGeom prst="rect">
+                  <a:avLst/>
+                </a:prstGeom>
+              </p:spPr>
+              <p:txBody>
+                <a:bodyPr vert="horz" lIns="91440" tIns="45720" rIns="91440" bIns="45720" rtlCol="0" anchor="ctr">
+                  <a:normAutofit/>
+                </a:bodyPr>
+                <a:lstStyle>
+                  <a:lvl1pPr algn="l" defTabSz="914400" rtl="0" eaLnBrk="1" latinLnBrk="0" hangingPunct="1">
+                    <a:lnSpc>
+                      <a:spcPct val="90000"/>
+                    </a:lnSpc>
+                    <a:spcBef>
+                      <a:spcPct val="0"/>
+                    </a:spcBef>
+                    <a:buNone/>
+                    <a:defRPr sz="4400" kern="1200">
+                      <a:solidFill>
+                        <a:schemeClr val="tx1"/>
+                      </a:solidFill>
+                      <a:latin typeface="+mj-lt"/>
+                      <a:ea typeface="+mj-ea"/>
+                      <a:cs typeface="+mj-cs"/>
+                    </a:defRPr>
+                  </a:lvl1pPr>
+                </a:lstStyle>
+                <a:p>
+                  <a:r>
+                    <a:rPr lang="en-US" sz="2000" dirty="0" smtClean="0">
+                      <a:latin typeface="Encode Sans Normal" panose="02000000000000000000"/>
+                    </a:rPr>
+                    <a:t>Dutch</a:t>
+                  </a:r>
+                  <a:endParaRPr lang="en-US" sz="2000" dirty="0">
+                    <a:latin typeface="Encode Sans Normal" panose="02000000000000000000"/>
+                  </a:endParaRPr>
+                </a:p>
+              </p:txBody>
+            </p:sp>
+            <p:sp>
+              <p:nvSpPr>
+                <p:cNvPr id="137" name="Title 1"/>
+                <p:cNvSpPr txBox="1">
+                  <a:spLocks/>
+                </p:cNvSpPr>
+                <p:nvPr/>
+              </p:nvSpPr>
+              <p:spPr>
+                <a:xfrm rot="2525271">
+                  <a:off x="37461709" y="14133612"/>
+                  <a:ext cx="1254284" cy="844414"/>
+                </a:xfrm>
+                <a:prstGeom prst="rect">
+                  <a:avLst/>
+                </a:prstGeom>
+              </p:spPr>
+              <p:txBody>
+                <a:bodyPr vert="horz" lIns="91440" tIns="45720" rIns="91440" bIns="45720" rtlCol="0" anchor="ctr">
+                  <a:normAutofit/>
+                </a:bodyPr>
+                <a:lstStyle>
+                  <a:lvl1pPr algn="l" defTabSz="914400" rtl="0" eaLnBrk="1" latinLnBrk="0" hangingPunct="1">
+                    <a:lnSpc>
+                      <a:spcPct val="90000"/>
+                    </a:lnSpc>
+                    <a:spcBef>
+                      <a:spcPct val="0"/>
+                    </a:spcBef>
+                    <a:buNone/>
+                    <a:defRPr sz="4400" kern="1200">
+                      <a:solidFill>
+                        <a:schemeClr val="tx1"/>
+                      </a:solidFill>
+                      <a:latin typeface="+mj-lt"/>
+                      <a:ea typeface="+mj-ea"/>
+                      <a:cs typeface="+mj-cs"/>
+                    </a:defRPr>
+                  </a:lvl1pPr>
+                </a:lstStyle>
+                <a:p>
+                  <a:r>
+                    <a:rPr lang="en-US" sz="2000" dirty="0" smtClean="0">
+                      <a:latin typeface="Encode Sans Normal" panose="02000000000000000000"/>
+                    </a:rPr>
+                    <a:t>French</a:t>
+                  </a:r>
+                  <a:endParaRPr lang="en-US" sz="2000" dirty="0">
+                    <a:latin typeface="Encode Sans Normal" panose="02000000000000000000"/>
+                  </a:endParaRPr>
+                </a:p>
+              </p:txBody>
+            </p:sp>
+            <p:sp>
+              <p:nvSpPr>
+                <p:cNvPr id="142" name="Rectangle 141"/>
+                <p:cNvSpPr/>
+                <p:nvPr/>
+              </p:nvSpPr>
+              <p:spPr>
+                <a:xfrm>
+                  <a:off x="38550451" y="14436967"/>
+                  <a:ext cx="1022602" cy="810353"/>
+                </a:xfrm>
+                <a:prstGeom prst="rect">
+                  <a:avLst/>
+                </a:prstGeom>
+                <a:solidFill>
+                  <a:srgbClr val="00B050"/>
+                </a:solidFill>
+                <a:ln>
+                  <a:noFill/>
+                </a:ln>
+              </p:spPr>
+              <p:style>
+                <a:lnRef idx="2">
+                  <a:schemeClr val="accent1">
+                    <a:shade val="50000"/>
+                  </a:schemeClr>
+                </a:lnRef>
+                <a:fillRef idx="1">
+                  <a:schemeClr val="accent1"/>
+                </a:fillRef>
+                <a:effectRef idx="0">
+                  <a:schemeClr val="accent1"/>
+                </a:effectRef>
+                <a:fontRef idx="minor">
+                  <a:schemeClr val="lt1"/>
+                </a:fontRef>
+              </p:style>
+              <p:txBody>
+                <a:bodyPr rtlCol="0" anchor="ctr"/>
+                <a:lstStyle/>
+                <a:p>
+                  <a:pPr algn="ctr"/>
+                  <a:r>
+                    <a:rPr lang="en-US" sz="2000" dirty="0" smtClean="0">
+                      <a:latin typeface="Encode Sans Normal" panose="02000000000000000000"/>
+                    </a:rPr>
+                    <a:t>Slave Ship</a:t>
+                  </a:r>
+                  <a:endParaRPr lang="en-US" sz="2000" dirty="0">
+                    <a:latin typeface="Encode Sans Normal" panose="02000000000000000000"/>
+                  </a:endParaRPr>
+                </a:p>
+              </p:txBody>
+            </p:sp>
+            <p:sp>
+              <p:nvSpPr>
+                <p:cNvPr id="143" name="Rectangle 142"/>
+                <p:cNvSpPr/>
+                <p:nvPr/>
+              </p:nvSpPr>
+              <p:spPr>
+                <a:xfrm>
+                  <a:off x="39030040" y="13591906"/>
+                  <a:ext cx="1788144" cy="810353"/>
+                </a:xfrm>
+                <a:prstGeom prst="rect">
+                  <a:avLst/>
+                </a:prstGeom>
+                <a:ln>
+                  <a:noFill/>
+                </a:ln>
+              </p:spPr>
+              <p:style>
+                <a:lnRef idx="2">
+                  <a:schemeClr val="accent1">
+                    <a:shade val="50000"/>
+                  </a:schemeClr>
+                </a:lnRef>
+                <a:fillRef idx="1">
+                  <a:schemeClr val="accent1"/>
+                </a:fillRef>
+                <a:effectRef idx="0">
+                  <a:schemeClr val="accent1"/>
+                </a:effectRef>
+                <a:fontRef idx="minor">
+                  <a:schemeClr val="lt1"/>
+                </a:fontRef>
+              </p:style>
+              <p:txBody>
+                <a:bodyPr rtlCol="0" anchor="ctr"/>
+                <a:lstStyle/>
+                <a:p>
+                  <a:pPr algn="ctr"/>
+                  <a:r>
+                    <a:rPr lang="en-US" sz="2000" dirty="0" smtClean="0">
+                      <a:latin typeface="Encode Sans Normal" panose="02000000000000000000"/>
+                    </a:rPr>
+                    <a:t>Departure Port</a:t>
+                  </a:r>
+                  <a:endParaRPr lang="en-US" sz="2000" dirty="0">
+                    <a:latin typeface="Encode Sans Normal" panose="02000000000000000000"/>
+                  </a:endParaRPr>
+                </a:p>
+              </p:txBody>
+            </p:sp>
+            <p:sp>
+              <p:nvSpPr>
+                <p:cNvPr id="144" name="Rectangle 143"/>
+                <p:cNvSpPr/>
+                <p:nvPr/>
+              </p:nvSpPr>
+              <p:spPr>
+                <a:xfrm>
+                  <a:off x="38734388" y="12656665"/>
+                  <a:ext cx="1614910" cy="881430"/>
+                </a:xfrm>
+                <a:prstGeom prst="rect">
+                  <a:avLst/>
+                </a:prstGeom>
+                <a:solidFill>
+                  <a:schemeClr val="accent2">
+                    <a:lumMod val="75000"/>
+                  </a:schemeClr>
+                </a:solidFill>
+                <a:ln>
+                  <a:noFill/>
+                </a:ln>
+              </p:spPr>
+              <p:style>
+                <a:lnRef idx="2">
+                  <a:schemeClr val="accent1">
+                    <a:shade val="50000"/>
+                  </a:schemeClr>
+                </a:lnRef>
+                <a:fillRef idx="1">
+                  <a:schemeClr val="accent1"/>
+                </a:fillRef>
+                <a:effectRef idx="0">
+                  <a:schemeClr val="accent1"/>
+                </a:effectRef>
+                <a:fontRef idx="minor">
+                  <a:schemeClr val="lt1"/>
+                </a:fontRef>
+              </p:style>
+              <p:txBody>
+                <a:bodyPr rtlCol="0" anchor="ctr"/>
+                <a:lstStyle/>
+                <a:p>
+                  <a:pPr algn="ctr"/>
+                  <a:r>
+                    <a:rPr lang="en-US" sz="2000" dirty="0" smtClean="0">
+                      <a:latin typeface="Encode Sans Normal" panose="02000000000000000000"/>
+                    </a:rPr>
+                    <a:t>Not</a:t>
+                  </a:r>
+                </a:p>
+                <a:p>
+                  <a:pPr algn="ctr"/>
+                  <a:r>
+                    <a:rPr lang="en-US" sz="2000" dirty="0" smtClean="0">
+                      <a:latin typeface="Encode Sans Normal" panose="02000000000000000000"/>
+                    </a:rPr>
+                    <a:t>Slave Ship</a:t>
+                  </a:r>
+                  <a:endParaRPr lang="en-US" sz="2000" dirty="0">
+                    <a:latin typeface="Encode Sans Normal" panose="02000000000000000000"/>
+                  </a:endParaRPr>
+                </a:p>
+              </p:txBody>
+            </p:sp>
+            <p:cxnSp>
+              <p:nvCxnSpPr>
+                <p:cNvPr id="148" name="Straight Arrow Connector 147"/>
+                <p:cNvCxnSpPr/>
+                <p:nvPr/>
+              </p:nvCxnSpPr>
+              <p:spPr>
+                <a:xfrm>
+                  <a:off x="37286236" y="15897546"/>
+                  <a:ext cx="1264215" cy="364300"/>
+                </a:xfrm>
+                <a:prstGeom prst="straightConnector1">
+                  <a:avLst/>
+                </a:prstGeom>
+                <a:ln w="38100">
+                  <a:solidFill>
+                    <a:schemeClr val="tx1"/>
+                  </a:solidFill>
+                  <a:tailEnd type="triangle" w="lg" len="lg"/>
+                </a:ln>
+              </p:spPr>
+              <p:style>
+                <a:lnRef idx="1">
+                  <a:schemeClr val="accent1"/>
+                </a:lnRef>
+                <a:fillRef idx="0">
+                  <a:schemeClr val="accent1"/>
+                </a:fillRef>
+                <a:effectRef idx="0">
+                  <a:schemeClr val="accent1"/>
+                </a:effectRef>
+                <a:fontRef idx="minor">
+                  <a:schemeClr val="tx1"/>
+                </a:fontRef>
+              </p:style>
+            </p:cxnSp>
+            <p:cxnSp>
+              <p:nvCxnSpPr>
+                <p:cNvPr id="150" name="Straight Arrow Connector 149"/>
+                <p:cNvCxnSpPr/>
+                <p:nvPr/>
+              </p:nvCxnSpPr>
+              <p:spPr>
+                <a:xfrm flipV="1">
+                  <a:off x="37240684" y="15609586"/>
+                  <a:ext cx="3108614" cy="287960"/>
+                </a:xfrm>
+                <a:prstGeom prst="straightConnector1">
+                  <a:avLst/>
+                </a:prstGeom>
+                <a:ln w="38100">
+                  <a:solidFill>
+                    <a:schemeClr val="tx1"/>
+                  </a:solidFill>
+                  <a:tailEnd type="triangle" w="lg" len="lg"/>
+                </a:ln>
+              </p:spPr>
+              <p:style>
+                <a:lnRef idx="1">
+                  <a:schemeClr val="accent1"/>
+                </a:lnRef>
+                <a:fillRef idx="0">
+                  <a:schemeClr val="accent1"/>
+                </a:fillRef>
+                <a:effectRef idx="0">
+                  <a:schemeClr val="accent1"/>
+                </a:effectRef>
+                <a:fontRef idx="minor">
+                  <a:schemeClr val="tx1"/>
+                </a:fontRef>
+              </p:style>
+            </p:cxnSp>
+            <p:sp>
+              <p:nvSpPr>
+                <p:cNvPr id="154" name="Title 1"/>
+                <p:cNvSpPr txBox="1">
+                  <a:spLocks/>
+                </p:cNvSpPr>
+                <p:nvPr/>
+              </p:nvSpPr>
+              <p:spPr>
+                <a:xfrm rot="21376786">
+                  <a:off x="37466143" y="15164755"/>
+                  <a:ext cx="2757457" cy="844414"/>
+                </a:xfrm>
+                <a:prstGeom prst="rect">
+                  <a:avLst/>
+                </a:prstGeom>
+              </p:spPr>
+              <p:txBody>
+                <a:bodyPr vert="horz" lIns="91440" tIns="45720" rIns="91440" bIns="45720" rtlCol="0" anchor="ctr">
+                  <a:normAutofit/>
+                </a:bodyPr>
+                <a:lstStyle>
+                  <a:lvl1pPr algn="l" defTabSz="914400" rtl="0" eaLnBrk="1" latinLnBrk="0" hangingPunct="1">
+                    <a:lnSpc>
+                      <a:spcPct val="90000"/>
+                    </a:lnSpc>
+                    <a:spcBef>
+                      <a:spcPct val="0"/>
+                    </a:spcBef>
+                    <a:buNone/>
+                    <a:defRPr sz="4400" kern="1200">
+                      <a:solidFill>
+                        <a:schemeClr val="tx1"/>
+                      </a:solidFill>
+                      <a:latin typeface="+mj-lt"/>
+                      <a:ea typeface="+mj-ea"/>
+                      <a:cs typeface="+mj-cs"/>
+                    </a:defRPr>
+                  </a:lvl1pPr>
+                </a:lstStyle>
+                <a:p>
+                  <a:r>
+                    <a:rPr lang="en-US" sz="2000" dirty="0" smtClean="0">
+                      <a:latin typeface="Encode Sans Normal" panose="02000000000000000000"/>
+                    </a:rPr>
+                    <a:t>Cape of Good Hope</a:t>
+                  </a:r>
+                  <a:endParaRPr lang="en-US" sz="2000" dirty="0">
+                    <a:latin typeface="Encode Sans Normal" panose="02000000000000000000"/>
+                  </a:endParaRPr>
+                </a:p>
+              </p:txBody>
+            </p:sp>
+            <p:sp>
+              <p:nvSpPr>
+                <p:cNvPr id="155" name="Rectangle 154"/>
+                <p:cNvSpPr/>
+                <p:nvPr/>
+              </p:nvSpPr>
+              <p:spPr>
+                <a:xfrm>
+                  <a:off x="38491812" y="16074351"/>
+                  <a:ext cx="1580459" cy="881430"/>
+                </a:xfrm>
+                <a:prstGeom prst="rect">
+                  <a:avLst/>
+                </a:prstGeom>
+                <a:solidFill>
+                  <a:schemeClr val="accent2">
+                    <a:lumMod val="75000"/>
+                  </a:schemeClr>
+                </a:solidFill>
+                <a:ln>
+                  <a:noFill/>
+                </a:ln>
+              </p:spPr>
+              <p:style>
+                <a:lnRef idx="2">
+                  <a:schemeClr val="accent1">
+                    <a:shade val="50000"/>
+                  </a:schemeClr>
+                </a:lnRef>
+                <a:fillRef idx="1">
+                  <a:schemeClr val="accent1"/>
+                </a:fillRef>
+                <a:effectRef idx="0">
+                  <a:schemeClr val="accent1"/>
+                </a:effectRef>
+                <a:fontRef idx="minor">
+                  <a:schemeClr val="lt1"/>
+                </a:fontRef>
+              </p:style>
+              <p:txBody>
+                <a:bodyPr rtlCol="0" anchor="ctr"/>
+                <a:lstStyle/>
+                <a:p>
+                  <a:pPr algn="ctr"/>
+                  <a:r>
+                    <a:rPr lang="en-US" sz="2000" dirty="0" smtClean="0">
+                      <a:latin typeface="Encode Sans Normal" panose="02000000000000000000"/>
+                    </a:rPr>
+                    <a:t>Not</a:t>
+                  </a:r>
+                </a:p>
+                <a:p>
+                  <a:pPr algn="ctr"/>
+                  <a:r>
+                    <a:rPr lang="en-US" sz="2000" dirty="0" smtClean="0">
+                      <a:latin typeface="Encode Sans Normal" panose="02000000000000000000"/>
+                    </a:rPr>
+                    <a:t>Slave Ship</a:t>
+                  </a:r>
+                  <a:endParaRPr lang="en-US" sz="2000" dirty="0">
+                    <a:latin typeface="Encode Sans Normal" panose="02000000000000000000"/>
+                  </a:endParaRPr>
+                </a:p>
+              </p:txBody>
+            </p:sp>
+            <p:sp>
+              <p:nvSpPr>
+                <p:cNvPr id="156" name="Rectangle 155"/>
+                <p:cNvSpPr/>
+                <p:nvPr/>
+              </p:nvSpPr>
+              <p:spPr>
+                <a:xfrm>
+                  <a:off x="40269489" y="15121098"/>
+                  <a:ext cx="1086584" cy="810353"/>
+                </a:xfrm>
+                <a:prstGeom prst="rect">
+                  <a:avLst/>
+                </a:prstGeom>
+                <a:solidFill>
+                  <a:srgbClr val="00B050"/>
+                </a:solidFill>
+                <a:ln>
+                  <a:noFill/>
+                </a:ln>
+              </p:spPr>
+              <p:style>
+                <a:lnRef idx="2">
+                  <a:schemeClr val="accent1">
+                    <a:shade val="50000"/>
+                  </a:schemeClr>
+                </a:lnRef>
+                <a:fillRef idx="1">
+                  <a:schemeClr val="accent1"/>
+                </a:fillRef>
+                <a:effectRef idx="0">
+                  <a:schemeClr val="accent1"/>
+                </a:effectRef>
+                <a:fontRef idx="minor">
+                  <a:schemeClr val="lt1"/>
+                </a:fontRef>
+              </p:style>
+              <p:txBody>
+                <a:bodyPr rtlCol="0" anchor="ctr"/>
+                <a:lstStyle/>
+                <a:p>
+                  <a:pPr algn="ctr"/>
+                  <a:r>
+                    <a:rPr lang="en-US" sz="2000" dirty="0" smtClean="0">
+                      <a:latin typeface="Encode Sans Normal" panose="02000000000000000000"/>
+                    </a:rPr>
+                    <a:t>Slave Ship</a:t>
+                  </a:r>
+                  <a:endParaRPr lang="en-US" sz="2000" dirty="0">
+                    <a:latin typeface="Encode Sans Normal" panose="02000000000000000000"/>
+                  </a:endParaRPr>
+                </a:p>
+              </p:txBody>
+            </p:sp>
+            <p:cxnSp>
+              <p:nvCxnSpPr>
+                <p:cNvPr id="157" name="Straight Arrow Connector 156"/>
+                <p:cNvCxnSpPr>
+                  <a:stCxn id="143" idx="3"/>
+                </p:cNvCxnSpPr>
+                <p:nvPr/>
+              </p:nvCxnSpPr>
+              <p:spPr>
+                <a:xfrm flipV="1">
+                  <a:off x="40818184" y="13301983"/>
+                  <a:ext cx="766400" cy="695100"/>
+                </a:xfrm>
+                <a:prstGeom prst="straightConnector1">
+                  <a:avLst/>
+                </a:prstGeom>
+                <a:ln w="38100">
+                  <a:solidFill>
+                    <a:schemeClr val="tx1"/>
+                  </a:solidFill>
+                  <a:tailEnd type="triangle" w="lg" len="lg"/>
+                </a:ln>
+              </p:spPr>
+              <p:style>
+                <a:lnRef idx="1">
+                  <a:schemeClr val="accent1"/>
+                </a:lnRef>
+                <a:fillRef idx="0">
+                  <a:schemeClr val="accent1"/>
+                </a:fillRef>
+                <a:effectRef idx="0">
+                  <a:schemeClr val="accent1"/>
+                </a:effectRef>
+                <a:fontRef idx="minor">
+                  <a:schemeClr val="tx1"/>
+                </a:fontRef>
+              </p:style>
+            </p:cxnSp>
+            <p:sp>
+              <p:nvSpPr>
+                <p:cNvPr id="162" name="Rectangle 161"/>
+                <p:cNvSpPr/>
+                <p:nvPr/>
+              </p:nvSpPr>
+              <p:spPr>
+                <a:xfrm>
+                  <a:off x="41579871" y="12903756"/>
+                  <a:ext cx="1131760" cy="810353"/>
+                </a:xfrm>
+                <a:prstGeom prst="rect">
+                  <a:avLst/>
+                </a:prstGeom>
+                <a:solidFill>
+                  <a:srgbClr val="00B050"/>
+                </a:solidFill>
+                <a:ln>
+                  <a:noFill/>
+                </a:ln>
+              </p:spPr>
+              <p:style>
+                <a:lnRef idx="2">
+                  <a:schemeClr val="accent1">
+                    <a:shade val="50000"/>
+                  </a:schemeClr>
+                </a:lnRef>
+                <a:fillRef idx="1">
+                  <a:schemeClr val="accent1"/>
+                </a:fillRef>
+                <a:effectRef idx="0">
+                  <a:schemeClr val="accent1"/>
+                </a:effectRef>
+                <a:fontRef idx="minor">
+                  <a:schemeClr val="lt1"/>
+                </a:fontRef>
+              </p:style>
+              <p:txBody>
+                <a:bodyPr rtlCol="0" anchor="ctr"/>
+                <a:lstStyle/>
+                <a:p>
+                  <a:pPr algn="ctr"/>
+                  <a:r>
+                    <a:rPr lang="en-US" sz="2000" dirty="0" smtClean="0">
+                      <a:latin typeface="Encode Sans Normal" panose="02000000000000000000"/>
+                    </a:rPr>
+                    <a:t>Slave Ship</a:t>
+                  </a:r>
+                  <a:endParaRPr lang="en-US" sz="2000" dirty="0">
+                    <a:latin typeface="Encode Sans Normal" panose="02000000000000000000"/>
+                  </a:endParaRPr>
+                </a:p>
+              </p:txBody>
+            </p:sp>
+            <p:cxnSp>
+              <p:nvCxnSpPr>
+                <p:cNvPr id="163" name="Straight Arrow Connector 162"/>
+                <p:cNvCxnSpPr>
+                  <a:stCxn id="143" idx="3"/>
+                </p:cNvCxnSpPr>
+                <p:nvPr/>
+              </p:nvCxnSpPr>
+              <p:spPr>
+                <a:xfrm>
+                  <a:off x="40818184" y="13997083"/>
+                  <a:ext cx="667553" cy="275570"/>
+                </a:xfrm>
+                <a:prstGeom prst="straightConnector1">
+                  <a:avLst/>
+                </a:prstGeom>
+                <a:ln w="38100">
+                  <a:solidFill>
+                    <a:schemeClr val="tx1"/>
+                  </a:solidFill>
+                  <a:tailEnd type="triangle" w="lg" len="lg"/>
+                </a:ln>
+              </p:spPr>
+              <p:style>
+                <a:lnRef idx="1">
+                  <a:schemeClr val="accent1"/>
+                </a:lnRef>
+                <a:fillRef idx="0">
+                  <a:schemeClr val="accent1"/>
+                </a:fillRef>
+                <a:effectRef idx="0">
+                  <a:schemeClr val="accent1"/>
+                </a:effectRef>
+                <a:fontRef idx="minor">
+                  <a:schemeClr val="tx1"/>
+                </a:fontRef>
+              </p:style>
+            </p:cxnSp>
+            <p:sp>
+              <p:nvSpPr>
+                <p:cNvPr id="168" name="Rectangle 167"/>
+                <p:cNvSpPr/>
+                <p:nvPr/>
+              </p:nvSpPr>
+              <p:spPr>
+                <a:xfrm>
+                  <a:off x="41460131" y="13954594"/>
+                  <a:ext cx="1600728" cy="881430"/>
+                </a:xfrm>
+                <a:prstGeom prst="rect">
+                  <a:avLst/>
+                </a:prstGeom>
+                <a:solidFill>
+                  <a:schemeClr val="accent2">
+                    <a:lumMod val="75000"/>
+                  </a:schemeClr>
+                </a:solidFill>
+                <a:ln>
+                  <a:noFill/>
+                </a:ln>
+              </p:spPr>
+              <p:style>
+                <a:lnRef idx="2">
+                  <a:schemeClr val="accent1">
+                    <a:shade val="50000"/>
+                  </a:schemeClr>
+                </a:lnRef>
+                <a:fillRef idx="1">
+                  <a:schemeClr val="accent1"/>
+                </a:fillRef>
+                <a:effectRef idx="0">
+                  <a:schemeClr val="accent1"/>
+                </a:effectRef>
+                <a:fontRef idx="minor">
+                  <a:schemeClr val="lt1"/>
+                </a:fontRef>
+              </p:style>
+              <p:txBody>
+                <a:bodyPr rtlCol="0" anchor="ctr"/>
+                <a:lstStyle/>
+                <a:p>
+                  <a:pPr algn="ctr"/>
+                  <a:r>
+                    <a:rPr lang="en-US" sz="2000" dirty="0" smtClean="0">
+                      <a:latin typeface="Encode Sans Normal" panose="02000000000000000000"/>
+                    </a:rPr>
+                    <a:t>Not</a:t>
+                  </a:r>
+                </a:p>
+                <a:p>
+                  <a:pPr algn="ctr"/>
+                  <a:r>
+                    <a:rPr lang="en-US" sz="2000" dirty="0" smtClean="0">
+                      <a:latin typeface="Encode Sans Normal" panose="02000000000000000000"/>
+                    </a:rPr>
+                    <a:t>Slave Ship</a:t>
+                  </a:r>
+                  <a:endParaRPr lang="en-US" sz="2000" dirty="0">
+                    <a:latin typeface="Encode Sans Normal" panose="02000000000000000000"/>
+                  </a:endParaRPr>
+                </a:p>
+              </p:txBody>
+            </p:sp>
+          </p:grpSp>
+        </p:grpSp>
+      </p:grpSp>
+      <p:grpSp>
+        <p:nvGrpSpPr>
+          <p:cNvPr id="175" name="Group 174"/>
+          <p:cNvGrpSpPr/>
+          <p:nvPr/>
+        </p:nvGrpSpPr>
+        <p:grpSpPr>
+          <a:xfrm>
+            <a:off x="34287595" y="27260980"/>
+            <a:ext cx="24351052" cy="4993856"/>
+            <a:chOff x="32950174" y="22073791"/>
+            <a:chExt cx="13891225" cy="9438431"/>
+          </a:xfrm>
+        </p:grpSpPr>
+        <p:sp>
+          <p:nvSpPr>
+            <p:cNvPr id="176" name="Rectangle 175"/>
+            <p:cNvSpPr/>
+            <p:nvPr/>
+          </p:nvSpPr>
+          <p:spPr>
+            <a:xfrm>
+              <a:off x="32975376" y="24227051"/>
+              <a:ext cx="4898376" cy="7285171"/>
+            </a:xfrm>
+            <a:prstGeom prst="rect">
+              <a:avLst/>
+            </a:prstGeom>
+            <a:noFill/>
+            <a:ln w="76200">
+              <a:solidFill>
+                <a:srgbClr val="33006F"/>
+              </a:solidFill>
+            </a:ln>
+            <a:effectLst/>
+          </p:spPr>
+          <p:style>
+            <a:lnRef idx="2">
+              <a:schemeClr val="accent1">
+                <a:shade val="50000"/>
+              </a:schemeClr>
+            </a:lnRef>
+            <a:fillRef idx="1">
+              <a:schemeClr val="accent1"/>
+            </a:fillRef>
+            <a:effectRef idx="0">
+              <a:schemeClr val="accent1"/>
+            </a:effectRef>
+            <a:fontRef idx="minor">
+              <a:schemeClr val="lt1"/>
+            </a:fontRef>
+          </p:style>
+          <p:txBody>
+            <a:bodyPr rtlCol="0" anchor="ctr"/>
+            <a:lstStyle/>
+            <a:p>
+              <a:pPr algn="ctr"/>
+              <a:endParaRPr lang="en-US">
+                <a:solidFill>
+                  <a:srgbClr val="33006F"/>
+                </a:solidFill>
+              </a:endParaRPr>
+            </a:p>
+          </p:txBody>
+        </p:sp>
+        <p:sp>
+          <p:nvSpPr>
+            <p:cNvPr id="177" name="TextBox 176"/>
+            <p:cNvSpPr txBox="1"/>
+            <p:nvPr/>
+          </p:nvSpPr>
+          <p:spPr>
+            <a:xfrm>
+              <a:off x="32950174" y="22073791"/>
+              <a:ext cx="13891225" cy="2260796"/>
+            </a:xfrm>
+            <a:prstGeom prst="rect">
+              <a:avLst/>
+            </a:prstGeom>
+            <a:noFill/>
+          </p:spPr>
+          <p:txBody>
+            <a:bodyPr wrap="square" rtlCol="0">
+              <a:spAutoFit/>
+            </a:bodyPr>
+            <a:lstStyle/>
+            <a:p>
+              <a:r>
+                <a:rPr lang="en-US" sz="6600" dirty="0" smtClean="0">
+                  <a:latin typeface="Encode Sans Normal" panose="02000000000000000000" pitchFamily="2" charset="0"/>
+                </a:rPr>
+                <a:t>REFERENCES</a:t>
+              </a:r>
+              <a:endParaRPr lang="en-US" sz="8000" dirty="0">
+                <a:latin typeface="Encode Sans Normal" panose="02000000000000000000" pitchFamily="2" charset="0"/>
+              </a:endParaRPr>
+            </a:p>
+          </p:txBody>
+        </p:sp>
+      </p:grpSp>
+      <p:sp>
+        <p:nvSpPr>
+          <p:cNvPr id="179" name="Rectangle 178"/>
+          <p:cNvSpPr/>
+          <p:nvPr/>
+        </p:nvSpPr>
+        <p:spPr>
+          <a:xfrm>
+            <a:off x="34410846" y="28720732"/>
+            <a:ext cx="8359611" cy="5416868"/>
+          </a:xfrm>
+          <a:prstGeom prst="rect">
+            <a:avLst/>
+          </a:prstGeom>
+        </p:spPr>
+        <p:txBody>
+          <a:bodyPr wrap="square">
+            <a:spAutoFit/>
+          </a:bodyPr>
+          <a:lstStyle/>
+          <a:p>
+            <a:pPr>
+              <a:spcAft>
+                <a:spcPts val="1200"/>
+              </a:spcAft>
+            </a:pPr>
+            <a:r>
+              <a:rPr lang="en-US" sz="2800" b="1" dirty="0" smtClean="0">
+                <a:latin typeface="Encode Sans Normal" panose="02000000000000000000" pitchFamily="2" charset="0"/>
+              </a:rPr>
+              <a:t>CLIWOC </a:t>
+            </a:r>
+            <a:r>
+              <a:rPr lang="en-US" sz="2800" b="1" dirty="0">
+                <a:latin typeface="Encode Sans Normal" panose="02000000000000000000" pitchFamily="2" charset="0"/>
+              </a:rPr>
+              <a:t>Database: </a:t>
+            </a:r>
+            <a:r>
+              <a:rPr lang="en-US" sz="2800" i="1" dirty="0">
+                <a:latin typeface="Encode Sans Normal" panose="02000000000000000000" pitchFamily="2" charset="0"/>
+              </a:rPr>
+              <a:t>http://</a:t>
+            </a:r>
+            <a:r>
+              <a:rPr lang="en-US" sz="2800" i="1" dirty="0" smtClean="0">
+                <a:latin typeface="Encode Sans Normal" panose="02000000000000000000" pitchFamily="2" charset="0"/>
+              </a:rPr>
+              <a:t>pendientedemigracion.ucm.es/info/cliwoc</a:t>
+            </a:r>
+          </a:p>
+          <a:p>
+            <a:pPr>
+              <a:spcAft>
+                <a:spcPts val="1200"/>
+              </a:spcAft>
+            </a:pPr>
+            <a:r>
+              <a:rPr lang="en-US" sz="2800" b="1" dirty="0">
+                <a:latin typeface="Encode Sans Normal" panose="02000000000000000000" pitchFamily="2" charset="0"/>
+              </a:rPr>
+              <a:t>Trans-Atlantic Slave Trade </a:t>
+            </a:r>
+            <a:r>
+              <a:rPr lang="en-US" sz="2800" b="1" dirty="0" smtClean="0">
+                <a:latin typeface="Encode Sans Normal" panose="02000000000000000000" pitchFamily="2" charset="0"/>
+              </a:rPr>
+              <a:t>Database: </a:t>
+            </a:r>
+            <a:r>
+              <a:rPr lang="en-US" sz="2800" dirty="0" err="1" smtClean="0">
+                <a:latin typeface="Encode Sans Normal" panose="02000000000000000000" pitchFamily="2" charset="0"/>
+              </a:rPr>
+              <a:t>www.slavevoyages.org</a:t>
+            </a:r>
+            <a:endParaRPr lang="en-US" sz="2800" dirty="0" smtClean="0">
+              <a:latin typeface="Encode Sans Normal" panose="02000000000000000000" pitchFamily="2" charset="0"/>
+            </a:endParaRPr>
+          </a:p>
+          <a:p>
+            <a:pPr>
+              <a:spcAft>
+                <a:spcPts val="1200"/>
+              </a:spcAft>
+            </a:pPr>
+            <a:r>
+              <a:rPr lang="en-US" sz="2800" b="1" dirty="0">
+                <a:latin typeface="Encode Sans Normal" panose="02000000000000000000" pitchFamily="2" charset="0"/>
+              </a:rPr>
+              <a:t>Code Repository: </a:t>
+            </a:r>
+            <a:r>
+              <a:rPr lang="en-US" sz="2800" i="1" dirty="0" smtClean="0">
+                <a:latin typeface="Encode Sans Normal" panose="02000000000000000000" pitchFamily="2" charset="0"/>
+              </a:rPr>
+              <a:t>https://github.com/clarka34/exploring-ship-logbooks</a:t>
+            </a:r>
+          </a:p>
+          <a:p>
+            <a:endParaRPr lang="en-US" sz="2800" dirty="0" smtClean="0">
+              <a:latin typeface="Encode Sans Normal" panose="02000000000000000000" pitchFamily="2" charset="0"/>
+            </a:endParaRPr>
+          </a:p>
+          <a:p>
+            <a:pPr marL="457200" indent="-457200">
+              <a:buFont typeface="Arial" panose="020B0604020202020204" pitchFamily="34" charset="0"/>
+              <a:buChar char="•"/>
+            </a:pPr>
+            <a:endParaRPr lang="en-US" sz="2800" dirty="0" smtClean="0">
+              <a:latin typeface="Encode Sans Normal" panose="02000000000000000000" pitchFamily="2" charset="0"/>
+            </a:endParaRPr>
+          </a:p>
+          <a:p>
+            <a:pPr marL="742950" indent="-742950">
+              <a:buFont typeface="Arial" panose="020B0604020202020204" pitchFamily="34" charset="0"/>
+              <a:buChar char="•"/>
+            </a:pPr>
+            <a:endParaRPr lang="en-US" sz="2800" dirty="0">
+              <a:latin typeface="Encode Sans Normal" panose="02000000000000000000" pitchFamily="2" charset="0"/>
+            </a:endParaRPr>
+          </a:p>
+          <a:p>
+            <a:endParaRPr lang="en-US" sz="3600" dirty="0">
+              <a:latin typeface="Encode Sans Normal" panose="02000000000000000000" pitchFamily="2" charset="0"/>
+            </a:endParaRPr>
+          </a:p>
+        </p:txBody>
+      </p:sp>
+      <p:sp>
+        <p:nvSpPr>
+          <p:cNvPr id="180" name="Rectangle 179"/>
+          <p:cNvSpPr/>
+          <p:nvPr/>
+        </p:nvSpPr>
+        <p:spPr>
+          <a:xfrm>
+            <a:off x="34311268" y="18406225"/>
+            <a:ext cx="8586760" cy="8711344"/>
+          </a:xfrm>
+          <a:prstGeom prst="rect">
+            <a:avLst/>
+          </a:prstGeom>
+          <a:noFill/>
+          <a:ln w="76200">
+            <a:solidFill>
+              <a:srgbClr val="33006F"/>
+            </a:solidFill>
+          </a:ln>
+          <a:effectLst/>
+        </p:spPr>
+        <p:style>
+          <a:lnRef idx="2">
+            <a:schemeClr val="accent1">
+              <a:shade val="50000"/>
+            </a:schemeClr>
+          </a:lnRef>
+          <a:fillRef idx="1">
+            <a:schemeClr val="accent1"/>
+          </a:fillRef>
+          <a:effectRef idx="0">
+            <a:schemeClr val="accent1"/>
+          </a:effectRef>
+          <a:fontRef idx="minor">
+            <a:schemeClr val="lt1"/>
+          </a:fontRef>
+        </p:style>
+        <p:txBody>
+          <a:bodyPr rtlCol="0" anchor="ctr"/>
+          <a:lstStyle/>
+          <a:p>
+            <a:pPr algn="ctr"/>
+            <a:endParaRPr lang="en-US">
+              <a:solidFill>
+                <a:srgbClr val="33006F"/>
+              </a:solidFill>
+            </a:endParaRPr>
+          </a:p>
+        </p:txBody>
+      </p:sp>
+      <p:sp>
+        <p:nvSpPr>
+          <p:cNvPr id="181" name="TextBox 180"/>
+          <p:cNvSpPr txBox="1"/>
+          <p:nvPr/>
+        </p:nvSpPr>
+        <p:spPr>
+          <a:xfrm>
+            <a:off x="34165156" y="17315367"/>
+            <a:ext cx="16852094" cy="1107996"/>
+          </a:xfrm>
+          <a:prstGeom prst="rect">
+            <a:avLst/>
+          </a:prstGeom>
+          <a:noFill/>
+        </p:spPr>
+        <p:txBody>
+          <a:bodyPr wrap="square" rtlCol="0">
+            <a:spAutoFit/>
+          </a:bodyPr>
+          <a:lstStyle/>
+          <a:p>
+            <a:r>
+              <a:rPr lang="en-US" sz="6600" dirty="0" smtClean="0">
+                <a:latin typeface="Encode Sans Normal" panose="02000000000000000000" pitchFamily="2" charset="0"/>
+              </a:rPr>
+              <a:t>FUTURE WORK</a:t>
+            </a:r>
+            <a:endParaRPr lang="en-US" sz="8000" dirty="0">
+              <a:latin typeface="Encode Sans Normal" panose="02000000000000000000" pitchFamily="2" charset="0"/>
+            </a:endParaRPr>
+          </a:p>
+        </p:txBody>
+      </p:sp>
+      <p:sp>
+        <p:nvSpPr>
+          <p:cNvPr id="182" name="TextBox 181"/>
+          <p:cNvSpPr txBox="1"/>
+          <p:nvPr/>
+        </p:nvSpPr>
+        <p:spPr>
+          <a:xfrm>
+            <a:off x="34499291" y="18749800"/>
+            <a:ext cx="8251726" cy="8079135"/>
+          </a:xfrm>
+          <a:prstGeom prst="rect">
+            <a:avLst/>
+          </a:prstGeom>
+          <a:noFill/>
+        </p:spPr>
+        <p:txBody>
+          <a:bodyPr wrap="square" rtlCol="0">
+            <a:spAutoFit/>
+          </a:bodyPr>
+          <a:lstStyle/>
+          <a:p>
+            <a:pPr>
+              <a:spcAft>
+                <a:spcPts val="600"/>
+              </a:spcAft>
+            </a:pPr>
+            <a:r>
+              <a:rPr lang="en-US" sz="2800" dirty="0" smtClean="0">
+                <a:latin typeface="Encode Sans Normal" panose="02000000000000000000"/>
+              </a:rPr>
+              <a:t>The classification algorithms used did not effectively classify ships as related or unrelated to the slave trade. Several future improvements could help to resolve this issue:</a:t>
+            </a:r>
+          </a:p>
+          <a:p>
+            <a:pPr marL="457200" indent="-457200">
+              <a:spcAft>
+                <a:spcPts val="600"/>
+              </a:spcAft>
+              <a:buFont typeface="Arial" panose="020B0604020202020204" pitchFamily="34" charset="0"/>
+              <a:buChar char="•"/>
+            </a:pPr>
+            <a:r>
+              <a:rPr lang="en-US" sz="2800" b="1" dirty="0" smtClean="0">
+                <a:latin typeface="Encode Sans Normal" panose="02000000000000000000"/>
+              </a:rPr>
+              <a:t>Addition of more negative training data – </a:t>
+            </a:r>
+            <a:r>
+              <a:rPr lang="en-US" sz="2800" dirty="0" smtClean="0">
+                <a:latin typeface="Encode Sans Normal" panose="02000000000000000000"/>
+              </a:rPr>
+              <a:t>The training data for non-slave trade related voyages was much smaller than the slave-trade related voyages data. There are ongoing data collection projects that could provide this data.</a:t>
+            </a:r>
+          </a:p>
+          <a:p>
+            <a:pPr marL="457200" indent="-457200">
+              <a:spcAft>
+                <a:spcPts val="600"/>
+              </a:spcAft>
+              <a:buFont typeface="Arial" panose="020B0604020202020204" pitchFamily="34" charset="0"/>
+              <a:buChar char="•"/>
+            </a:pPr>
+            <a:r>
+              <a:rPr lang="en-US" sz="2800" b="1" dirty="0" smtClean="0">
+                <a:latin typeface="Encode Sans Normal" panose="02000000000000000000"/>
+              </a:rPr>
+              <a:t>Translation</a:t>
+            </a:r>
+            <a:r>
+              <a:rPr lang="en-US" sz="2800" dirty="0" smtClean="0">
+                <a:latin typeface="Encode Sans Normal" panose="02000000000000000000"/>
+              </a:rPr>
+              <a:t> – The logs are in different languages. Use of the google-translate API (which is not free to use) could do a better job at matching similar voyages than fuzzy string matching  </a:t>
+            </a:r>
+          </a:p>
+          <a:p>
+            <a:pPr marL="457200" indent="-457200">
+              <a:spcAft>
+                <a:spcPts val="600"/>
+              </a:spcAft>
+              <a:buFont typeface="Arial" panose="020B0604020202020204" pitchFamily="34" charset="0"/>
+              <a:buChar char="•"/>
+            </a:pPr>
+            <a:r>
+              <a:rPr lang="en-US" sz="2800" b="1" dirty="0" smtClean="0">
+                <a:latin typeface="Encode Sans Normal" panose="02000000000000000000"/>
+              </a:rPr>
+              <a:t>Location – </a:t>
+            </a:r>
+            <a:r>
+              <a:rPr lang="en-US" sz="2800" dirty="0" smtClean="0">
+                <a:latin typeface="Encode Sans Normal" panose="02000000000000000000"/>
+              </a:rPr>
+              <a:t>Latitude and longitude of voyages could be used as an additional classification parameter</a:t>
+            </a:r>
+            <a:endParaRPr lang="en-US" sz="2800" b="1" dirty="0">
+              <a:latin typeface="Encode Sans Normal" panose="02000000000000000000"/>
+            </a:endParaRPr>
+          </a:p>
+        </p:txBody>
+      </p:sp>
+      <p:cxnSp>
+        <p:nvCxnSpPr>
+          <p:cNvPr id="48" name="Straight Connector 47"/>
+          <p:cNvCxnSpPr/>
+          <p:nvPr/>
+        </p:nvCxnSpPr>
+        <p:spPr>
+          <a:xfrm>
+            <a:off x="32537400" y="8261623"/>
+            <a:ext cx="0" cy="8846269"/>
+          </a:xfrm>
+          <a:prstGeom prst="line">
+            <a:avLst/>
+          </a:prstGeom>
+          <a:ln>
+            <a:solidFill>
+              <a:srgbClr val="33006F"/>
+            </a:solidFill>
+          </a:ln>
+        </p:spPr>
+        <p:style>
+          <a:lnRef idx="1">
+            <a:schemeClr val="accent1"/>
+          </a:lnRef>
+          <a:fillRef idx="0">
+            <a:schemeClr val="accent1"/>
+          </a:fillRef>
+          <a:effectRef idx="0">
+            <a:schemeClr val="accent1"/>
+          </a:effectRef>
+          <a:fontRef idx="minor">
+            <a:schemeClr val="tx1"/>
+          </a:fontRef>
+        </p:style>
+      </p:cxnSp>
+      <p:cxnSp>
+        <p:nvCxnSpPr>
+          <p:cNvPr id="132" name="Straight Connector 131"/>
+          <p:cNvCxnSpPr/>
+          <p:nvPr/>
+        </p:nvCxnSpPr>
+        <p:spPr>
+          <a:xfrm>
+            <a:off x="25450800" y="8261623"/>
+            <a:ext cx="0" cy="8846269"/>
+          </a:xfrm>
+          <a:prstGeom prst="line">
+            <a:avLst/>
+          </a:prstGeom>
+          <a:ln>
+            <a:solidFill>
+              <a:srgbClr val="33006F"/>
+            </a:solidFill>
+          </a:ln>
+        </p:spPr>
+        <p:style>
+          <a:lnRef idx="1">
+            <a:schemeClr val="accent1"/>
+          </a:lnRef>
+          <a:fillRef idx="0">
+            <a:schemeClr val="accent1"/>
+          </a:fillRef>
+          <a:effectRef idx="0">
+            <a:schemeClr val="accent1"/>
+          </a:effectRef>
+          <a:fontRef idx="minor">
+            <a:schemeClr val="tx1"/>
+          </a:fontRef>
+        </p:style>
+      </p:cxnSp>
+      <p:pic>
+        <p:nvPicPr>
+          <p:cNvPr id="13" name="Picture 12"/>
+          <p:cNvPicPr>
+            <a:picLocks noChangeAspect="1"/>
+          </p:cNvPicPr>
+          <p:nvPr/>
+        </p:nvPicPr>
+        <p:blipFill>
+          <a:blip r:embed="rId9">
+            <a:clrChange>
+              <a:clrFrom>
+                <a:srgbClr val="FFFFFF"/>
+              </a:clrFrom>
+              <a:clrTo>
+                <a:srgbClr val="FFFFFF">
+                  <a:alpha val="0"/>
+                </a:srgbClr>
+              </a:clrTo>
+            </a:clrChange>
+            <a:extLst>
+              <a:ext uri="{28A0092B-C50C-407E-A947-70E740481C1C}">
+                <a14:useLocalDpi xmlns:a14="http://schemas.microsoft.com/office/drawing/2010/main" val="0"/>
+              </a:ext>
+            </a:extLst>
+          </a:blip>
+          <a:stretch>
+            <a:fillRect/>
+          </a:stretch>
+        </p:blipFill>
+        <p:spPr>
+          <a:xfrm>
+            <a:off x="12555581" y="14029813"/>
+            <a:ext cx="4387601" cy="3510081"/>
+          </a:xfrm>
+          <a:prstGeom prst="rect">
+            <a:avLst/>
+          </a:prstGeom>
+        </p:spPr>
+      </p:pic>
+      <p:pic>
+        <p:nvPicPr>
+          <p:cNvPr id="35" name="Picture 34"/>
+          <p:cNvPicPr>
+            <a:picLocks noChangeAspect="1"/>
+          </p:cNvPicPr>
+          <p:nvPr/>
+        </p:nvPicPr>
+        <p:blipFill>
+          <a:blip r:embed="rId10">
+            <a:clrChange>
+              <a:clrFrom>
+                <a:srgbClr val="FFFFFF"/>
+              </a:clrFrom>
+              <a:clrTo>
+                <a:srgbClr val="FFFFFF">
+                  <a:alpha val="0"/>
+                </a:srgbClr>
+              </a:clrTo>
+            </a:clrChange>
+            <a:extLst>
+              <a:ext uri="{28A0092B-C50C-407E-A947-70E740481C1C}">
+                <a14:useLocalDpi xmlns:a14="http://schemas.microsoft.com/office/drawing/2010/main" val="0"/>
+              </a:ext>
+            </a:extLst>
+          </a:blip>
+          <a:stretch>
+            <a:fillRect/>
+          </a:stretch>
+        </p:blipFill>
+        <p:spPr>
+          <a:xfrm>
+            <a:off x="12637124" y="19122265"/>
+            <a:ext cx="4306058" cy="3131679"/>
+          </a:xfrm>
+          <a:prstGeom prst="rect">
+            <a:avLst/>
+          </a:prstGeom>
+        </p:spPr>
+      </p:pic>
+      <p:sp>
+        <p:nvSpPr>
+          <p:cNvPr id="133" name="Rectangle 132"/>
+          <p:cNvSpPr/>
+          <p:nvPr/>
+        </p:nvSpPr>
+        <p:spPr>
+          <a:xfrm>
+            <a:off x="1229631" y="24045032"/>
+            <a:ext cx="5012852" cy="523220"/>
+          </a:xfrm>
+          <a:prstGeom prst="rect">
+            <a:avLst/>
+          </a:prstGeom>
+        </p:spPr>
+        <p:txBody>
+          <a:bodyPr wrap="square">
+            <a:spAutoFit/>
+          </a:bodyPr>
+          <a:lstStyle/>
+          <a:p>
+            <a:r>
+              <a:rPr lang="en-US" sz="2800" b="1" dirty="0" smtClean="0">
+                <a:latin typeface="Encode Sans Normal" panose="02000000000000000000" pitchFamily="2" charset="0"/>
+              </a:rPr>
+              <a:t>1. Clean CLIWOC Data</a:t>
+            </a:r>
+            <a:endParaRPr lang="en-US" sz="2800" b="1" dirty="0">
+              <a:latin typeface="Encode Sans Normal" panose="02000000000000000000" pitchFamily="2" charset="0"/>
+            </a:endParaRPr>
+          </a:p>
+        </p:txBody>
+      </p:sp>
+      <p:sp>
+        <p:nvSpPr>
+          <p:cNvPr id="134" name="Rectangle 133"/>
+          <p:cNvSpPr/>
+          <p:nvPr/>
+        </p:nvSpPr>
+        <p:spPr>
+          <a:xfrm>
+            <a:off x="1167384" y="26249243"/>
+            <a:ext cx="9154282" cy="523220"/>
+          </a:xfrm>
+          <a:prstGeom prst="rect">
+            <a:avLst/>
+          </a:prstGeom>
+        </p:spPr>
+        <p:txBody>
+          <a:bodyPr wrap="square">
+            <a:spAutoFit/>
+          </a:bodyPr>
+          <a:lstStyle/>
+          <a:p>
+            <a:r>
+              <a:rPr lang="en-US" sz="2800" b="1" dirty="0" smtClean="0">
+                <a:latin typeface="Encode Sans Normal" panose="02000000000000000000" pitchFamily="2" charset="0"/>
+              </a:rPr>
+              <a:t>2. Clean Trans-Atlantic Slave Trade Data</a:t>
+            </a:r>
+            <a:endParaRPr lang="en-US" sz="2800" b="1" dirty="0">
+              <a:latin typeface="Encode Sans Normal" panose="02000000000000000000" pitchFamily="2" charset="0"/>
+            </a:endParaRPr>
+          </a:p>
+        </p:txBody>
+      </p:sp>
+      <p:sp>
+        <p:nvSpPr>
+          <p:cNvPr id="140" name="TextBox 139"/>
+          <p:cNvSpPr txBox="1"/>
+          <p:nvPr/>
+        </p:nvSpPr>
+        <p:spPr>
+          <a:xfrm>
+            <a:off x="1219200" y="31126093"/>
+            <a:ext cx="16419136" cy="954107"/>
+          </a:xfrm>
+          <a:prstGeom prst="rect">
+            <a:avLst/>
+          </a:prstGeom>
+          <a:noFill/>
+        </p:spPr>
+        <p:txBody>
+          <a:bodyPr wrap="square" rtlCol="0">
+            <a:spAutoFit/>
+          </a:bodyPr>
+          <a:lstStyle/>
+          <a:p>
+            <a:pPr marL="457200" indent="-457200">
+              <a:buFont typeface="Arial" charset="0"/>
+              <a:buChar char="•"/>
+            </a:pPr>
+            <a:r>
+              <a:rPr lang="en-US" sz="2800" dirty="0" smtClean="0">
+                <a:latin typeface="Encode Sans Normal" panose="02000000000000000000"/>
+              </a:rPr>
+              <a:t>Encoded the data using either a label encoder or a one hot encoder depending on the classification algorithm used</a:t>
+            </a:r>
+            <a:endParaRPr lang="en-US" sz="2800" dirty="0" smtClean="0"/>
+          </a:p>
+        </p:txBody>
+      </p:sp>
+      <p:sp>
+        <p:nvSpPr>
+          <p:cNvPr id="36" name="Rectangle 35"/>
+          <p:cNvSpPr/>
+          <p:nvPr/>
+        </p:nvSpPr>
+        <p:spPr>
+          <a:xfrm>
+            <a:off x="1167384" y="26896770"/>
+            <a:ext cx="21945600" cy="954107"/>
+          </a:xfrm>
+          <a:prstGeom prst="rect">
+            <a:avLst/>
+          </a:prstGeom>
+        </p:spPr>
+        <p:txBody>
+          <a:bodyPr>
+            <a:spAutoFit/>
+          </a:bodyPr>
+          <a:lstStyle/>
+          <a:p>
+            <a:pPr marL="457200" indent="-457200">
+              <a:buFont typeface="Arial" panose="020B0604020202020204" pitchFamily="34" charset="0"/>
+              <a:buChar char="•"/>
+            </a:pPr>
+            <a:r>
+              <a:rPr lang="en-US" sz="2800" dirty="0">
+                <a:latin typeface="Encode Sans Normal" panose="02000000000000000000"/>
+              </a:rPr>
+              <a:t>Explored the different columns to find columns that were also in the CLIWOC data </a:t>
+            </a:r>
+          </a:p>
+          <a:p>
+            <a:pPr marL="457200" indent="-457200">
+              <a:buFont typeface="Arial" panose="020B0604020202020204" pitchFamily="34" charset="0"/>
+              <a:buChar char="•"/>
+            </a:pPr>
+            <a:r>
+              <a:rPr lang="en-US" sz="2800" dirty="0">
+                <a:latin typeface="Encode Sans Normal" panose="02000000000000000000"/>
+              </a:rPr>
+              <a:t> Isolated the columns of interest to be used in the classification</a:t>
+            </a:r>
+          </a:p>
+        </p:txBody>
+      </p:sp>
+      <p:sp>
+        <p:nvSpPr>
+          <p:cNvPr id="141" name="Rectangle 140"/>
+          <p:cNvSpPr/>
+          <p:nvPr/>
+        </p:nvSpPr>
+        <p:spPr>
+          <a:xfrm>
+            <a:off x="1185120" y="28036360"/>
+            <a:ext cx="6773369" cy="523220"/>
+          </a:xfrm>
+          <a:prstGeom prst="rect">
+            <a:avLst/>
+          </a:prstGeom>
+        </p:spPr>
+        <p:txBody>
+          <a:bodyPr wrap="square">
+            <a:spAutoFit/>
+          </a:bodyPr>
+          <a:lstStyle/>
+          <a:p>
+            <a:r>
+              <a:rPr lang="en-US" sz="2800" b="1" dirty="0">
+                <a:latin typeface="Encode Sans Normal" panose="02000000000000000000" pitchFamily="2" charset="0"/>
+              </a:rPr>
+              <a:t>3</a:t>
+            </a:r>
+            <a:r>
+              <a:rPr lang="en-US" sz="2800" b="1" dirty="0" smtClean="0">
+                <a:latin typeface="Encode Sans Normal" panose="02000000000000000000" pitchFamily="2" charset="0"/>
+              </a:rPr>
+              <a:t>. Join two data sets</a:t>
+            </a:r>
+            <a:endParaRPr lang="en-US" sz="2800" b="1" dirty="0">
+              <a:latin typeface="Encode Sans Normal" panose="02000000000000000000" pitchFamily="2" charset="0"/>
+            </a:endParaRPr>
+          </a:p>
+        </p:txBody>
+      </p:sp>
+      <p:sp>
+        <p:nvSpPr>
+          <p:cNvPr id="37" name="Rectangle 36"/>
+          <p:cNvSpPr/>
+          <p:nvPr/>
+        </p:nvSpPr>
+        <p:spPr>
+          <a:xfrm>
+            <a:off x="1232182" y="28580544"/>
+            <a:ext cx="21945600" cy="1815882"/>
+          </a:xfrm>
+          <a:prstGeom prst="rect">
+            <a:avLst/>
+          </a:prstGeom>
+        </p:spPr>
+        <p:txBody>
+          <a:bodyPr>
+            <a:spAutoFit/>
+          </a:bodyPr>
+          <a:lstStyle/>
+          <a:p>
+            <a:pPr marL="457200" indent="-457200">
+              <a:buFont typeface="Arial" panose="020B0604020202020204" pitchFamily="34" charset="0"/>
+              <a:buChar char="•"/>
+            </a:pPr>
+            <a:r>
+              <a:rPr lang="en-US" sz="2800" dirty="0">
+                <a:latin typeface="Encode Sans Normal" panose="02000000000000000000"/>
+              </a:rPr>
+              <a:t>Joined the two data sets and cleaned</a:t>
+            </a:r>
+          </a:p>
+          <a:p>
+            <a:r>
+              <a:rPr lang="en-US" sz="2800" dirty="0">
+                <a:latin typeface="Encode Sans Normal" panose="02000000000000000000"/>
+              </a:rPr>
+              <a:t>      ⌲ converted all strings to lower case</a:t>
+            </a:r>
+          </a:p>
+          <a:p>
+            <a:r>
+              <a:rPr lang="en-US" sz="2800" dirty="0">
+                <a:latin typeface="Encode Sans Normal" panose="02000000000000000000"/>
+              </a:rPr>
+              <a:t>      ⌲ removed trailing whitespace</a:t>
+            </a:r>
+          </a:p>
+          <a:p>
+            <a:r>
+              <a:rPr lang="en-US" sz="2800" dirty="0">
+                <a:latin typeface="Encode Sans Normal" panose="02000000000000000000"/>
+              </a:rPr>
+              <a:t>      ⌲ matched column names</a:t>
+            </a:r>
+          </a:p>
+        </p:txBody>
+      </p:sp>
+      <p:sp>
+        <p:nvSpPr>
+          <p:cNvPr id="145" name="Rectangle 144"/>
+          <p:cNvSpPr/>
+          <p:nvPr/>
+        </p:nvSpPr>
+        <p:spPr>
+          <a:xfrm>
+            <a:off x="1148334" y="30499649"/>
+            <a:ext cx="6773369" cy="523220"/>
+          </a:xfrm>
+          <a:prstGeom prst="rect">
+            <a:avLst/>
+          </a:prstGeom>
+        </p:spPr>
+        <p:txBody>
+          <a:bodyPr wrap="square">
+            <a:spAutoFit/>
+          </a:bodyPr>
+          <a:lstStyle/>
+          <a:p>
+            <a:r>
+              <a:rPr lang="en-US" sz="2800" b="1" dirty="0" smtClean="0">
+                <a:latin typeface="Encode Sans Normal" panose="02000000000000000000" pitchFamily="2" charset="0"/>
+              </a:rPr>
+              <a:t>4. Encode data for classification</a:t>
+            </a:r>
+            <a:endParaRPr lang="en-US" sz="2800" b="1" dirty="0">
+              <a:latin typeface="Encode Sans Normal" panose="02000000000000000000" pitchFamily="2" charset="0"/>
+            </a:endParaRPr>
+          </a:p>
+        </p:txBody>
+      </p:sp>
+      <p:sp>
+        <p:nvSpPr>
+          <p:cNvPr id="146" name="Rectangle 145"/>
+          <p:cNvSpPr/>
+          <p:nvPr/>
+        </p:nvSpPr>
+        <p:spPr>
+          <a:xfrm>
+            <a:off x="19686890" y="18622405"/>
+            <a:ext cx="2669725" cy="523220"/>
+          </a:xfrm>
+          <a:prstGeom prst="rect">
+            <a:avLst/>
+          </a:prstGeom>
+        </p:spPr>
+        <p:txBody>
+          <a:bodyPr wrap="square">
+            <a:spAutoFit/>
+          </a:bodyPr>
+          <a:lstStyle/>
+          <a:p>
+            <a:r>
+              <a:rPr lang="en-US" sz="2800" b="1" dirty="0" smtClean="0">
+                <a:latin typeface="Encode Sans Normal" panose="02000000000000000000" pitchFamily="2" charset="0"/>
+              </a:rPr>
+              <a:t>Naïve Bayes</a:t>
+            </a:r>
+            <a:endParaRPr lang="en-US" sz="2800" b="1" dirty="0">
+              <a:latin typeface="Encode Sans Normal" panose="02000000000000000000" pitchFamily="2" charset="0"/>
+            </a:endParaRPr>
+          </a:p>
+        </p:txBody>
+      </p:sp>
+      <p:sp>
+        <p:nvSpPr>
+          <p:cNvPr id="147" name="Rectangle 146"/>
+          <p:cNvSpPr/>
+          <p:nvPr/>
+        </p:nvSpPr>
+        <p:spPr>
+          <a:xfrm>
+            <a:off x="27327597" y="18622405"/>
+            <a:ext cx="2972238" cy="523220"/>
+          </a:xfrm>
+          <a:prstGeom prst="rect">
+            <a:avLst/>
+          </a:prstGeom>
+        </p:spPr>
+        <p:txBody>
+          <a:bodyPr wrap="square">
+            <a:spAutoFit/>
+          </a:bodyPr>
+          <a:lstStyle/>
+          <a:p>
+            <a:r>
+              <a:rPr lang="en-US" sz="2800" b="1" dirty="0" smtClean="0">
+                <a:latin typeface="Encode Sans Normal" panose="02000000000000000000" pitchFamily="2" charset="0"/>
+              </a:rPr>
+              <a:t>Decision Trees</a:t>
+            </a:r>
+            <a:endParaRPr lang="en-US" sz="2800" b="1" dirty="0">
+              <a:latin typeface="Encode Sans Normal" panose="02000000000000000000" pitchFamily="2" charset="0"/>
+            </a:endParaRPr>
+          </a:p>
+        </p:txBody>
+      </p:sp>
+      <p:sp>
+        <p:nvSpPr>
+          <p:cNvPr id="149" name="TextBox 148"/>
+          <p:cNvSpPr txBox="1"/>
+          <p:nvPr/>
+        </p:nvSpPr>
+        <p:spPr>
+          <a:xfrm>
+            <a:off x="25443147" y="19161921"/>
+            <a:ext cx="7287980" cy="1815882"/>
+          </a:xfrm>
+          <a:prstGeom prst="rect">
+            <a:avLst/>
+          </a:prstGeom>
+          <a:noFill/>
+        </p:spPr>
+        <p:txBody>
+          <a:bodyPr wrap="square" rtlCol="0">
+            <a:spAutoFit/>
+          </a:bodyPr>
+          <a:lstStyle/>
+          <a:p>
+            <a:pPr marL="514350" indent="-514350">
+              <a:buFont typeface="+mj-lt"/>
+              <a:buAutoNum type="arabicPeriod"/>
+            </a:pPr>
+            <a:r>
+              <a:rPr lang="en-US" sz="2800" dirty="0" smtClean="0">
+                <a:latin typeface="Encode Sans Normal" panose="02000000000000000000"/>
+              </a:rPr>
+              <a:t>99% of validation set 1 were classified correctly</a:t>
+            </a:r>
+          </a:p>
+          <a:p>
+            <a:pPr marL="514350" indent="-514350">
+              <a:buFont typeface="+mj-lt"/>
+              <a:buAutoNum type="arabicPeriod"/>
+            </a:pPr>
+            <a:r>
+              <a:rPr lang="en-US" sz="2800" dirty="0" smtClean="0">
+                <a:latin typeface="Encode Sans Normal" panose="02000000000000000000"/>
+              </a:rPr>
+              <a:t>5.6% of validation set 2 were classified correctly</a:t>
+            </a:r>
+            <a:endParaRPr lang="en-US" sz="2800" dirty="0">
+              <a:latin typeface="Encode Sans Normal" panose="02000000000000000000"/>
+            </a:endParaRPr>
+          </a:p>
+        </p:txBody>
+      </p:sp>
+      <p:sp>
+        <p:nvSpPr>
+          <p:cNvPr id="151" name="TextBox 150"/>
+          <p:cNvSpPr txBox="1"/>
+          <p:nvPr/>
+        </p:nvSpPr>
+        <p:spPr>
+          <a:xfrm>
+            <a:off x="17875109" y="19193844"/>
+            <a:ext cx="7287980" cy="1815882"/>
+          </a:xfrm>
+          <a:prstGeom prst="rect">
+            <a:avLst/>
+          </a:prstGeom>
+          <a:noFill/>
+        </p:spPr>
+        <p:txBody>
+          <a:bodyPr wrap="square" rtlCol="0">
+            <a:spAutoFit/>
+          </a:bodyPr>
+          <a:lstStyle/>
+          <a:p>
+            <a:pPr marL="514350" indent="-514350">
+              <a:buFont typeface="+mj-lt"/>
+              <a:buAutoNum type="arabicPeriod"/>
+            </a:pPr>
+            <a:r>
+              <a:rPr lang="en-US" sz="2800" dirty="0" smtClean="0">
+                <a:latin typeface="Encode Sans Normal" panose="02000000000000000000"/>
+              </a:rPr>
+              <a:t>100% of validation set 1 were classified correctly</a:t>
+            </a:r>
+          </a:p>
+          <a:p>
+            <a:pPr marL="514350" indent="-514350">
+              <a:buFont typeface="+mj-lt"/>
+              <a:buAutoNum type="arabicPeriod"/>
+            </a:pPr>
+            <a:r>
+              <a:rPr lang="en-US" sz="2800" dirty="0" smtClean="0">
+                <a:latin typeface="Encode Sans Normal" panose="02000000000000000000"/>
+              </a:rPr>
+              <a:t>0% of validation set 2 were classified correctly</a:t>
+            </a:r>
+            <a:endParaRPr lang="en-US" sz="2800" dirty="0">
+              <a:latin typeface="Encode Sans Normal" panose="02000000000000000000"/>
+            </a:endParaRPr>
+          </a:p>
+        </p:txBody>
+      </p:sp>
+      <p:pic>
+        <p:nvPicPr>
+          <p:cNvPr id="16" name="Picture 15"/>
+          <p:cNvPicPr>
+            <a:picLocks noChangeAspect="1"/>
+          </p:cNvPicPr>
+          <p:nvPr/>
+        </p:nvPicPr>
+        <p:blipFill rotWithShape="1">
+          <a:blip r:embed="rId11">
+            <a:extLst>
+              <a:ext uri="{28A0092B-C50C-407E-A947-70E740481C1C}">
+                <a14:useLocalDpi xmlns:a14="http://schemas.microsoft.com/office/drawing/2010/main" val="0"/>
+              </a:ext>
+            </a:extLst>
+          </a:blip>
+          <a:srcRect l="10703"/>
+          <a:stretch/>
+        </p:blipFill>
+        <p:spPr>
+          <a:xfrm>
+            <a:off x="25305176" y="26505895"/>
+            <a:ext cx="8527406" cy="5574305"/>
+          </a:xfrm>
+          <a:prstGeom prst="rect">
+            <a:avLst/>
+          </a:prstGeom>
+          <a:ln>
+            <a:solidFill>
+              <a:schemeClr val="tx1"/>
+            </a:solidFill>
+          </a:ln>
+        </p:spPr>
+      </p:pic>
+      <p:pic>
+        <p:nvPicPr>
+          <p:cNvPr id="20" name="Picture 19"/>
+          <p:cNvPicPr>
+            <a:picLocks noChangeAspect="1"/>
+          </p:cNvPicPr>
+          <p:nvPr/>
+        </p:nvPicPr>
+        <p:blipFill>
+          <a:blip r:embed="rId12">
+            <a:extLst>
+              <a:ext uri="{28A0092B-C50C-407E-A947-70E740481C1C}">
+                <a14:useLocalDpi xmlns:a14="http://schemas.microsoft.com/office/drawing/2010/main" val="0"/>
+              </a:ext>
+            </a:extLst>
+          </a:blip>
+          <a:stretch>
+            <a:fillRect/>
+          </a:stretch>
+        </p:blipFill>
+        <p:spPr>
+          <a:xfrm>
+            <a:off x="18078372" y="21355213"/>
+            <a:ext cx="8648199" cy="5602841"/>
+          </a:xfrm>
+          <a:prstGeom prst="rect">
+            <a:avLst/>
+          </a:prstGeom>
+          <a:ln>
+            <a:solidFill>
+              <a:schemeClr val="tx1"/>
+            </a:solidFill>
+          </a:ln>
+        </p:spPr>
+      </p:pic>
+      <p:sp>
+        <p:nvSpPr>
+          <p:cNvPr id="138" name="TextBox 137"/>
+          <p:cNvSpPr txBox="1"/>
+          <p:nvPr/>
+        </p:nvSpPr>
+        <p:spPr>
+          <a:xfrm>
+            <a:off x="26903765" y="23096991"/>
+            <a:ext cx="7287980" cy="954107"/>
+          </a:xfrm>
+          <a:prstGeom prst="rect">
+            <a:avLst/>
+          </a:prstGeom>
+          <a:noFill/>
+        </p:spPr>
+        <p:txBody>
+          <a:bodyPr wrap="square" rtlCol="0">
+            <a:spAutoFit/>
+          </a:bodyPr>
+          <a:lstStyle/>
+          <a:p>
+            <a:r>
+              <a:rPr lang="en-US" sz="2800" i="1" dirty="0" smtClean="0">
+                <a:latin typeface="Encode Sans Normal" panose="02000000000000000000"/>
+              </a:rPr>
+              <a:t>Trajectories of CLIWOC ships with logs that directly mentioned slaves</a:t>
+            </a:r>
+            <a:endParaRPr lang="en-US" sz="2800" i="1" dirty="0">
+              <a:latin typeface="Encode Sans Normal" panose="02000000000000000000"/>
+            </a:endParaRPr>
+          </a:p>
+        </p:txBody>
+      </p:sp>
+      <p:sp>
+        <p:nvSpPr>
+          <p:cNvPr id="139" name="TextBox 138"/>
+          <p:cNvSpPr txBox="1"/>
+          <p:nvPr/>
+        </p:nvSpPr>
+        <p:spPr>
+          <a:xfrm>
+            <a:off x="17927049" y="28950637"/>
+            <a:ext cx="7287980" cy="954107"/>
+          </a:xfrm>
+          <a:prstGeom prst="rect">
+            <a:avLst/>
+          </a:prstGeom>
+          <a:noFill/>
+        </p:spPr>
+        <p:txBody>
+          <a:bodyPr wrap="square" rtlCol="0">
+            <a:spAutoFit/>
+          </a:bodyPr>
+          <a:lstStyle/>
+          <a:p>
+            <a:r>
+              <a:rPr lang="en-US" sz="2800" i="1" dirty="0" smtClean="0">
+                <a:latin typeface="Encode Sans Normal" panose="02000000000000000000"/>
+              </a:rPr>
+              <a:t>Trajectories of CLIWOC ships classified as slave ships by decision trees classifier</a:t>
+            </a:r>
+            <a:endParaRPr lang="en-US" sz="2800" i="1" dirty="0">
+              <a:latin typeface="Encode Sans Normal" panose="02000000000000000000"/>
+            </a:endParaRPr>
+          </a:p>
+        </p:txBody>
+      </p:sp>
+      <p:cxnSp>
+        <p:nvCxnSpPr>
+          <p:cNvPr id="152" name="Straight Connector 151"/>
+          <p:cNvCxnSpPr/>
+          <p:nvPr/>
+        </p:nvCxnSpPr>
+        <p:spPr>
+          <a:xfrm flipH="1">
+            <a:off x="17648020" y="21064149"/>
+            <a:ext cx="16413380" cy="43251"/>
+          </a:xfrm>
+          <a:prstGeom prst="line">
+            <a:avLst/>
+          </a:prstGeom>
+          <a:ln>
+            <a:solidFill>
+              <a:srgbClr val="33006F"/>
+            </a:solidFill>
+          </a:ln>
+        </p:spPr>
+        <p:style>
+          <a:lnRef idx="1">
+            <a:schemeClr val="accent1"/>
+          </a:lnRef>
+          <a:fillRef idx="0">
+            <a:schemeClr val="accent1"/>
+          </a:fillRef>
+          <a:effectRef idx="0">
+            <a:schemeClr val="accent1"/>
+          </a:effectRef>
+          <a:fontRef idx="minor">
+            <a:schemeClr val="tx1"/>
+          </a:fontRef>
+        </p:style>
+      </p:cxnSp>
     </p:spTree>
     <p:extLst>
       <p:ext uri="{BB962C8B-B14F-4D97-AF65-F5344CB8AC3E}">

--- a/Poster/exploring-ship-logbooks-poster.pptx
+++ b/Poster/exploring-ship-logbooks-poster.pptx
@@ -5307,7 +5307,13 @@
                 <a:rPr lang="en-US" sz="2800" dirty="0" smtClean="0">
                   <a:latin typeface="Encode Sans Normal" panose="02000000000000000000"/>
                 </a:rPr>
-                <a:t> - Entries from the CLIWOC data with ship names proven to not be involved with the slave trade (mainly naval ships</a:t>
+                <a:t> - Entries from the CLIWOC data with ship names proven to not be involved with the slave trade (mainly naval </a:t>
+              </a:r>
+              <a:r>
+                <a:rPr lang="en-US" sz="2800" dirty="0" smtClean="0">
+                  <a:latin typeface="Encode Sans Normal" panose="02000000000000000000"/>
+                </a:rPr>
+                <a:t>ships)</a:t>
               </a:r>
               <a:endParaRPr lang="en-US" sz="2800" dirty="0">
                 <a:latin typeface="Encode Sans Normal" panose="02000000000000000000"/>
@@ -6774,7 +6780,7 @@
         <p:spPr>
           <a:xfrm>
             <a:off x="25853593" y="12977737"/>
-            <a:ext cx="6467088" cy="3970318"/>
+            <a:ext cx="6467088" cy="2677656"/>
           </a:xfrm>
           <a:prstGeom prst="rect">
             <a:avLst/>
@@ -6792,28 +6798,10 @@
               <a:buChar char="•"/>
             </a:pPr>
             <a:r>
-              <a:rPr lang="en-US" sz="2800" dirty="0">
-                <a:latin typeface="Encode Sans Normal" panose="02000000000000000000"/>
-              </a:rPr>
-              <a:t>I</a:t>
-            </a:r>
-            <a:r>
               <a:rPr lang="en-US" sz="2800" dirty="0" smtClean="0">
                 <a:latin typeface="Encode Sans Normal" panose="02000000000000000000"/>
               </a:rPr>
-              <a:t>mplemented using </a:t>
-            </a:r>
-            <a:r>
-              <a:rPr lang="en-US" sz="2800" dirty="0" err="1" smtClean="0">
-                <a:latin typeface="Encode Sans Normal" panose="02000000000000000000"/>
-              </a:rPr>
-              <a:t>scikit</a:t>
-            </a:r>
-            <a:r>
-              <a:rPr lang="en-US" sz="2800" dirty="0" smtClean="0">
-                <a:latin typeface="Encode Sans Normal" panose="02000000000000000000"/>
-              </a:rPr>
-              <a:t>-learn) was tested for classification of the data</a:t>
+              <a:t>This probabilistic model fits a probability distribution to each class of data and determines the probability that a new point belongs to each class</a:t>
             </a:r>
           </a:p>
           <a:p>
@@ -6825,31 +6813,19 @@
               <a:rPr lang="en-US" sz="2800" dirty="0" smtClean="0">
                 <a:latin typeface="Encode Sans Normal" panose="02000000000000000000"/>
               </a:rPr>
-              <a:t>This </a:t>
-            </a:r>
-            <a:r>
-              <a:rPr lang="en-US" sz="2800" dirty="0">
+              <a:t>Implemented using </a:t>
+            </a:r>
+            <a:r>
+              <a:rPr lang="en-US" sz="2800" dirty="0" err="1" smtClean="0">
                 <a:latin typeface="Encode Sans Normal" panose="02000000000000000000"/>
               </a:rPr>
-              <a:t>probabilistic model fits a probability distribution to each class of </a:t>
+              <a:t>sci</a:t>
             </a:r>
             <a:r>
               <a:rPr lang="en-US" sz="2800" dirty="0" smtClean="0">
                 <a:latin typeface="Encode Sans Normal" panose="02000000000000000000"/>
               </a:rPr>
-              <a:t>data </a:t>
-            </a:r>
-            <a:r>
-              <a:rPr lang="en-US" sz="2800" dirty="0">
-                <a:latin typeface="Encode Sans Normal" panose="02000000000000000000"/>
-              </a:rPr>
-              <a:t>and determines the probability that a new point belongs to each </a:t>
-            </a:r>
-            <a:r>
-              <a:rPr lang="en-US" sz="2800" dirty="0" smtClean="0">
-                <a:latin typeface="Encode Sans Normal" panose="02000000000000000000"/>
-              </a:rPr>
-              <a:t>class</a:t>
+              <a:t>-kit-learn</a:t>
             </a:r>
             <a:endParaRPr lang="en-US" sz="2800" dirty="0">
               <a:latin typeface="Encode Sans Normal" panose="02000000000000000000"/>
@@ -6932,20 +6908,35 @@
               <a:rPr lang="en-US" sz="2800" dirty="0" smtClean="0">
                 <a:latin typeface="Encode Sans Normal" panose="02000000000000000000"/>
               </a:rPr>
-              <a:t>ree (a predictive model) was also fitted to the data using </a:t>
+              <a:t>ree (a predictive model) was also </a:t>
+            </a:r>
+            <a:r>
+              <a:rPr lang="en-US" sz="2800" dirty="0" smtClean="0">
+                <a:latin typeface="Encode Sans Normal" panose="02000000000000000000"/>
+              </a:rPr>
+              <a:t>fit </a:t>
+            </a:r>
+            <a:r>
+              <a:rPr lang="en-US" sz="2800" dirty="0" smtClean="0">
+                <a:latin typeface="Encode Sans Normal" panose="02000000000000000000"/>
+              </a:rPr>
+              <a:t>to the data using </a:t>
             </a:r>
             <a:r>
               <a:rPr lang="en-US" sz="2800" dirty="0" err="1" smtClean="0">
                 <a:latin typeface="Encode Sans Normal" panose="02000000000000000000"/>
               </a:rPr>
-              <a:t>scikit</a:t>
+              <a:t>sci</a:t>
             </a:r>
             <a:r>
               <a:rPr lang="en-US" sz="2800" dirty="0" smtClean="0">
                 <a:latin typeface="Encode Sans Normal" panose="02000000000000000000"/>
               </a:rPr>
-              <a:t>-learn</a:t>
-            </a:r>
+              <a:t>-kit-learn</a:t>
+            </a:r>
+            <a:endParaRPr lang="en-US" sz="2800" dirty="0" smtClean="0">
+              <a:latin typeface="Encode Sans Normal" panose="02000000000000000000"/>
+            </a:endParaRPr>
           </a:p>
           <a:p>
             <a:pPr marL="457200" indent="-457200">
@@ -9114,10 +9105,16 @@
               <a:buChar char="•"/>
             </a:pPr>
             <a:r>
+              <a:rPr lang="en-US" sz="2800" dirty="0" smtClean="0">
+                <a:latin typeface="Encode Sans Normal" panose="02000000000000000000"/>
+              </a:rPr>
+              <a:t>Isolated </a:t>
+            </a:r>
+            <a:r>
               <a:rPr lang="en-US" sz="2800" dirty="0">
                 <a:latin typeface="Encode Sans Normal" panose="02000000000000000000"/>
               </a:rPr>
-              <a:t> Isolated the columns of interest to be used in the classification</a:t>
+              <a:t>the columns of interest to be used in the classification</a:t>
             </a:r>
           </a:p>
         </p:txBody>

--- a/Poster/exploring-ship-logbooks-poster.pptx
+++ b/Poster/exploring-ship-logbooks-poster.pptx
@@ -208,7 +208,7 @@
           <a:p>
             <a:fld id="{17579164-3CC6-4B88-94C7-9CBC73AA200C}" type="datetimeFigureOut">
               <a:rPr lang="en-US" smtClean="0"/>
-              <a:t>3/14/2016</a:t>
+              <a:t>3/15/2016</a:t>
             </a:fld>
             <a:endParaRPr lang="en-US"/>
           </a:p>
@@ -741,7 +741,7 @@
           <a:p>
             <a:fld id="{6FA05544-8301-4024-9C77-721654DB92CE}" type="datetimeFigureOut">
               <a:rPr lang="en-US" smtClean="0"/>
-              <a:t>3/14/2016</a:t>
+              <a:t>3/15/2016</a:t>
             </a:fld>
             <a:endParaRPr lang="en-US"/>
           </a:p>
@@ -911,7 +911,7 @@
           <a:p>
             <a:fld id="{6FA05544-8301-4024-9C77-721654DB92CE}" type="datetimeFigureOut">
               <a:rPr lang="en-US" smtClean="0"/>
-              <a:t>3/14/2016</a:t>
+              <a:t>3/15/2016</a:t>
             </a:fld>
             <a:endParaRPr lang="en-US"/>
           </a:p>
@@ -1091,7 +1091,7 @@
           <a:p>
             <a:fld id="{6FA05544-8301-4024-9C77-721654DB92CE}" type="datetimeFigureOut">
               <a:rPr lang="en-US" smtClean="0"/>
-              <a:t>3/14/2016</a:t>
+              <a:t>3/15/2016</a:t>
             </a:fld>
             <a:endParaRPr lang="en-US"/>
           </a:p>
@@ -1261,7 +1261,7 @@
           <a:p>
             <a:fld id="{6FA05544-8301-4024-9C77-721654DB92CE}" type="datetimeFigureOut">
               <a:rPr lang="en-US" smtClean="0"/>
-              <a:t>3/14/2016</a:t>
+              <a:t>3/15/2016</a:t>
             </a:fld>
             <a:endParaRPr lang="en-US"/>
           </a:p>
@@ -1507,7 +1507,7 @@
           <a:p>
             <a:fld id="{6FA05544-8301-4024-9C77-721654DB92CE}" type="datetimeFigureOut">
               <a:rPr lang="en-US" smtClean="0"/>
-              <a:t>3/14/2016</a:t>
+              <a:t>3/15/2016</a:t>
             </a:fld>
             <a:endParaRPr lang="en-US"/>
           </a:p>
@@ -1795,7 +1795,7 @@
           <a:p>
             <a:fld id="{6FA05544-8301-4024-9C77-721654DB92CE}" type="datetimeFigureOut">
               <a:rPr lang="en-US" smtClean="0"/>
-              <a:t>3/14/2016</a:t>
+              <a:t>3/15/2016</a:t>
             </a:fld>
             <a:endParaRPr lang="en-US"/>
           </a:p>
@@ -2217,7 +2217,7 @@
           <a:p>
             <a:fld id="{6FA05544-8301-4024-9C77-721654DB92CE}" type="datetimeFigureOut">
               <a:rPr lang="en-US" smtClean="0"/>
-              <a:t>3/14/2016</a:t>
+              <a:t>3/15/2016</a:t>
             </a:fld>
             <a:endParaRPr lang="en-US"/>
           </a:p>
@@ -2335,7 +2335,7 @@
           <a:p>
             <a:fld id="{6FA05544-8301-4024-9C77-721654DB92CE}" type="datetimeFigureOut">
               <a:rPr lang="en-US" smtClean="0"/>
-              <a:t>3/14/2016</a:t>
+              <a:t>3/15/2016</a:t>
             </a:fld>
             <a:endParaRPr lang="en-US"/>
           </a:p>
@@ -2430,7 +2430,7 @@
           <a:p>
             <a:fld id="{6FA05544-8301-4024-9C77-721654DB92CE}" type="datetimeFigureOut">
               <a:rPr lang="en-US" smtClean="0"/>
-              <a:t>3/14/2016</a:t>
+              <a:t>3/15/2016</a:t>
             </a:fld>
             <a:endParaRPr lang="en-US"/>
           </a:p>
@@ -2707,7 +2707,7 @@
           <a:p>
             <a:fld id="{6FA05544-8301-4024-9C77-721654DB92CE}" type="datetimeFigureOut">
               <a:rPr lang="en-US" smtClean="0"/>
-              <a:t>3/14/2016</a:t>
+              <a:t>3/15/2016</a:t>
             </a:fld>
             <a:endParaRPr lang="en-US"/>
           </a:p>
@@ -2960,7 +2960,7 @@
           <a:p>
             <a:fld id="{6FA05544-8301-4024-9C77-721654DB92CE}" type="datetimeFigureOut">
               <a:rPr lang="en-US" smtClean="0"/>
-              <a:t>3/14/2016</a:t>
+              <a:t>3/15/2016</a:t>
             </a:fld>
             <a:endParaRPr lang="en-US"/>
           </a:p>
@@ -3173,7 +3173,7 @@
           <a:p>
             <a:fld id="{6FA05544-8301-4024-9C77-721654DB92CE}" type="datetimeFigureOut">
               <a:rPr lang="en-US" smtClean="0"/>
-              <a:t>3/14/2016</a:t>
+              <a:t>3/15/2016</a:t>
             </a:fld>
             <a:endParaRPr lang="en-US"/>
           </a:p>
@@ -5307,13 +5307,7 @@
                 <a:rPr lang="en-US" sz="2800" dirty="0" smtClean="0">
                   <a:latin typeface="Encode Sans Normal" panose="02000000000000000000"/>
                 </a:rPr>
-                <a:t> - Entries from the CLIWOC data with ship names proven to not be involved with the slave trade (mainly naval </a:t>
-              </a:r>
-              <a:r>
-                <a:rPr lang="en-US" sz="2800" dirty="0" smtClean="0">
-                  <a:latin typeface="Encode Sans Normal" panose="02000000000000000000"/>
-                </a:rPr>
-                <a:t>ships)</a:t>
+                <a:t> - Entries from the CLIWOC data with ship names proven to not be involved with the slave trade (mainly naval ships)</a:t>
               </a:r>
               <a:endParaRPr lang="en-US" sz="2800" dirty="0">
                 <a:latin typeface="Encode Sans Normal" panose="02000000000000000000"/>
@@ -6908,19 +6902,7 @@
               <a:rPr lang="en-US" sz="2800" dirty="0" smtClean="0">
                 <a:latin typeface="Encode Sans Normal" panose="02000000000000000000"/>
               </a:rPr>
-              <a:t>ree (a predictive model) was also </a:t>
-            </a:r>
-            <a:r>
-              <a:rPr lang="en-US" sz="2800" dirty="0" smtClean="0">
-                <a:latin typeface="Encode Sans Normal" panose="02000000000000000000"/>
-              </a:rPr>
-              <a:t>fit </a:t>
-            </a:r>
-            <a:r>
-              <a:rPr lang="en-US" sz="2800" dirty="0" smtClean="0">
-                <a:latin typeface="Encode Sans Normal" panose="02000000000000000000"/>
-              </a:rPr>
-              <a:t>to the data using </a:t>
+              <a:t>ree (a predictive model) was also fit to the data using </a:t>
             </a:r>
             <a:r>
               <a:rPr lang="en-US" sz="2800" dirty="0" err="1" smtClean="0">
@@ -6934,9 +6916,6 @@
               </a:rPr>
               <a:t>-kit-learn</a:t>
             </a:r>
-            <a:endParaRPr lang="en-US" sz="2800" dirty="0" smtClean="0">
-              <a:latin typeface="Encode Sans Normal" panose="02000000000000000000"/>
-            </a:endParaRPr>
           </a:p>
           <a:p>
             <a:pPr marL="457200" indent="-457200">
@@ -8925,46 +8904,6 @@
           </a:prstGeom>
         </p:spPr>
       </p:pic>
-      <p:pic>
-        <p:nvPicPr>
-          <p:cNvPr id="35" name="Picture 34"/>
-          <p:cNvPicPr>
-            <a:picLocks noChangeAspect="1"/>
-          </p:cNvPicPr>
-          <p:nvPr/>
-        </p:nvPicPr>
-        <p:blipFill>
-          <a:blip r:embed="rId10">
-            <a:clrChange>
-              <a:clrFrom>
-                <a:srgbClr val="FFFFFF"/>
-              </a:clrFrom>
-              <a:clrTo>
-                <a:srgbClr val="FFFFFF">
-                  <a:alpha val="0"/>
-                </a:srgbClr>
-              </a:clrTo>
-            </a:clrChange>
-            <a:extLst>
-              <a:ext uri="{28A0092B-C50C-407E-A947-70E740481C1C}">
-                <a14:useLocalDpi xmlns:a14="http://schemas.microsoft.com/office/drawing/2010/main" val="0"/>
-              </a:ext>
-            </a:extLst>
-          </a:blip>
-          <a:stretch>
-            <a:fillRect/>
-          </a:stretch>
-        </p:blipFill>
-        <p:spPr>
-          <a:xfrm>
-            <a:off x="12637124" y="19122265"/>
-            <a:ext cx="4306058" cy="3131679"/>
-          </a:xfrm>
-          <a:prstGeom prst="rect">
-            <a:avLst/>
-          </a:prstGeom>
-        </p:spPr>
-      </p:pic>
       <p:sp>
         <p:nvSpPr>
           <p:cNvPr id="133" name="Rectangle 132"/>
@@ -9424,7 +9363,7 @@
           <p:nvPr/>
         </p:nvPicPr>
         <p:blipFill rotWithShape="1">
-          <a:blip r:embed="rId11">
+          <a:blip r:embed="rId10">
             <a:extLst>
               <a:ext uri="{28A0092B-C50C-407E-A947-70E740481C1C}">
                 <a14:useLocalDpi xmlns:a14="http://schemas.microsoft.com/office/drawing/2010/main" val="0"/>
@@ -9458,7 +9397,7 @@
           <p:nvPr/>
         </p:nvPicPr>
         <p:blipFill>
-          <a:blip r:embed="rId12">
+          <a:blip r:embed="rId11">
             <a:extLst>
               <a:ext uri="{28A0092B-C50C-407E-A947-70E740481C1C}">
                 <a14:useLocalDpi xmlns:a14="http://schemas.microsoft.com/office/drawing/2010/main" val="0"/>
@@ -9587,6 +9526,36 @@
           </a:fontRef>
         </p:style>
       </p:cxnSp>
+      <p:pic>
+        <p:nvPicPr>
+          <p:cNvPr id="24" name="Picture 23"/>
+          <p:cNvPicPr>
+            <a:picLocks noChangeAspect="1"/>
+          </p:cNvPicPr>
+          <p:nvPr/>
+        </p:nvPicPr>
+        <p:blipFill>
+          <a:blip r:embed="rId12">
+            <a:extLst>
+              <a:ext uri="{28A0092B-C50C-407E-A947-70E740481C1C}">
+                <a14:useLocalDpi xmlns:a14="http://schemas.microsoft.com/office/drawing/2010/main" val="0"/>
+              </a:ext>
+            </a:extLst>
+          </a:blip>
+          <a:stretch>
+            <a:fillRect/>
+          </a:stretch>
+        </p:blipFill>
+        <p:spPr>
+          <a:xfrm>
+            <a:off x="12683489" y="18718137"/>
+            <a:ext cx="4405202" cy="3524162"/>
+          </a:xfrm>
+          <a:prstGeom prst="rect">
+            <a:avLst/>
+          </a:prstGeom>
+        </p:spPr>
+      </p:pic>
     </p:spTree>
     <p:extLst>
       <p:ext uri="{BB962C8B-B14F-4D97-AF65-F5344CB8AC3E}">
